--- a/Prédictions de ventes croisée d’assurence maladie et assurence.pptx
+++ b/Prédictions de ventes croisée d’assurence maladie et assurence.pptx
@@ -5,17 +5,28 @@
     <p:sldMasterId id="2147483712" r:id="rId1"/>
   </p:sldMasterIdLst>
   <p:notesMasterIdLst>
-    <p:notesMasterId r:id="rId7"/>
+    <p:notesMasterId r:id="rId18"/>
   </p:notesMasterIdLst>
   <p:handoutMasterIdLst>
-    <p:handoutMasterId r:id="rId8"/>
+    <p:handoutMasterId r:id="rId19"/>
   </p:handoutMasterIdLst>
   <p:sldIdLst>
     <p:sldId id="257" r:id="rId2"/>
     <p:sldId id="258" r:id="rId3"/>
     <p:sldId id="259" r:id="rId4"/>
-    <p:sldId id="260" r:id="rId5"/>
-    <p:sldId id="261" r:id="rId6"/>
+    <p:sldId id="262" r:id="rId5"/>
+    <p:sldId id="264" r:id="rId6"/>
+    <p:sldId id="265" r:id="rId7"/>
+    <p:sldId id="266" r:id="rId8"/>
+    <p:sldId id="267" r:id="rId9"/>
+    <p:sldId id="268" r:id="rId10"/>
+    <p:sldId id="269" r:id="rId11"/>
+    <p:sldId id="270" r:id="rId12"/>
+    <p:sldId id="271" r:id="rId13"/>
+    <p:sldId id="272" r:id="rId14"/>
+    <p:sldId id="273" r:id="rId15"/>
+    <p:sldId id="274" r:id="rId16"/>
+    <p:sldId id="275" r:id="rId17"/>
   </p:sldIdLst>
   <p:sldSz cx="12192000" cy="6858000"/>
   <p:notesSz cx="6858000" cy="9144000"/>
@@ -209,7 +220,7 @@
             <a:pPr rtl="0"/>
             <a:fld id="{2FC74BDE-6627-49B6-90F1-0334E723F64C}" type="datetime1">
               <a:rPr lang="fr-FR" smtClean="0"/>
-              <a:t>14/12/2021</a:t>
+              <a:t>15/12/2021</a:t>
             </a:fld>
             <a:endParaRPr lang="en-US" dirty="0"/>
           </a:p>
@@ -379,7 +390,7 @@
             <a:pPr rtl="0"/>
             <a:fld id="{F28DAF60-E56A-4648-8936-22D801672B6C}" type="datetime1">
               <a:rPr lang="fr-FR" smtClean="0"/>
-              <a:t>14/12/2021</a:t>
+              <a:t>15/12/2021</a:t>
             </a:fld>
             <a:endParaRPr lang="en-US"/>
           </a:p>
@@ -893,7 +904,7 @@
             <a:pPr rtl="0"/>
             <a:fld id="{E641DF6C-ECED-4BD8-8025-73323DD5D35C}" type="datetime1">
               <a:rPr lang="fr-FR" smtClean="0"/>
-              <a:t>14/12/2021</a:t>
+              <a:t>15/12/2021</a:t>
             </a:fld>
             <a:endParaRPr lang="en-US" dirty="0"/>
           </a:p>
@@ -1100,7 +1111,7 @@
             <a:pPr rtl="0"/>
             <a:fld id="{1E5B03D9-FC89-4784-BD60-336471BA7724}" type="datetime1">
               <a:rPr lang="fr-FR" smtClean="0"/>
-              <a:t>14/12/2021</a:t>
+              <a:t>15/12/2021</a:t>
             </a:fld>
             <a:endParaRPr lang="en-US" dirty="0"/>
           </a:p>
@@ -1466,7 +1477,7 @@
             <a:pPr rtl="0"/>
             <a:fld id="{D0216CB3-B929-446C-876F-83C9B86D9FDE}" type="datetime1">
               <a:rPr lang="fr-FR" smtClean="0"/>
-              <a:t>14/12/2021</a:t>
+              <a:t>15/12/2021</a:t>
             </a:fld>
             <a:endParaRPr lang="en-US" dirty="0"/>
           </a:p>
@@ -1668,7 +1679,7 @@
             <a:pPr rtl="0"/>
             <a:fld id="{22897033-9A55-4DAC-991D-1FF1921C78B7}" type="datetime1">
               <a:rPr lang="fr-FR" smtClean="0"/>
-              <a:t>14/12/2021</a:t>
+              <a:t>15/12/2021</a:t>
             </a:fld>
             <a:endParaRPr lang="en-US" dirty="0"/>
           </a:p>
@@ -1984,7 +1995,7 @@
             <a:pPr rtl="0"/>
             <a:fld id="{A1255F31-5DB3-4925-BA87-822F5B17A2F1}" type="datetime1">
               <a:rPr lang="fr-FR" smtClean="0"/>
-              <a:t>14/12/2021</a:t>
+              <a:t>15/12/2021</a:t>
             </a:fld>
             <a:endParaRPr lang="en-US" dirty="0"/>
           </a:p>
@@ -2241,7 +2252,7 @@
             <a:pPr rtl="0"/>
             <a:fld id="{7E4EF44C-5F50-4A80-A957-57B3338337C0}" type="datetime1">
               <a:rPr lang="fr-FR" smtClean="0"/>
-              <a:t>14/12/2021</a:t>
+              <a:t>15/12/2021</a:t>
             </a:fld>
             <a:endParaRPr lang="en-US" dirty="0"/>
           </a:p>
@@ -2667,7 +2678,7 @@
             <a:pPr rtl="0"/>
             <a:fld id="{B2D0F46D-59FD-4484-924E-E79DD516B5ED}" type="datetime1">
               <a:rPr lang="fr-FR" smtClean="0"/>
-              <a:t>14/12/2021</a:t>
+              <a:t>15/12/2021</a:t>
             </a:fld>
             <a:endParaRPr lang="en-US" dirty="0"/>
           </a:p>
@@ -2794,7 +2805,7 @@
             <a:pPr rtl="0"/>
             <a:fld id="{0FAEC910-4AAA-42A1-A49C-7DDC64BC53C6}" type="datetime1">
               <a:rPr lang="fr-FR" smtClean="0"/>
-              <a:t>14/12/2021</a:t>
+              <a:t>15/12/2021</a:t>
             </a:fld>
             <a:endParaRPr lang="en-US" dirty="0"/>
           </a:p>
@@ -2892,7 +2903,7 @@
             <a:pPr rtl="0"/>
             <a:fld id="{ACEC98BE-FCE2-445F-8146-3A7F8CC3881D}" type="datetime1">
               <a:rPr lang="fr-FR" smtClean="0"/>
-              <a:t>14/12/2021</a:t>
+              <a:t>15/12/2021</a:t>
             </a:fld>
             <a:endParaRPr lang="en-US" dirty="0"/>
           </a:p>
@@ -3273,7 +3284,7 @@
             <a:pPr rtl="0"/>
             <a:fld id="{6D0953DD-A6BD-427D-B7A8-BDE378B2E678}" type="datetime1">
               <a:rPr lang="fr-FR" smtClean="0"/>
-              <a:t>14/12/2021</a:t>
+              <a:t>15/12/2021</a:t>
             </a:fld>
             <a:endParaRPr lang="en-US" dirty="0"/>
           </a:p>
@@ -3571,7 +3582,7 @@
             <a:pPr rtl="0"/>
             <a:fld id="{47E77B56-6788-4F40-A65E-12AFEB3AC095}" type="datetime1">
               <a:rPr lang="fr-FR" smtClean="0"/>
-              <a:t>14/12/2021</a:t>
+              <a:t>15/12/2021</a:t>
             </a:fld>
             <a:endParaRPr lang="en-US" dirty="0"/>
           </a:p>
@@ -3789,7 +3800,7 @@
             <a:pPr rtl="0"/>
             <a:fld id="{E69A0D1A-B1A6-4A33-B3AE-513EF3B4A7E7}" type="datetime1">
               <a:rPr lang="fr-FR" smtClean="0"/>
-              <a:t>14/12/2021</a:t>
+              <a:t>15/12/2021</a:t>
             </a:fld>
             <a:endParaRPr lang="en-US" dirty="0"/>
           </a:p>
@@ -4900,6 +4911,4474 @@
 </p:sld>
 </file>
 
+<file path=ppt/slides/slide10.xml><?xml version="1.0" encoding="utf-8"?>
+<p:sld xmlns:a="http://schemas.openxmlformats.org/drawingml/2006/main" xmlns:r="http://schemas.openxmlformats.org/officeDocument/2006/relationships" xmlns:p="http://schemas.openxmlformats.org/presentationml/2006/main">
+  <p:cSld>
+    <p:spTree>
+      <p:nvGrpSpPr>
+        <p:cNvPr id="1" name=""/>
+        <p:cNvGrpSpPr/>
+        <p:nvPr/>
+      </p:nvGrpSpPr>
+      <p:grpSpPr>
+        <a:xfrm>
+          <a:off x="0" y="0"/>
+          <a:ext cx="0" cy="0"/>
+          <a:chOff x="0" y="0"/>
+          <a:chExt cx="0" cy="0"/>
+        </a:xfrm>
+      </p:grpSpPr>
+      <p:sp>
+        <p:nvSpPr>
+          <p:cNvPr id="2" name="Titre 1">
+            <a:extLst>
+              <a:ext uri="{FF2B5EF4-FFF2-40B4-BE49-F238E27FC236}">
+                <a16:creationId xmlns:a16="http://schemas.microsoft.com/office/drawing/2014/main" id="{5E562972-3449-42D1-8185-B4BEFD52AB44}"/>
+              </a:ext>
+            </a:extLst>
+          </p:cNvPr>
+          <p:cNvSpPr>
+            <a:spLocks noGrp="1"/>
+          </p:cNvSpPr>
+          <p:nvPr>
+            <p:ph type="title"/>
+          </p:nvPr>
+        </p:nvSpPr>
+        <p:spPr>
+          <a:xfrm>
+            <a:off x="922386" y="456497"/>
+            <a:ext cx="11029616" cy="1188720"/>
+          </a:xfrm>
+        </p:spPr>
+        <p:txBody>
+          <a:bodyPr rtlCol="0">
+            <a:normAutofit/>
+          </a:bodyPr>
+          <a:lstStyle/>
+          <a:p>
+            <a:r>
+              <a:rPr lang="fr-FR" dirty="0" err="1"/>
+              <a:t>preprocessing</a:t>
+            </a:r>
+            <a:endParaRPr lang="fr" dirty="0"/>
+          </a:p>
+        </p:txBody>
+      </p:sp>
+      <p:sp>
+        <p:nvSpPr>
+          <p:cNvPr id="5" name="Espace réservé du contenu 4">
+            <a:extLst>
+              <a:ext uri="{FF2B5EF4-FFF2-40B4-BE49-F238E27FC236}">
+                <a16:creationId xmlns:a16="http://schemas.microsoft.com/office/drawing/2014/main" id="{50D39A73-24CA-48FB-974C-001E87197B14}"/>
+              </a:ext>
+            </a:extLst>
+          </p:cNvPr>
+          <p:cNvSpPr>
+            <a:spLocks noGrp="1"/>
+          </p:cNvSpPr>
+          <p:nvPr>
+            <p:ph idx="1"/>
+          </p:nvPr>
+        </p:nvSpPr>
+        <p:spPr>
+          <a:xfrm>
+            <a:off x="922387" y="2139192"/>
+            <a:ext cx="11029615" cy="610855"/>
+          </a:xfrm>
+        </p:spPr>
+        <p:txBody>
+          <a:bodyPr>
+            <a:normAutofit fontScale="85000" lnSpcReduction="20000"/>
+          </a:bodyPr>
+          <a:lstStyle/>
+          <a:p>
+            <a:r>
+              <a:rPr lang="fr-FR" dirty="0">
+                <a:solidFill>
+                  <a:schemeClr val="tx1"/>
+                </a:solidFill>
+                <a:latin typeface="Times New Roman" panose="02020603050405020304" pitchFamily="18" charset="0"/>
+                <a:cs typeface="Times New Roman" panose="02020603050405020304" pitchFamily="18" charset="0"/>
+              </a:rPr>
+              <a:t>Transformer toutes les valeurs de type string en valeurs numériques dans les deux </a:t>
+            </a:r>
+            <a:r>
+              <a:rPr lang="fr-FR" dirty="0" err="1">
+                <a:solidFill>
+                  <a:schemeClr val="tx1"/>
+                </a:solidFill>
+                <a:latin typeface="Times New Roman" panose="02020603050405020304" pitchFamily="18" charset="0"/>
+                <a:cs typeface="Times New Roman" panose="02020603050405020304" pitchFamily="18" charset="0"/>
+              </a:rPr>
+              <a:t>dataframes</a:t>
+            </a:r>
+            <a:r>
+              <a:rPr lang="fr-FR" dirty="0">
+                <a:solidFill>
+                  <a:schemeClr val="tx1"/>
+                </a:solidFill>
+                <a:latin typeface="Times New Roman" panose="02020603050405020304" pitchFamily="18" charset="0"/>
+                <a:cs typeface="Times New Roman" panose="02020603050405020304" pitchFamily="18" charset="0"/>
+              </a:rPr>
+              <a:t> </a:t>
+            </a:r>
+            <a:r>
+              <a:rPr lang="fr-FR" sz="1800" b="0" dirty="0" err="1">
+                <a:solidFill>
+                  <a:schemeClr val="accent1"/>
+                </a:solidFill>
+                <a:effectLst/>
+                <a:latin typeface="Times New Roman" panose="02020603050405020304" pitchFamily="18" charset="0"/>
+                <a:cs typeface="Times New Roman" panose="02020603050405020304" pitchFamily="18" charset="0"/>
+              </a:rPr>
+              <a:t>train_original_df</a:t>
+            </a:r>
+            <a:r>
+              <a:rPr lang="fr-FR" dirty="0">
+                <a:solidFill>
+                  <a:schemeClr val="accent1"/>
+                </a:solidFill>
+                <a:latin typeface="Times New Roman" panose="02020603050405020304" pitchFamily="18" charset="0"/>
+                <a:cs typeface="Times New Roman" panose="02020603050405020304" pitchFamily="18" charset="0"/>
+              </a:rPr>
+              <a:t> </a:t>
+            </a:r>
+            <a:r>
+              <a:rPr lang="fr-FR" dirty="0">
+                <a:solidFill>
+                  <a:schemeClr val="tx1"/>
+                </a:solidFill>
+                <a:latin typeface="Times New Roman" panose="02020603050405020304" pitchFamily="18" charset="0"/>
+                <a:cs typeface="Times New Roman" panose="02020603050405020304" pitchFamily="18" charset="0"/>
+              </a:rPr>
+              <a:t>et </a:t>
+            </a:r>
+            <a:r>
+              <a:rPr lang="fr-FR" sz="1800" b="0" dirty="0" err="1">
+                <a:solidFill>
+                  <a:schemeClr val="accent1"/>
+                </a:solidFill>
+                <a:effectLst/>
+                <a:latin typeface="Times New Roman" panose="02020603050405020304" pitchFamily="18" charset="0"/>
+                <a:cs typeface="Times New Roman" panose="02020603050405020304" pitchFamily="18" charset="0"/>
+              </a:rPr>
+              <a:t>test_original_df</a:t>
+            </a:r>
+            <a:endParaRPr lang="fr-FR" sz="1800" b="0" dirty="0">
+              <a:solidFill>
+                <a:schemeClr val="accent1"/>
+              </a:solidFill>
+              <a:effectLst/>
+              <a:latin typeface="Times New Roman" panose="02020603050405020304" pitchFamily="18" charset="0"/>
+              <a:cs typeface="Times New Roman" panose="02020603050405020304" pitchFamily="18" charset="0"/>
+            </a:endParaRPr>
+          </a:p>
+          <a:p>
+            <a:r>
+              <a:rPr lang="fr-FR" dirty="0">
+                <a:solidFill>
+                  <a:schemeClr val="tx1"/>
+                </a:solidFill>
+                <a:latin typeface="Times New Roman" panose="02020603050405020304" pitchFamily="18" charset="0"/>
+                <a:cs typeface="Times New Roman" panose="02020603050405020304" pitchFamily="18" charset="0"/>
+              </a:rPr>
+              <a:t>Les colonnes à transformer sont : </a:t>
+            </a:r>
+            <a:r>
+              <a:rPr lang="fr-FR" b="1" dirty="0">
+                <a:solidFill>
+                  <a:schemeClr val="tx1"/>
+                </a:solidFill>
+                <a:effectLst/>
+                <a:latin typeface="Consolas" panose="020B0609020204030204" pitchFamily="49" charset="0"/>
+              </a:rPr>
+              <a:t>‘</a:t>
+            </a:r>
+            <a:r>
+              <a:rPr lang="fr-FR" b="1" dirty="0" err="1">
+                <a:solidFill>
+                  <a:schemeClr val="tx1"/>
+                </a:solidFill>
+                <a:effectLst/>
+                <a:latin typeface="Consolas" panose="020B0609020204030204" pitchFamily="49" charset="0"/>
+              </a:rPr>
+              <a:t>Gender</a:t>
+            </a:r>
+            <a:r>
+              <a:rPr lang="fr-FR" b="1" dirty="0">
+                <a:solidFill>
+                  <a:schemeClr val="tx1"/>
+                </a:solidFill>
+                <a:effectLst/>
+                <a:latin typeface="Consolas" panose="020B0609020204030204" pitchFamily="49" charset="0"/>
+              </a:rPr>
+              <a:t>’</a:t>
+            </a:r>
+            <a:r>
+              <a:rPr lang="fr-FR" dirty="0">
+                <a:solidFill>
+                  <a:schemeClr val="tx1"/>
+                </a:solidFill>
+                <a:latin typeface="Consolas" panose="020B0609020204030204" pitchFamily="49" charset="0"/>
+              </a:rPr>
+              <a:t>,</a:t>
+            </a:r>
+            <a:r>
+              <a:rPr lang="fr-FR" b="1" dirty="0">
+                <a:solidFill>
+                  <a:schemeClr val="tx1"/>
+                </a:solidFill>
+                <a:effectLst/>
+                <a:latin typeface="Consolas" panose="020B0609020204030204" pitchFamily="49" charset="0"/>
+              </a:rPr>
+              <a:t> ‘</a:t>
+            </a:r>
+            <a:r>
+              <a:rPr lang="fr-FR" b="1" dirty="0" err="1">
+                <a:solidFill>
+                  <a:schemeClr val="tx1"/>
+                </a:solidFill>
+                <a:effectLst/>
+                <a:latin typeface="Consolas" panose="020B0609020204030204" pitchFamily="49" charset="0"/>
+              </a:rPr>
+              <a:t>Vehicle_Age</a:t>
+            </a:r>
+            <a:r>
+              <a:rPr lang="fr-FR" b="1" dirty="0">
+                <a:solidFill>
+                  <a:schemeClr val="tx1"/>
+                </a:solidFill>
+                <a:effectLst/>
+                <a:latin typeface="Consolas" panose="020B0609020204030204" pitchFamily="49" charset="0"/>
+              </a:rPr>
+              <a:t>’</a:t>
+            </a:r>
+            <a:r>
+              <a:rPr lang="fr-FR" dirty="0">
+                <a:solidFill>
+                  <a:schemeClr val="tx1"/>
+                </a:solidFill>
+                <a:effectLst/>
+                <a:latin typeface="Consolas" panose="020B0609020204030204" pitchFamily="49" charset="0"/>
+              </a:rPr>
+              <a:t>,</a:t>
+            </a:r>
+            <a:r>
+              <a:rPr lang="fr-FR" b="1" dirty="0">
+                <a:solidFill>
+                  <a:schemeClr val="tx1"/>
+                </a:solidFill>
+                <a:effectLst/>
+                <a:latin typeface="Consolas" panose="020B0609020204030204" pitchFamily="49" charset="0"/>
+              </a:rPr>
+              <a:t> ‘</a:t>
+            </a:r>
+            <a:r>
+              <a:rPr lang="fr-FR" b="1" dirty="0" err="1">
+                <a:solidFill>
+                  <a:schemeClr val="tx1"/>
+                </a:solidFill>
+                <a:effectLst/>
+                <a:latin typeface="Consolas" panose="020B0609020204030204" pitchFamily="49" charset="0"/>
+              </a:rPr>
+              <a:t>Vehicle_Damage</a:t>
+            </a:r>
+            <a:r>
+              <a:rPr lang="fr-FR" b="1" dirty="0">
+                <a:solidFill>
+                  <a:schemeClr val="tx1"/>
+                </a:solidFill>
+                <a:effectLst/>
+                <a:latin typeface="Consolas" panose="020B0609020204030204" pitchFamily="49" charset="0"/>
+              </a:rPr>
+              <a:t>’ </a:t>
+            </a:r>
+          </a:p>
+        </p:txBody>
+      </p:sp>
+      <p:sp>
+        <p:nvSpPr>
+          <p:cNvPr id="4" name="Titre 1">
+            <a:extLst>
+              <a:ext uri="{FF2B5EF4-FFF2-40B4-BE49-F238E27FC236}">
+                <a16:creationId xmlns:a16="http://schemas.microsoft.com/office/drawing/2014/main" id="{335F46D0-C865-4F1B-95E3-4B62931CF809}"/>
+              </a:ext>
+            </a:extLst>
+          </p:cNvPr>
+          <p:cNvSpPr txBox="1">
+            <a:spLocks/>
+          </p:cNvSpPr>
+          <p:nvPr/>
+        </p:nvSpPr>
+        <p:spPr>
+          <a:xfrm>
+            <a:off x="922386" y="1645217"/>
+            <a:ext cx="11029616" cy="530880"/>
+          </a:xfrm>
+          <a:prstGeom prst="rect">
+            <a:avLst/>
+          </a:prstGeom>
+        </p:spPr>
+        <p:txBody>
+          <a:bodyPr vert="horz" lIns="91440" tIns="45720" rIns="91440" bIns="45720" rtlCol="0" anchor="b">
+            <a:normAutofit/>
+          </a:bodyPr>
+          <a:lstStyle>
+            <a:lvl1pPr algn="l" defTabSz="457200" rtl="0" eaLnBrk="1" latinLnBrk="0" hangingPunct="1">
+              <a:lnSpc>
+                <a:spcPct val="100000"/>
+              </a:lnSpc>
+              <a:spcBef>
+                <a:spcPct val="0"/>
+              </a:spcBef>
+              <a:buNone/>
+              <a:defRPr sz="2800" b="0" kern="1200" cap="all">
+                <a:solidFill>
+                  <a:schemeClr val="tx1">
+                    <a:lumMod val="75000"/>
+                    <a:lumOff val="25000"/>
+                  </a:schemeClr>
+                </a:solidFill>
+                <a:latin typeface="+mj-lt"/>
+                <a:ea typeface="+mj-ea"/>
+                <a:cs typeface="+mj-cs"/>
+              </a:defRPr>
+            </a:lvl1pPr>
+            <a:lvl2pPr eaLnBrk="1" hangingPunct="1">
+              <a:defRPr>
+                <a:solidFill>
+                  <a:schemeClr val="tx2"/>
+                </a:solidFill>
+              </a:defRPr>
+            </a:lvl2pPr>
+            <a:lvl3pPr eaLnBrk="1" hangingPunct="1">
+              <a:defRPr>
+                <a:solidFill>
+                  <a:schemeClr val="tx2"/>
+                </a:solidFill>
+              </a:defRPr>
+            </a:lvl3pPr>
+            <a:lvl4pPr eaLnBrk="1" hangingPunct="1">
+              <a:defRPr>
+                <a:solidFill>
+                  <a:schemeClr val="tx2"/>
+                </a:solidFill>
+              </a:defRPr>
+            </a:lvl4pPr>
+            <a:lvl5pPr eaLnBrk="1" hangingPunct="1">
+              <a:defRPr>
+                <a:solidFill>
+                  <a:schemeClr val="tx2"/>
+                </a:solidFill>
+              </a:defRPr>
+            </a:lvl5pPr>
+            <a:lvl6pPr eaLnBrk="1" hangingPunct="1">
+              <a:defRPr>
+                <a:solidFill>
+                  <a:schemeClr val="tx2"/>
+                </a:solidFill>
+              </a:defRPr>
+            </a:lvl6pPr>
+            <a:lvl7pPr eaLnBrk="1" hangingPunct="1">
+              <a:defRPr>
+                <a:solidFill>
+                  <a:schemeClr val="tx2"/>
+                </a:solidFill>
+              </a:defRPr>
+            </a:lvl7pPr>
+            <a:lvl8pPr eaLnBrk="1" hangingPunct="1">
+              <a:defRPr>
+                <a:solidFill>
+                  <a:schemeClr val="tx2"/>
+                </a:solidFill>
+              </a:defRPr>
+            </a:lvl8pPr>
+            <a:lvl9pPr eaLnBrk="1" hangingPunct="1">
+              <a:defRPr>
+                <a:solidFill>
+                  <a:schemeClr val="tx2"/>
+                </a:solidFill>
+              </a:defRPr>
+            </a:lvl9pPr>
+          </a:lstStyle>
+          <a:p>
+            <a:r>
+              <a:rPr lang="fr-FR" dirty="0"/>
+              <a:t>	</a:t>
+            </a:r>
+            <a:r>
+              <a:rPr lang="fr-FR" sz="2400" dirty="0"/>
+              <a:t>3. </a:t>
+            </a:r>
+            <a:r>
+              <a:rPr lang="fr-FR" sz="2400" dirty="0" err="1"/>
+              <a:t>encoding</a:t>
+            </a:r>
+            <a:endParaRPr lang="fr" sz="2400" dirty="0"/>
+          </a:p>
+        </p:txBody>
+      </p:sp>
+      <p:sp>
+        <p:nvSpPr>
+          <p:cNvPr id="6" name="ZoneTexte 5">
+            <a:extLst>
+              <a:ext uri="{FF2B5EF4-FFF2-40B4-BE49-F238E27FC236}">
+                <a16:creationId xmlns:a16="http://schemas.microsoft.com/office/drawing/2014/main" id="{5F0B9CAB-A817-4D40-8DC3-EF44AFD0BEF8}"/>
+              </a:ext>
+            </a:extLst>
+          </p:cNvPr>
+          <p:cNvSpPr txBox="1"/>
+          <p:nvPr/>
+        </p:nvSpPr>
+        <p:spPr>
+          <a:xfrm>
+            <a:off x="922386" y="2784550"/>
+            <a:ext cx="11029614" cy="1200329"/>
+          </a:xfrm>
+          <a:prstGeom prst="rect">
+            <a:avLst/>
+          </a:prstGeom>
+          <a:solidFill>
+            <a:schemeClr val="tx1"/>
+          </a:solidFill>
+        </p:spPr>
+        <p:txBody>
+          <a:bodyPr wrap="square">
+            <a:spAutoFit/>
+          </a:bodyPr>
+          <a:lstStyle/>
+          <a:p>
+            <a:r>
+              <a:rPr lang="fr-FR" sz="1200" b="0" dirty="0" err="1">
+                <a:solidFill>
+                  <a:srgbClr val="C586C0"/>
+                </a:solidFill>
+                <a:effectLst/>
+                <a:latin typeface="Consolas" panose="020B0609020204030204" pitchFamily="49" charset="0"/>
+              </a:rPr>
+              <a:t>from</a:t>
+            </a:r>
+            <a:r>
+              <a:rPr lang="fr-FR" sz="1200" b="0" dirty="0">
+                <a:solidFill>
+                  <a:srgbClr val="D4D4D4"/>
+                </a:solidFill>
+                <a:effectLst/>
+                <a:latin typeface="Consolas" panose="020B0609020204030204" pitchFamily="49" charset="0"/>
+              </a:rPr>
+              <a:t> </a:t>
+            </a:r>
+            <a:r>
+              <a:rPr lang="fr-FR" sz="1200" b="0" dirty="0" err="1">
+                <a:solidFill>
+                  <a:srgbClr val="4EC9B0"/>
+                </a:solidFill>
+                <a:effectLst/>
+                <a:latin typeface="Consolas" panose="020B0609020204030204" pitchFamily="49" charset="0"/>
+              </a:rPr>
+              <a:t>sklearn</a:t>
+            </a:r>
+            <a:r>
+              <a:rPr lang="fr-FR" sz="1200" b="0" dirty="0" err="1">
+                <a:solidFill>
+                  <a:srgbClr val="D4D4D4"/>
+                </a:solidFill>
+                <a:effectLst/>
+                <a:latin typeface="Consolas" panose="020B0609020204030204" pitchFamily="49" charset="0"/>
+              </a:rPr>
+              <a:t>.</a:t>
+            </a:r>
+            <a:r>
+              <a:rPr lang="fr-FR" sz="1200" b="0" dirty="0" err="1">
+                <a:solidFill>
+                  <a:srgbClr val="4EC9B0"/>
+                </a:solidFill>
+                <a:effectLst/>
+                <a:latin typeface="Consolas" panose="020B0609020204030204" pitchFamily="49" charset="0"/>
+              </a:rPr>
+              <a:t>preprocessing</a:t>
+            </a:r>
+            <a:r>
+              <a:rPr lang="fr-FR" sz="1200" b="0" dirty="0">
+                <a:solidFill>
+                  <a:srgbClr val="D4D4D4"/>
+                </a:solidFill>
+                <a:effectLst/>
+                <a:latin typeface="Consolas" panose="020B0609020204030204" pitchFamily="49" charset="0"/>
+              </a:rPr>
+              <a:t> </a:t>
+            </a:r>
+            <a:r>
+              <a:rPr lang="fr-FR" sz="1200" b="0" dirty="0">
+                <a:solidFill>
+                  <a:srgbClr val="C586C0"/>
+                </a:solidFill>
+                <a:effectLst/>
+                <a:latin typeface="Consolas" panose="020B0609020204030204" pitchFamily="49" charset="0"/>
+              </a:rPr>
+              <a:t>import</a:t>
+            </a:r>
+            <a:r>
+              <a:rPr lang="fr-FR" sz="1200" b="0" dirty="0">
+                <a:solidFill>
+                  <a:srgbClr val="D4D4D4"/>
+                </a:solidFill>
+                <a:effectLst/>
+                <a:latin typeface="Consolas" panose="020B0609020204030204" pitchFamily="49" charset="0"/>
+              </a:rPr>
+              <a:t> </a:t>
+            </a:r>
+            <a:r>
+              <a:rPr lang="fr-FR" sz="1200" b="0" dirty="0" err="1">
+                <a:solidFill>
+                  <a:srgbClr val="4EC9B0"/>
+                </a:solidFill>
+                <a:effectLst/>
+                <a:latin typeface="Consolas" panose="020B0609020204030204" pitchFamily="49" charset="0"/>
+              </a:rPr>
+              <a:t>LabelEncoder</a:t>
+            </a:r>
+            <a:endParaRPr lang="fr-FR" sz="1200" b="0" dirty="0">
+              <a:solidFill>
+                <a:srgbClr val="D4D4D4"/>
+              </a:solidFill>
+              <a:effectLst/>
+              <a:latin typeface="Consolas" panose="020B0609020204030204" pitchFamily="49" charset="0"/>
+            </a:endParaRPr>
+          </a:p>
+          <a:p>
+            <a:r>
+              <a:rPr lang="fr-FR" sz="1200" b="0" dirty="0" err="1">
+                <a:solidFill>
+                  <a:srgbClr val="569CD6"/>
+                </a:solidFill>
+                <a:effectLst/>
+                <a:latin typeface="Consolas" panose="020B0609020204030204" pitchFamily="49" charset="0"/>
+              </a:rPr>
+              <a:t>def</a:t>
+            </a:r>
+            <a:r>
+              <a:rPr lang="fr-FR" sz="1200" b="0" dirty="0">
+                <a:solidFill>
+                  <a:srgbClr val="D4D4D4"/>
+                </a:solidFill>
+                <a:effectLst/>
+                <a:latin typeface="Consolas" panose="020B0609020204030204" pitchFamily="49" charset="0"/>
+              </a:rPr>
+              <a:t> </a:t>
+            </a:r>
+            <a:r>
+              <a:rPr lang="fr-FR" sz="1200" b="0" dirty="0" err="1">
+                <a:solidFill>
+                  <a:srgbClr val="DCDCAA"/>
+                </a:solidFill>
+                <a:effectLst/>
+                <a:latin typeface="Consolas" panose="020B0609020204030204" pitchFamily="49" charset="0"/>
+              </a:rPr>
+              <a:t>toEncodeData</a:t>
+            </a:r>
+            <a:r>
+              <a:rPr lang="fr-FR" sz="1200" b="0" dirty="0">
+                <a:solidFill>
+                  <a:srgbClr val="D4D4D4"/>
+                </a:solidFill>
+                <a:effectLst/>
+                <a:latin typeface="Consolas" panose="020B0609020204030204" pitchFamily="49" charset="0"/>
+              </a:rPr>
+              <a:t>(</a:t>
+            </a:r>
+            <a:r>
+              <a:rPr lang="fr-FR" sz="1200" b="0" dirty="0" err="1">
+                <a:solidFill>
+                  <a:srgbClr val="9CDCFE"/>
+                </a:solidFill>
+                <a:effectLst/>
+                <a:latin typeface="Consolas" panose="020B0609020204030204" pitchFamily="49" charset="0"/>
+              </a:rPr>
+              <a:t>df</a:t>
+            </a:r>
+            <a:r>
+              <a:rPr lang="fr-FR" sz="1200" b="0" dirty="0">
+                <a:solidFill>
+                  <a:srgbClr val="D4D4D4"/>
+                </a:solidFill>
+                <a:effectLst/>
+                <a:latin typeface="Consolas" panose="020B0609020204030204" pitchFamily="49" charset="0"/>
+              </a:rPr>
+              <a:t>, </a:t>
+            </a:r>
+            <a:r>
+              <a:rPr lang="fr-FR" sz="1200" b="0" dirty="0" err="1">
+                <a:solidFill>
+                  <a:srgbClr val="9CDCFE"/>
+                </a:solidFill>
+                <a:effectLst/>
+                <a:latin typeface="Consolas" panose="020B0609020204030204" pitchFamily="49" charset="0"/>
+              </a:rPr>
+              <a:t>colomn</a:t>
+            </a:r>
+            <a:r>
+              <a:rPr lang="fr-FR" sz="1200" b="0" dirty="0">
+                <a:solidFill>
+                  <a:srgbClr val="D4D4D4"/>
+                </a:solidFill>
+                <a:effectLst/>
+                <a:latin typeface="Consolas" panose="020B0609020204030204" pitchFamily="49" charset="0"/>
+              </a:rPr>
+              <a:t>):</a:t>
+            </a:r>
+          </a:p>
+          <a:p>
+            <a:r>
+              <a:rPr lang="fr-FR" sz="1200" b="0" dirty="0">
+                <a:solidFill>
+                  <a:srgbClr val="D4D4D4"/>
+                </a:solidFill>
+                <a:effectLst/>
+                <a:latin typeface="Consolas" panose="020B0609020204030204" pitchFamily="49" charset="0"/>
+              </a:rPr>
+              <a:t>    </a:t>
+            </a:r>
+            <a:r>
+              <a:rPr lang="fr-FR" sz="1200" b="0" dirty="0">
+                <a:solidFill>
+                  <a:srgbClr val="9CDCFE"/>
+                </a:solidFill>
+                <a:effectLst/>
+                <a:latin typeface="Consolas" panose="020B0609020204030204" pitchFamily="49" charset="0"/>
+              </a:rPr>
+              <a:t>le</a:t>
+            </a:r>
+            <a:r>
+              <a:rPr lang="fr-FR" sz="1200" b="0" dirty="0">
+                <a:solidFill>
+                  <a:srgbClr val="D4D4D4"/>
+                </a:solidFill>
+                <a:effectLst/>
+                <a:latin typeface="Consolas" panose="020B0609020204030204" pitchFamily="49" charset="0"/>
+              </a:rPr>
+              <a:t> = </a:t>
+            </a:r>
+            <a:r>
+              <a:rPr lang="fr-FR" sz="1200" b="0" dirty="0" err="1">
+                <a:solidFill>
+                  <a:srgbClr val="4EC9B0"/>
+                </a:solidFill>
+                <a:effectLst/>
+                <a:latin typeface="Consolas" panose="020B0609020204030204" pitchFamily="49" charset="0"/>
+              </a:rPr>
+              <a:t>LabelEncoder</a:t>
+            </a:r>
+            <a:r>
+              <a:rPr lang="fr-FR" sz="1200" b="0" dirty="0">
+                <a:solidFill>
+                  <a:srgbClr val="D4D4D4"/>
+                </a:solidFill>
+                <a:effectLst/>
+                <a:latin typeface="Consolas" panose="020B0609020204030204" pitchFamily="49" charset="0"/>
+              </a:rPr>
+              <a:t>()</a:t>
+            </a:r>
+          </a:p>
+          <a:p>
+            <a:r>
+              <a:rPr lang="fr-FR" sz="1200" b="0" dirty="0">
+                <a:solidFill>
+                  <a:srgbClr val="D4D4D4"/>
+                </a:solidFill>
+                <a:effectLst/>
+                <a:latin typeface="Consolas" panose="020B0609020204030204" pitchFamily="49" charset="0"/>
+              </a:rPr>
+              <a:t>    </a:t>
+            </a:r>
+            <a:r>
+              <a:rPr lang="fr-FR" sz="1200" b="0" dirty="0" err="1">
+                <a:solidFill>
+                  <a:srgbClr val="9CDCFE"/>
+                </a:solidFill>
+                <a:effectLst/>
+                <a:latin typeface="Consolas" panose="020B0609020204030204" pitchFamily="49" charset="0"/>
+              </a:rPr>
+              <a:t>le</a:t>
+            </a:r>
+            <a:r>
+              <a:rPr lang="fr-FR" sz="1200" b="0" dirty="0" err="1">
+                <a:solidFill>
+                  <a:srgbClr val="D4D4D4"/>
+                </a:solidFill>
+                <a:effectLst/>
+                <a:latin typeface="Consolas" panose="020B0609020204030204" pitchFamily="49" charset="0"/>
+              </a:rPr>
+              <a:t>.</a:t>
+            </a:r>
+            <a:r>
+              <a:rPr lang="fr-FR" sz="1200" b="0" dirty="0" err="1">
+                <a:solidFill>
+                  <a:srgbClr val="DCDCAA"/>
+                </a:solidFill>
+                <a:effectLst/>
+                <a:latin typeface="Consolas" panose="020B0609020204030204" pitchFamily="49" charset="0"/>
+              </a:rPr>
+              <a:t>fit</a:t>
+            </a:r>
+            <a:r>
+              <a:rPr lang="fr-FR" sz="1200" b="0" dirty="0">
+                <a:solidFill>
+                  <a:srgbClr val="D4D4D4"/>
+                </a:solidFill>
+                <a:effectLst/>
+                <a:latin typeface="Consolas" panose="020B0609020204030204" pitchFamily="49" charset="0"/>
+              </a:rPr>
+              <a:t>(</a:t>
+            </a:r>
+            <a:r>
+              <a:rPr lang="fr-FR" sz="1200" b="0" dirty="0" err="1">
+                <a:solidFill>
+                  <a:srgbClr val="9CDCFE"/>
+                </a:solidFill>
+                <a:effectLst/>
+                <a:latin typeface="Consolas" panose="020B0609020204030204" pitchFamily="49" charset="0"/>
+              </a:rPr>
+              <a:t>df</a:t>
+            </a:r>
+            <a:r>
+              <a:rPr lang="fr-FR" sz="1200" b="0" dirty="0">
+                <a:solidFill>
+                  <a:srgbClr val="D4D4D4"/>
+                </a:solidFill>
+                <a:effectLst/>
+                <a:latin typeface="Consolas" panose="020B0609020204030204" pitchFamily="49" charset="0"/>
+              </a:rPr>
+              <a:t>[</a:t>
+            </a:r>
+            <a:r>
+              <a:rPr lang="fr-FR" sz="1200" b="0" dirty="0" err="1">
+                <a:solidFill>
+                  <a:srgbClr val="9CDCFE"/>
+                </a:solidFill>
+                <a:effectLst/>
+                <a:latin typeface="Consolas" panose="020B0609020204030204" pitchFamily="49" charset="0"/>
+              </a:rPr>
+              <a:t>colomn</a:t>
+            </a:r>
+            <a:r>
+              <a:rPr lang="fr-FR" sz="1200" b="0" dirty="0">
+                <a:solidFill>
+                  <a:srgbClr val="D4D4D4"/>
+                </a:solidFill>
+                <a:effectLst/>
+                <a:latin typeface="Consolas" panose="020B0609020204030204" pitchFamily="49" charset="0"/>
+              </a:rPr>
+              <a:t>]) </a:t>
+            </a:r>
+            <a:r>
+              <a:rPr lang="fr-FR" sz="1200" b="0" dirty="0">
+                <a:solidFill>
+                  <a:srgbClr val="6A9955"/>
+                </a:solidFill>
+                <a:effectLst/>
+                <a:latin typeface="Consolas" panose="020B0609020204030204" pitchFamily="49" charset="0"/>
+              </a:rPr>
+              <a:t># détecter les classes</a:t>
+            </a:r>
+            <a:endParaRPr lang="fr-FR" sz="1200" b="0" dirty="0">
+              <a:solidFill>
+                <a:srgbClr val="D4D4D4"/>
+              </a:solidFill>
+              <a:effectLst/>
+              <a:latin typeface="Consolas" panose="020B0609020204030204" pitchFamily="49" charset="0"/>
+            </a:endParaRPr>
+          </a:p>
+          <a:p>
+            <a:r>
+              <a:rPr lang="fr-FR" sz="1200" b="0" dirty="0">
+                <a:solidFill>
+                  <a:srgbClr val="D4D4D4"/>
+                </a:solidFill>
+                <a:effectLst/>
+                <a:latin typeface="Consolas" panose="020B0609020204030204" pitchFamily="49" charset="0"/>
+              </a:rPr>
+              <a:t>    </a:t>
+            </a:r>
+            <a:r>
+              <a:rPr lang="fr-FR" sz="1200" b="0" dirty="0" err="1">
+                <a:solidFill>
+                  <a:srgbClr val="DCDCAA"/>
+                </a:solidFill>
+                <a:effectLst/>
+                <a:latin typeface="Consolas" panose="020B0609020204030204" pitchFamily="49" charset="0"/>
+              </a:rPr>
+              <a:t>print</a:t>
+            </a:r>
+            <a:r>
+              <a:rPr lang="fr-FR" sz="1200" b="0" dirty="0">
+                <a:solidFill>
+                  <a:srgbClr val="D4D4D4"/>
+                </a:solidFill>
+                <a:effectLst/>
+                <a:latin typeface="Consolas" panose="020B0609020204030204" pitchFamily="49" charset="0"/>
+              </a:rPr>
+              <a:t>(</a:t>
+            </a:r>
+            <a:r>
+              <a:rPr lang="fr-FR" sz="1200" b="0" dirty="0" err="1">
+                <a:solidFill>
+                  <a:srgbClr val="9CDCFE"/>
+                </a:solidFill>
+                <a:effectLst/>
+                <a:latin typeface="Consolas" panose="020B0609020204030204" pitchFamily="49" charset="0"/>
+              </a:rPr>
+              <a:t>le</a:t>
+            </a:r>
+            <a:r>
+              <a:rPr lang="fr-FR" sz="1200" b="0" dirty="0" err="1">
+                <a:solidFill>
+                  <a:srgbClr val="D4D4D4"/>
+                </a:solidFill>
+                <a:effectLst/>
+                <a:latin typeface="Consolas" panose="020B0609020204030204" pitchFamily="49" charset="0"/>
+              </a:rPr>
+              <a:t>.</a:t>
+            </a:r>
+            <a:r>
+              <a:rPr lang="fr-FR" sz="1200" b="0" dirty="0" err="1">
+                <a:solidFill>
+                  <a:srgbClr val="9CDCFE"/>
+                </a:solidFill>
+                <a:effectLst/>
+                <a:latin typeface="Consolas" panose="020B0609020204030204" pitchFamily="49" charset="0"/>
+              </a:rPr>
+              <a:t>classes</a:t>
+            </a:r>
+            <a:r>
+              <a:rPr lang="fr-FR" sz="1200" b="0" dirty="0">
+                <a:solidFill>
+                  <a:srgbClr val="9CDCFE"/>
+                </a:solidFill>
+                <a:effectLst/>
+                <a:latin typeface="Consolas" panose="020B0609020204030204" pitchFamily="49" charset="0"/>
+              </a:rPr>
+              <a:t>_</a:t>
+            </a:r>
+            <a:r>
+              <a:rPr lang="fr-FR" sz="1200" b="0" dirty="0">
+                <a:solidFill>
+                  <a:srgbClr val="D4D4D4"/>
+                </a:solidFill>
+                <a:effectLst/>
+                <a:latin typeface="Consolas" panose="020B0609020204030204" pitchFamily="49" charset="0"/>
+              </a:rPr>
+              <a:t>) </a:t>
+            </a:r>
+            <a:r>
+              <a:rPr lang="fr-FR" sz="1200" b="0" dirty="0">
+                <a:solidFill>
+                  <a:srgbClr val="6A9955"/>
+                </a:solidFill>
+                <a:effectLst/>
+                <a:latin typeface="Consolas" panose="020B0609020204030204" pitchFamily="49" charset="0"/>
+              </a:rPr>
+              <a:t># afficher les classes sous forme d'une liste</a:t>
+            </a:r>
+            <a:endParaRPr lang="fr-FR" sz="1200" b="0" dirty="0">
+              <a:solidFill>
+                <a:srgbClr val="D4D4D4"/>
+              </a:solidFill>
+              <a:effectLst/>
+              <a:latin typeface="Consolas" panose="020B0609020204030204" pitchFamily="49" charset="0"/>
+            </a:endParaRPr>
+          </a:p>
+          <a:p>
+            <a:r>
+              <a:rPr lang="fr-FR" sz="1200" b="0" dirty="0">
+                <a:solidFill>
+                  <a:srgbClr val="D4D4D4"/>
+                </a:solidFill>
+                <a:effectLst/>
+                <a:latin typeface="Consolas" panose="020B0609020204030204" pitchFamily="49" charset="0"/>
+              </a:rPr>
+              <a:t>    </a:t>
+            </a:r>
+            <a:r>
+              <a:rPr lang="fr-FR" sz="1200" b="0" dirty="0" err="1">
+                <a:solidFill>
+                  <a:srgbClr val="9CDCFE"/>
+                </a:solidFill>
+                <a:effectLst/>
+                <a:latin typeface="Consolas" panose="020B0609020204030204" pitchFamily="49" charset="0"/>
+              </a:rPr>
+              <a:t>df</a:t>
+            </a:r>
+            <a:r>
+              <a:rPr lang="fr-FR" sz="1200" b="0" dirty="0">
+                <a:solidFill>
+                  <a:srgbClr val="D4D4D4"/>
+                </a:solidFill>
+                <a:effectLst/>
+                <a:latin typeface="Consolas" panose="020B0609020204030204" pitchFamily="49" charset="0"/>
+              </a:rPr>
+              <a:t>[</a:t>
+            </a:r>
+            <a:r>
+              <a:rPr lang="fr-FR" sz="1200" b="0" dirty="0" err="1">
+                <a:solidFill>
+                  <a:srgbClr val="9CDCFE"/>
+                </a:solidFill>
+                <a:effectLst/>
+                <a:latin typeface="Consolas" panose="020B0609020204030204" pitchFamily="49" charset="0"/>
+              </a:rPr>
+              <a:t>colomn</a:t>
+            </a:r>
+            <a:r>
+              <a:rPr lang="fr-FR" sz="1200" b="0" dirty="0">
+                <a:solidFill>
+                  <a:srgbClr val="D4D4D4"/>
+                </a:solidFill>
+                <a:effectLst/>
+                <a:latin typeface="Consolas" panose="020B0609020204030204" pitchFamily="49" charset="0"/>
+              </a:rPr>
+              <a:t>] = </a:t>
+            </a:r>
+            <a:r>
+              <a:rPr lang="fr-FR" sz="1200" b="0" dirty="0" err="1">
+                <a:solidFill>
+                  <a:srgbClr val="9CDCFE"/>
+                </a:solidFill>
+                <a:effectLst/>
+                <a:latin typeface="Consolas" panose="020B0609020204030204" pitchFamily="49" charset="0"/>
+              </a:rPr>
+              <a:t>le</a:t>
+            </a:r>
+            <a:r>
+              <a:rPr lang="fr-FR" sz="1200" b="0" dirty="0" err="1">
+                <a:solidFill>
+                  <a:srgbClr val="D4D4D4"/>
+                </a:solidFill>
+                <a:effectLst/>
+                <a:latin typeface="Consolas" panose="020B0609020204030204" pitchFamily="49" charset="0"/>
+              </a:rPr>
+              <a:t>.</a:t>
+            </a:r>
+            <a:r>
+              <a:rPr lang="fr-FR" sz="1200" b="0" dirty="0" err="1">
+                <a:solidFill>
+                  <a:srgbClr val="DCDCAA"/>
+                </a:solidFill>
+                <a:effectLst/>
+                <a:latin typeface="Consolas" panose="020B0609020204030204" pitchFamily="49" charset="0"/>
+              </a:rPr>
+              <a:t>transform</a:t>
+            </a:r>
+            <a:r>
+              <a:rPr lang="fr-FR" sz="1200" b="0" dirty="0">
+                <a:solidFill>
+                  <a:srgbClr val="D4D4D4"/>
+                </a:solidFill>
+                <a:effectLst/>
+                <a:latin typeface="Consolas" panose="020B0609020204030204" pitchFamily="49" charset="0"/>
+              </a:rPr>
+              <a:t>(</a:t>
+            </a:r>
+            <a:r>
+              <a:rPr lang="fr-FR" sz="1200" b="0" dirty="0" err="1">
+                <a:solidFill>
+                  <a:srgbClr val="9CDCFE"/>
+                </a:solidFill>
+                <a:effectLst/>
+                <a:latin typeface="Consolas" panose="020B0609020204030204" pitchFamily="49" charset="0"/>
+              </a:rPr>
+              <a:t>df</a:t>
+            </a:r>
+            <a:r>
+              <a:rPr lang="fr-FR" sz="1200" b="0" dirty="0">
+                <a:solidFill>
+                  <a:srgbClr val="D4D4D4"/>
+                </a:solidFill>
+                <a:effectLst/>
+                <a:latin typeface="Consolas" panose="020B0609020204030204" pitchFamily="49" charset="0"/>
+              </a:rPr>
+              <a:t>[</a:t>
+            </a:r>
+            <a:r>
+              <a:rPr lang="fr-FR" sz="1200" b="0" dirty="0" err="1">
+                <a:solidFill>
+                  <a:srgbClr val="9CDCFE"/>
+                </a:solidFill>
+                <a:effectLst/>
+                <a:latin typeface="Consolas" panose="020B0609020204030204" pitchFamily="49" charset="0"/>
+              </a:rPr>
+              <a:t>colomn</a:t>
+            </a:r>
+            <a:r>
+              <a:rPr lang="fr-FR" sz="1200" b="0" dirty="0">
+                <a:solidFill>
+                  <a:srgbClr val="D4D4D4"/>
+                </a:solidFill>
+                <a:effectLst/>
+                <a:latin typeface="Consolas" panose="020B0609020204030204" pitchFamily="49" charset="0"/>
+              </a:rPr>
+              <a:t>]) </a:t>
+            </a:r>
+            <a:r>
+              <a:rPr lang="fr-FR" sz="1200" b="0" dirty="0">
+                <a:solidFill>
+                  <a:srgbClr val="6A9955"/>
+                </a:solidFill>
+                <a:effectLst/>
+                <a:latin typeface="Consolas" panose="020B0609020204030204" pitchFamily="49" charset="0"/>
+              </a:rPr>
+              <a:t># transformer les classes (toutes les valeurs string) en valeurs numériques</a:t>
+            </a:r>
+            <a:endParaRPr lang="fr-FR" sz="1200" b="0" dirty="0">
+              <a:solidFill>
+                <a:srgbClr val="D4D4D4"/>
+              </a:solidFill>
+              <a:effectLst/>
+              <a:latin typeface="Consolas" panose="020B0609020204030204" pitchFamily="49" charset="0"/>
+            </a:endParaRPr>
+          </a:p>
+        </p:txBody>
+      </p:sp>
+      <p:sp>
+        <p:nvSpPr>
+          <p:cNvPr id="10" name="Titre 1">
+            <a:extLst>
+              <a:ext uri="{FF2B5EF4-FFF2-40B4-BE49-F238E27FC236}">
+                <a16:creationId xmlns:a16="http://schemas.microsoft.com/office/drawing/2014/main" id="{28563B36-CA93-4DB9-ABC0-62919CDCE3BD}"/>
+              </a:ext>
+            </a:extLst>
+          </p:cNvPr>
+          <p:cNvSpPr txBox="1">
+            <a:spLocks/>
+          </p:cNvSpPr>
+          <p:nvPr/>
+        </p:nvSpPr>
+        <p:spPr>
+          <a:xfrm>
+            <a:off x="5310531" y="6191075"/>
+            <a:ext cx="1570937" cy="273199"/>
+          </a:xfrm>
+          <a:prstGeom prst="rect">
+            <a:avLst/>
+          </a:prstGeom>
+        </p:spPr>
+        <p:txBody>
+          <a:bodyPr vert="horz" lIns="91440" tIns="45720" rIns="91440" bIns="45720" rtlCol="0" anchor="b">
+            <a:normAutofit fontScale="55000" lnSpcReduction="20000"/>
+          </a:bodyPr>
+          <a:lstStyle>
+            <a:lvl1pPr algn="l" defTabSz="457200" rtl="0" eaLnBrk="1" latinLnBrk="0" hangingPunct="1">
+              <a:lnSpc>
+                <a:spcPct val="100000"/>
+              </a:lnSpc>
+              <a:spcBef>
+                <a:spcPct val="0"/>
+              </a:spcBef>
+              <a:buNone/>
+              <a:defRPr sz="2800" b="0" kern="1200" cap="all">
+                <a:solidFill>
+                  <a:schemeClr val="tx1">
+                    <a:lumMod val="75000"/>
+                    <a:lumOff val="25000"/>
+                  </a:schemeClr>
+                </a:solidFill>
+                <a:latin typeface="+mj-lt"/>
+                <a:ea typeface="+mj-ea"/>
+                <a:cs typeface="+mj-cs"/>
+              </a:defRPr>
+            </a:lvl1pPr>
+            <a:lvl2pPr eaLnBrk="1" hangingPunct="1">
+              <a:defRPr>
+                <a:solidFill>
+                  <a:schemeClr val="tx2"/>
+                </a:solidFill>
+              </a:defRPr>
+            </a:lvl2pPr>
+            <a:lvl3pPr eaLnBrk="1" hangingPunct="1">
+              <a:defRPr>
+                <a:solidFill>
+                  <a:schemeClr val="tx2"/>
+                </a:solidFill>
+              </a:defRPr>
+            </a:lvl3pPr>
+            <a:lvl4pPr eaLnBrk="1" hangingPunct="1">
+              <a:defRPr>
+                <a:solidFill>
+                  <a:schemeClr val="tx2"/>
+                </a:solidFill>
+              </a:defRPr>
+            </a:lvl4pPr>
+            <a:lvl5pPr eaLnBrk="1" hangingPunct="1">
+              <a:defRPr>
+                <a:solidFill>
+                  <a:schemeClr val="tx2"/>
+                </a:solidFill>
+              </a:defRPr>
+            </a:lvl5pPr>
+            <a:lvl6pPr eaLnBrk="1" hangingPunct="1">
+              <a:defRPr>
+                <a:solidFill>
+                  <a:schemeClr val="tx2"/>
+                </a:solidFill>
+              </a:defRPr>
+            </a:lvl6pPr>
+            <a:lvl7pPr eaLnBrk="1" hangingPunct="1">
+              <a:defRPr>
+                <a:solidFill>
+                  <a:schemeClr val="tx2"/>
+                </a:solidFill>
+              </a:defRPr>
+            </a:lvl7pPr>
+            <a:lvl8pPr eaLnBrk="1" hangingPunct="1">
+              <a:defRPr>
+                <a:solidFill>
+                  <a:schemeClr val="tx2"/>
+                </a:solidFill>
+              </a:defRPr>
+            </a:lvl8pPr>
+            <a:lvl9pPr eaLnBrk="1" hangingPunct="1">
+              <a:defRPr>
+                <a:solidFill>
+                  <a:schemeClr val="tx2"/>
+                </a:solidFill>
+              </a:defRPr>
+            </a:lvl9pPr>
+          </a:lstStyle>
+          <a:p>
+            <a:pPr algn="ctr"/>
+            <a:r>
+              <a:rPr lang="fr-FR" sz="2400" cap="none" dirty="0"/>
+              <a:t>t</a:t>
+            </a:r>
+            <a:r>
+              <a:rPr lang="fr" sz="2400" cap="none" dirty="0"/>
+              <a:t>rain_encoded_df</a:t>
+            </a:r>
+          </a:p>
+        </p:txBody>
+      </p:sp>
+      <p:pic>
+        <p:nvPicPr>
+          <p:cNvPr id="8" name="Image 7">
+            <a:extLst>
+              <a:ext uri="{FF2B5EF4-FFF2-40B4-BE49-F238E27FC236}">
+                <a16:creationId xmlns:a16="http://schemas.microsoft.com/office/drawing/2014/main" id="{16034544-79D3-45EB-BD42-0F71E2DB8EA8}"/>
+              </a:ext>
+            </a:extLst>
+          </p:cNvPr>
+          <p:cNvPicPr>
+            <a:picLocks noChangeAspect="1"/>
+          </p:cNvPicPr>
+          <p:nvPr/>
+        </p:nvPicPr>
+        <p:blipFill>
+          <a:blip r:embed="rId2">
+            <a:extLst>
+              <a:ext uri="{28A0092B-C50C-407E-A947-70E740481C1C}">
+                <a14:useLocalDpi xmlns:a14="http://schemas.microsoft.com/office/drawing/2010/main" val="0"/>
+              </a:ext>
+            </a:extLst>
+          </a:blip>
+          <a:stretch>
+            <a:fillRect/>
+          </a:stretch>
+        </p:blipFill>
+        <p:spPr>
+          <a:xfrm>
+            <a:off x="922386" y="4484287"/>
+            <a:ext cx="11108749" cy="1706788"/>
+          </a:xfrm>
+          <a:prstGeom prst="rect">
+            <a:avLst/>
+          </a:prstGeom>
+        </p:spPr>
+      </p:pic>
+    </p:spTree>
+    <p:extLst>
+      <p:ext uri="{BB962C8B-B14F-4D97-AF65-F5344CB8AC3E}">
+        <p14:creationId xmlns:p14="http://schemas.microsoft.com/office/powerpoint/2010/main" val="3559409845"/>
+      </p:ext>
+    </p:extLst>
+  </p:cSld>
+  <p:clrMapOvr>
+    <a:masterClrMapping/>
+  </p:clrMapOvr>
+</p:sld>
+</file>
+
+<file path=ppt/slides/slide11.xml><?xml version="1.0" encoding="utf-8"?>
+<p:sld xmlns:a="http://schemas.openxmlformats.org/drawingml/2006/main" xmlns:r="http://schemas.openxmlformats.org/officeDocument/2006/relationships" xmlns:p="http://schemas.openxmlformats.org/presentationml/2006/main">
+  <p:cSld>
+    <p:spTree>
+      <p:nvGrpSpPr>
+        <p:cNvPr id="1" name=""/>
+        <p:cNvGrpSpPr/>
+        <p:nvPr/>
+      </p:nvGrpSpPr>
+      <p:grpSpPr>
+        <a:xfrm>
+          <a:off x="0" y="0"/>
+          <a:ext cx="0" cy="0"/>
+          <a:chOff x="0" y="0"/>
+          <a:chExt cx="0" cy="0"/>
+        </a:xfrm>
+      </p:grpSpPr>
+      <p:sp>
+        <p:nvSpPr>
+          <p:cNvPr id="2" name="Titre 1">
+            <a:extLst>
+              <a:ext uri="{FF2B5EF4-FFF2-40B4-BE49-F238E27FC236}">
+                <a16:creationId xmlns:a16="http://schemas.microsoft.com/office/drawing/2014/main" id="{5E562972-3449-42D1-8185-B4BEFD52AB44}"/>
+              </a:ext>
+            </a:extLst>
+          </p:cNvPr>
+          <p:cNvSpPr>
+            <a:spLocks noGrp="1"/>
+          </p:cNvSpPr>
+          <p:nvPr>
+            <p:ph type="title"/>
+          </p:nvPr>
+        </p:nvSpPr>
+        <p:spPr>
+          <a:xfrm>
+            <a:off x="922386" y="456497"/>
+            <a:ext cx="11029616" cy="1188720"/>
+          </a:xfrm>
+        </p:spPr>
+        <p:txBody>
+          <a:bodyPr rtlCol="0">
+            <a:normAutofit/>
+          </a:bodyPr>
+          <a:lstStyle/>
+          <a:p>
+            <a:r>
+              <a:rPr lang="fr-FR" dirty="0"/>
+              <a:t>Entraînement du modèle</a:t>
+            </a:r>
+            <a:endParaRPr lang="fr" dirty="0"/>
+          </a:p>
+        </p:txBody>
+      </p:sp>
+      <p:sp>
+        <p:nvSpPr>
+          <p:cNvPr id="4" name="Titre 1">
+            <a:extLst>
+              <a:ext uri="{FF2B5EF4-FFF2-40B4-BE49-F238E27FC236}">
+                <a16:creationId xmlns:a16="http://schemas.microsoft.com/office/drawing/2014/main" id="{335F46D0-C865-4F1B-95E3-4B62931CF809}"/>
+              </a:ext>
+            </a:extLst>
+          </p:cNvPr>
+          <p:cNvSpPr txBox="1">
+            <a:spLocks/>
+          </p:cNvSpPr>
+          <p:nvPr/>
+        </p:nvSpPr>
+        <p:spPr>
+          <a:xfrm>
+            <a:off x="922386" y="1645217"/>
+            <a:ext cx="11029616" cy="530880"/>
+          </a:xfrm>
+          <a:prstGeom prst="rect">
+            <a:avLst/>
+          </a:prstGeom>
+        </p:spPr>
+        <p:txBody>
+          <a:bodyPr vert="horz" lIns="91440" tIns="45720" rIns="91440" bIns="45720" rtlCol="0" anchor="b">
+            <a:normAutofit/>
+          </a:bodyPr>
+          <a:lstStyle>
+            <a:lvl1pPr algn="l" defTabSz="457200" rtl="0" eaLnBrk="1" latinLnBrk="0" hangingPunct="1">
+              <a:lnSpc>
+                <a:spcPct val="100000"/>
+              </a:lnSpc>
+              <a:spcBef>
+                <a:spcPct val="0"/>
+              </a:spcBef>
+              <a:buNone/>
+              <a:defRPr sz="2800" b="0" kern="1200" cap="all">
+                <a:solidFill>
+                  <a:schemeClr val="tx1">
+                    <a:lumMod val="75000"/>
+                    <a:lumOff val="25000"/>
+                  </a:schemeClr>
+                </a:solidFill>
+                <a:latin typeface="+mj-lt"/>
+                <a:ea typeface="+mj-ea"/>
+                <a:cs typeface="+mj-cs"/>
+              </a:defRPr>
+            </a:lvl1pPr>
+            <a:lvl2pPr eaLnBrk="1" hangingPunct="1">
+              <a:defRPr>
+                <a:solidFill>
+                  <a:schemeClr val="tx2"/>
+                </a:solidFill>
+              </a:defRPr>
+            </a:lvl2pPr>
+            <a:lvl3pPr eaLnBrk="1" hangingPunct="1">
+              <a:defRPr>
+                <a:solidFill>
+                  <a:schemeClr val="tx2"/>
+                </a:solidFill>
+              </a:defRPr>
+            </a:lvl3pPr>
+            <a:lvl4pPr eaLnBrk="1" hangingPunct="1">
+              <a:defRPr>
+                <a:solidFill>
+                  <a:schemeClr val="tx2"/>
+                </a:solidFill>
+              </a:defRPr>
+            </a:lvl4pPr>
+            <a:lvl5pPr eaLnBrk="1" hangingPunct="1">
+              <a:defRPr>
+                <a:solidFill>
+                  <a:schemeClr val="tx2"/>
+                </a:solidFill>
+              </a:defRPr>
+            </a:lvl5pPr>
+            <a:lvl6pPr eaLnBrk="1" hangingPunct="1">
+              <a:defRPr>
+                <a:solidFill>
+                  <a:schemeClr val="tx2"/>
+                </a:solidFill>
+              </a:defRPr>
+            </a:lvl6pPr>
+            <a:lvl7pPr eaLnBrk="1" hangingPunct="1">
+              <a:defRPr>
+                <a:solidFill>
+                  <a:schemeClr val="tx2"/>
+                </a:solidFill>
+              </a:defRPr>
+            </a:lvl7pPr>
+            <a:lvl8pPr eaLnBrk="1" hangingPunct="1">
+              <a:defRPr>
+                <a:solidFill>
+                  <a:schemeClr val="tx2"/>
+                </a:solidFill>
+              </a:defRPr>
+            </a:lvl8pPr>
+            <a:lvl9pPr eaLnBrk="1" hangingPunct="1">
+              <a:defRPr>
+                <a:solidFill>
+                  <a:schemeClr val="tx2"/>
+                </a:solidFill>
+              </a:defRPr>
+            </a:lvl9pPr>
+          </a:lstStyle>
+          <a:p>
+            <a:r>
+              <a:rPr lang="fr-FR" dirty="0"/>
+              <a:t>	</a:t>
+            </a:r>
+            <a:r>
+              <a:rPr lang="fr-FR" sz="2400" dirty="0"/>
+              <a:t>1. choix de l’algorithme</a:t>
+            </a:r>
+            <a:endParaRPr lang="fr" sz="2400" dirty="0"/>
+          </a:p>
+        </p:txBody>
+      </p:sp>
+      <p:pic>
+        <p:nvPicPr>
+          <p:cNvPr id="11" name="Espace réservé du contenu 10">
+            <a:extLst>
+              <a:ext uri="{FF2B5EF4-FFF2-40B4-BE49-F238E27FC236}">
+                <a16:creationId xmlns:a16="http://schemas.microsoft.com/office/drawing/2014/main" id="{D8F5280D-8C4C-404A-BF0B-EEAC9381BD83}"/>
+              </a:ext>
+            </a:extLst>
+          </p:cNvPr>
+          <p:cNvPicPr>
+            <a:picLocks noGrp="1" noChangeAspect="1"/>
+          </p:cNvPicPr>
+          <p:nvPr>
+            <p:ph idx="1"/>
+          </p:nvPr>
+        </p:nvPicPr>
+        <p:blipFill>
+          <a:blip r:embed="rId2">
+            <a:extLst>
+              <a:ext uri="{28A0092B-C50C-407E-A947-70E740481C1C}">
+                <a14:useLocalDpi xmlns:a14="http://schemas.microsoft.com/office/drawing/2010/main" val="0"/>
+              </a:ext>
+            </a:extLst>
+          </a:blip>
+          <a:stretch>
+            <a:fillRect/>
+          </a:stretch>
+        </p:blipFill>
+        <p:spPr>
+          <a:xfrm>
+            <a:off x="2533475" y="2341563"/>
+            <a:ext cx="6957257" cy="4337630"/>
+          </a:xfrm>
+        </p:spPr>
+      </p:pic>
+    </p:spTree>
+    <p:extLst>
+      <p:ext uri="{BB962C8B-B14F-4D97-AF65-F5344CB8AC3E}">
+        <p14:creationId xmlns:p14="http://schemas.microsoft.com/office/powerpoint/2010/main" val="1400404504"/>
+      </p:ext>
+    </p:extLst>
+  </p:cSld>
+  <p:clrMapOvr>
+    <a:masterClrMapping/>
+  </p:clrMapOvr>
+</p:sld>
+</file>
+
+<file path=ppt/slides/slide12.xml><?xml version="1.0" encoding="utf-8"?>
+<p:sld xmlns:a="http://schemas.openxmlformats.org/drawingml/2006/main" xmlns:r="http://schemas.openxmlformats.org/officeDocument/2006/relationships" xmlns:p="http://schemas.openxmlformats.org/presentationml/2006/main">
+  <p:cSld>
+    <p:spTree>
+      <p:nvGrpSpPr>
+        <p:cNvPr id="1" name=""/>
+        <p:cNvGrpSpPr/>
+        <p:nvPr/>
+      </p:nvGrpSpPr>
+      <p:grpSpPr>
+        <a:xfrm>
+          <a:off x="0" y="0"/>
+          <a:ext cx="0" cy="0"/>
+          <a:chOff x="0" y="0"/>
+          <a:chExt cx="0" cy="0"/>
+        </a:xfrm>
+      </p:grpSpPr>
+      <p:sp>
+        <p:nvSpPr>
+          <p:cNvPr id="2" name="Titre 1">
+            <a:extLst>
+              <a:ext uri="{FF2B5EF4-FFF2-40B4-BE49-F238E27FC236}">
+                <a16:creationId xmlns:a16="http://schemas.microsoft.com/office/drawing/2014/main" id="{5E562972-3449-42D1-8185-B4BEFD52AB44}"/>
+              </a:ext>
+            </a:extLst>
+          </p:cNvPr>
+          <p:cNvSpPr>
+            <a:spLocks noGrp="1"/>
+          </p:cNvSpPr>
+          <p:nvPr>
+            <p:ph type="title"/>
+          </p:nvPr>
+        </p:nvSpPr>
+        <p:spPr>
+          <a:xfrm>
+            <a:off x="922386" y="456497"/>
+            <a:ext cx="11029616" cy="1188720"/>
+          </a:xfrm>
+        </p:spPr>
+        <p:txBody>
+          <a:bodyPr rtlCol="0">
+            <a:normAutofit/>
+          </a:bodyPr>
+          <a:lstStyle/>
+          <a:p>
+            <a:r>
+              <a:rPr lang="fr-FR" dirty="0"/>
+              <a:t>Entraînement du modèle</a:t>
+            </a:r>
+            <a:endParaRPr lang="fr" dirty="0"/>
+          </a:p>
+        </p:txBody>
+      </p:sp>
+      <p:sp>
+        <p:nvSpPr>
+          <p:cNvPr id="4" name="Titre 1">
+            <a:extLst>
+              <a:ext uri="{FF2B5EF4-FFF2-40B4-BE49-F238E27FC236}">
+                <a16:creationId xmlns:a16="http://schemas.microsoft.com/office/drawing/2014/main" id="{335F46D0-C865-4F1B-95E3-4B62931CF809}"/>
+              </a:ext>
+            </a:extLst>
+          </p:cNvPr>
+          <p:cNvSpPr txBox="1">
+            <a:spLocks/>
+          </p:cNvSpPr>
+          <p:nvPr/>
+        </p:nvSpPr>
+        <p:spPr>
+          <a:xfrm>
+            <a:off x="922386" y="1645217"/>
+            <a:ext cx="11029616" cy="530880"/>
+          </a:xfrm>
+          <a:prstGeom prst="rect">
+            <a:avLst/>
+          </a:prstGeom>
+        </p:spPr>
+        <p:txBody>
+          <a:bodyPr vert="horz" lIns="91440" tIns="45720" rIns="91440" bIns="45720" rtlCol="0" anchor="b">
+            <a:normAutofit/>
+          </a:bodyPr>
+          <a:lstStyle>
+            <a:lvl1pPr algn="l" defTabSz="457200" rtl="0" eaLnBrk="1" latinLnBrk="0" hangingPunct="1">
+              <a:lnSpc>
+                <a:spcPct val="100000"/>
+              </a:lnSpc>
+              <a:spcBef>
+                <a:spcPct val="0"/>
+              </a:spcBef>
+              <a:buNone/>
+              <a:defRPr sz="2800" b="0" kern="1200" cap="all">
+                <a:solidFill>
+                  <a:schemeClr val="tx1">
+                    <a:lumMod val="75000"/>
+                    <a:lumOff val="25000"/>
+                  </a:schemeClr>
+                </a:solidFill>
+                <a:latin typeface="+mj-lt"/>
+                <a:ea typeface="+mj-ea"/>
+                <a:cs typeface="+mj-cs"/>
+              </a:defRPr>
+            </a:lvl1pPr>
+            <a:lvl2pPr eaLnBrk="1" hangingPunct="1">
+              <a:defRPr>
+                <a:solidFill>
+                  <a:schemeClr val="tx2"/>
+                </a:solidFill>
+              </a:defRPr>
+            </a:lvl2pPr>
+            <a:lvl3pPr eaLnBrk="1" hangingPunct="1">
+              <a:defRPr>
+                <a:solidFill>
+                  <a:schemeClr val="tx2"/>
+                </a:solidFill>
+              </a:defRPr>
+            </a:lvl3pPr>
+            <a:lvl4pPr eaLnBrk="1" hangingPunct="1">
+              <a:defRPr>
+                <a:solidFill>
+                  <a:schemeClr val="tx2"/>
+                </a:solidFill>
+              </a:defRPr>
+            </a:lvl4pPr>
+            <a:lvl5pPr eaLnBrk="1" hangingPunct="1">
+              <a:defRPr>
+                <a:solidFill>
+                  <a:schemeClr val="tx2"/>
+                </a:solidFill>
+              </a:defRPr>
+            </a:lvl5pPr>
+            <a:lvl6pPr eaLnBrk="1" hangingPunct="1">
+              <a:defRPr>
+                <a:solidFill>
+                  <a:schemeClr val="tx2"/>
+                </a:solidFill>
+              </a:defRPr>
+            </a:lvl6pPr>
+            <a:lvl7pPr eaLnBrk="1" hangingPunct="1">
+              <a:defRPr>
+                <a:solidFill>
+                  <a:schemeClr val="tx2"/>
+                </a:solidFill>
+              </a:defRPr>
+            </a:lvl7pPr>
+            <a:lvl8pPr eaLnBrk="1" hangingPunct="1">
+              <a:defRPr>
+                <a:solidFill>
+                  <a:schemeClr val="tx2"/>
+                </a:solidFill>
+              </a:defRPr>
+            </a:lvl8pPr>
+            <a:lvl9pPr eaLnBrk="1" hangingPunct="1">
+              <a:defRPr>
+                <a:solidFill>
+                  <a:schemeClr val="tx2"/>
+                </a:solidFill>
+              </a:defRPr>
+            </a:lvl9pPr>
+          </a:lstStyle>
+          <a:p>
+            <a:r>
+              <a:rPr lang="fr-FR" dirty="0"/>
+              <a:t>	</a:t>
+            </a:r>
+            <a:r>
+              <a:rPr lang="fr-FR" sz="2400" dirty="0"/>
+              <a:t>2. préparation de tableau </a:t>
+            </a:r>
+            <a:r>
+              <a:rPr lang="fr-FR" sz="2400" dirty="0" err="1"/>
+              <a:t>numpy</a:t>
+            </a:r>
+            <a:r>
+              <a:rPr lang="fr-FR" sz="2400" dirty="0"/>
+              <a:t> x et y</a:t>
+            </a:r>
+            <a:endParaRPr lang="fr" sz="2400" dirty="0"/>
+          </a:p>
+        </p:txBody>
+      </p:sp>
+      <p:sp>
+        <p:nvSpPr>
+          <p:cNvPr id="6" name="ZoneTexte 5">
+            <a:extLst>
+              <a:ext uri="{FF2B5EF4-FFF2-40B4-BE49-F238E27FC236}">
+                <a16:creationId xmlns:a16="http://schemas.microsoft.com/office/drawing/2014/main" id="{5F0B9CAB-A817-4D40-8DC3-EF44AFD0BEF8}"/>
+              </a:ext>
+            </a:extLst>
+          </p:cNvPr>
+          <p:cNvSpPr txBox="1"/>
+          <p:nvPr/>
+        </p:nvSpPr>
+        <p:spPr>
+          <a:xfrm>
+            <a:off x="922386" y="2323155"/>
+            <a:ext cx="11029614" cy="646331"/>
+          </a:xfrm>
+          <a:prstGeom prst="rect">
+            <a:avLst/>
+          </a:prstGeom>
+          <a:solidFill>
+            <a:schemeClr val="tx1"/>
+          </a:solidFill>
+        </p:spPr>
+        <p:txBody>
+          <a:bodyPr wrap="square">
+            <a:spAutoFit/>
+          </a:bodyPr>
+          <a:lstStyle/>
+          <a:p>
+            <a:r>
+              <a:rPr lang="fr-FR" sz="1200" b="0" dirty="0">
+                <a:solidFill>
+                  <a:srgbClr val="6A9955"/>
+                </a:solidFill>
+                <a:effectLst/>
+                <a:latin typeface="Consolas" panose="020B0609020204030204" pitchFamily="49" charset="0"/>
+              </a:rPr>
+              <a:t># préparer les tableau X et Y</a:t>
+            </a:r>
+            <a:endParaRPr lang="fr-FR" sz="1200" b="0" dirty="0">
+              <a:solidFill>
+                <a:srgbClr val="D4D4D4"/>
+              </a:solidFill>
+              <a:effectLst/>
+              <a:latin typeface="Consolas" panose="020B0609020204030204" pitchFamily="49" charset="0"/>
+            </a:endParaRPr>
+          </a:p>
+          <a:p>
+            <a:r>
+              <a:rPr lang="fr-FR" sz="1200" b="0" dirty="0">
+                <a:solidFill>
+                  <a:srgbClr val="9CDCFE"/>
+                </a:solidFill>
+                <a:effectLst/>
+                <a:latin typeface="Consolas" panose="020B0609020204030204" pitchFamily="49" charset="0"/>
+              </a:rPr>
+              <a:t>y</a:t>
+            </a:r>
+            <a:r>
+              <a:rPr lang="fr-FR" sz="1200" b="0" dirty="0">
+                <a:solidFill>
+                  <a:srgbClr val="D4D4D4"/>
+                </a:solidFill>
+                <a:effectLst/>
+                <a:latin typeface="Consolas" panose="020B0609020204030204" pitchFamily="49" charset="0"/>
+              </a:rPr>
+              <a:t> = </a:t>
+            </a:r>
+            <a:r>
+              <a:rPr lang="fr-FR" sz="1200" b="0" dirty="0" err="1">
+                <a:solidFill>
+                  <a:srgbClr val="9CDCFE"/>
+                </a:solidFill>
+                <a:effectLst/>
+                <a:latin typeface="Consolas" panose="020B0609020204030204" pitchFamily="49" charset="0"/>
+              </a:rPr>
+              <a:t>train_encoded_df</a:t>
+            </a:r>
+            <a:r>
+              <a:rPr lang="fr-FR" sz="1200" b="0" dirty="0">
+                <a:solidFill>
+                  <a:srgbClr val="D4D4D4"/>
+                </a:solidFill>
+                <a:effectLst/>
+                <a:latin typeface="Consolas" panose="020B0609020204030204" pitchFamily="49" charset="0"/>
+              </a:rPr>
+              <a:t>[</a:t>
+            </a:r>
+            <a:r>
+              <a:rPr lang="fr-FR" sz="1200" b="0" dirty="0">
+                <a:solidFill>
+                  <a:srgbClr val="CE9178"/>
+                </a:solidFill>
+                <a:effectLst/>
+                <a:latin typeface="Consolas" panose="020B0609020204030204" pitchFamily="49" charset="0"/>
+              </a:rPr>
+              <a:t>'</a:t>
+            </a:r>
+            <a:r>
+              <a:rPr lang="fr-FR" sz="1200" b="0" dirty="0" err="1">
+                <a:solidFill>
+                  <a:srgbClr val="CE9178"/>
+                </a:solidFill>
+                <a:effectLst/>
+                <a:latin typeface="Consolas" panose="020B0609020204030204" pitchFamily="49" charset="0"/>
+              </a:rPr>
+              <a:t>Response</a:t>
+            </a:r>
+            <a:r>
+              <a:rPr lang="fr-FR" sz="1200" b="0" dirty="0">
+                <a:solidFill>
+                  <a:srgbClr val="CE9178"/>
+                </a:solidFill>
+                <a:effectLst/>
+                <a:latin typeface="Consolas" panose="020B0609020204030204" pitchFamily="49" charset="0"/>
+              </a:rPr>
+              <a:t>'</a:t>
+            </a:r>
+            <a:r>
+              <a:rPr lang="fr-FR" sz="1200" b="0" dirty="0">
+                <a:solidFill>
+                  <a:srgbClr val="D4D4D4"/>
+                </a:solidFill>
+                <a:effectLst/>
+                <a:latin typeface="Consolas" panose="020B0609020204030204" pitchFamily="49" charset="0"/>
+              </a:rPr>
+              <a:t>]</a:t>
+            </a:r>
+          </a:p>
+          <a:p>
+            <a:r>
+              <a:rPr lang="fr-FR" sz="1200" b="0" dirty="0">
+                <a:solidFill>
+                  <a:srgbClr val="4FC1FF"/>
+                </a:solidFill>
+                <a:effectLst/>
+                <a:latin typeface="Consolas" panose="020B0609020204030204" pitchFamily="49" charset="0"/>
+              </a:rPr>
+              <a:t>X</a:t>
+            </a:r>
+            <a:r>
+              <a:rPr lang="fr-FR" sz="1200" b="0" dirty="0">
+                <a:solidFill>
+                  <a:srgbClr val="D4D4D4"/>
+                </a:solidFill>
+                <a:effectLst/>
+                <a:latin typeface="Consolas" panose="020B0609020204030204" pitchFamily="49" charset="0"/>
+              </a:rPr>
+              <a:t> = </a:t>
+            </a:r>
+            <a:r>
+              <a:rPr lang="fr-FR" sz="1200" b="0" dirty="0" err="1">
+                <a:solidFill>
+                  <a:srgbClr val="9CDCFE"/>
+                </a:solidFill>
+                <a:effectLst/>
+                <a:latin typeface="Consolas" panose="020B0609020204030204" pitchFamily="49" charset="0"/>
+              </a:rPr>
+              <a:t>train_encoded_df</a:t>
+            </a:r>
+            <a:r>
+              <a:rPr lang="fr-FR" sz="1200" b="0" dirty="0" err="1">
+                <a:solidFill>
+                  <a:srgbClr val="D4D4D4"/>
+                </a:solidFill>
+                <a:effectLst/>
+                <a:latin typeface="Consolas" panose="020B0609020204030204" pitchFamily="49" charset="0"/>
+              </a:rPr>
+              <a:t>.</a:t>
+            </a:r>
+            <a:r>
+              <a:rPr lang="fr-FR" sz="1200" b="0" dirty="0" err="1">
+                <a:solidFill>
+                  <a:srgbClr val="DCDCAA"/>
+                </a:solidFill>
+                <a:effectLst/>
+                <a:latin typeface="Consolas" panose="020B0609020204030204" pitchFamily="49" charset="0"/>
+              </a:rPr>
+              <a:t>drop</a:t>
+            </a:r>
+            <a:r>
+              <a:rPr lang="fr-FR" sz="1200" b="0" dirty="0">
+                <a:solidFill>
+                  <a:srgbClr val="D4D4D4"/>
+                </a:solidFill>
+                <a:effectLst/>
+                <a:latin typeface="Consolas" panose="020B0609020204030204" pitchFamily="49" charset="0"/>
+              </a:rPr>
+              <a:t>(</a:t>
+            </a:r>
+            <a:r>
+              <a:rPr lang="fr-FR" sz="1200" b="0" dirty="0">
+                <a:solidFill>
+                  <a:srgbClr val="CE9178"/>
+                </a:solidFill>
+                <a:effectLst/>
+                <a:latin typeface="Consolas" panose="020B0609020204030204" pitchFamily="49" charset="0"/>
+              </a:rPr>
+              <a:t>'</a:t>
+            </a:r>
+            <a:r>
+              <a:rPr lang="fr-FR" sz="1200" b="0" dirty="0" err="1">
+                <a:solidFill>
+                  <a:srgbClr val="CE9178"/>
+                </a:solidFill>
+                <a:effectLst/>
+                <a:latin typeface="Consolas" panose="020B0609020204030204" pitchFamily="49" charset="0"/>
+              </a:rPr>
+              <a:t>Response</a:t>
+            </a:r>
+            <a:r>
+              <a:rPr lang="fr-FR" sz="1200" b="0" dirty="0">
+                <a:solidFill>
+                  <a:srgbClr val="CE9178"/>
+                </a:solidFill>
+                <a:effectLst/>
+                <a:latin typeface="Consolas" panose="020B0609020204030204" pitchFamily="49" charset="0"/>
+              </a:rPr>
+              <a:t>'</a:t>
+            </a:r>
+            <a:r>
+              <a:rPr lang="fr-FR" sz="1200" b="0" dirty="0">
+                <a:solidFill>
+                  <a:srgbClr val="D4D4D4"/>
+                </a:solidFill>
+                <a:effectLst/>
+                <a:latin typeface="Consolas" panose="020B0609020204030204" pitchFamily="49" charset="0"/>
+              </a:rPr>
+              <a:t>, </a:t>
+            </a:r>
+            <a:r>
+              <a:rPr lang="fr-FR" sz="1200" b="0" dirty="0">
+                <a:solidFill>
+                  <a:srgbClr val="9CDCFE"/>
+                </a:solidFill>
+                <a:effectLst/>
+                <a:latin typeface="Consolas" panose="020B0609020204030204" pitchFamily="49" charset="0"/>
+              </a:rPr>
+              <a:t>axis</a:t>
+            </a:r>
+            <a:r>
+              <a:rPr lang="fr-FR" sz="1200" b="0" dirty="0">
+                <a:solidFill>
+                  <a:srgbClr val="D4D4D4"/>
+                </a:solidFill>
+                <a:effectLst/>
+                <a:latin typeface="Consolas" panose="020B0609020204030204" pitchFamily="49" charset="0"/>
+              </a:rPr>
+              <a:t>=</a:t>
+            </a:r>
+            <a:r>
+              <a:rPr lang="fr-FR" sz="1200" b="0" dirty="0">
+                <a:solidFill>
+                  <a:srgbClr val="B5CEA8"/>
+                </a:solidFill>
+                <a:effectLst/>
+                <a:latin typeface="Consolas" panose="020B0609020204030204" pitchFamily="49" charset="0"/>
+              </a:rPr>
+              <a:t>1</a:t>
+            </a:r>
+            <a:r>
+              <a:rPr lang="fr-FR" sz="1200" b="0" dirty="0">
+                <a:solidFill>
+                  <a:srgbClr val="D4D4D4"/>
+                </a:solidFill>
+                <a:effectLst/>
+                <a:latin typeface="Consolas" panose="020B0609020204030204" pitchFamily="49" charset="0"/>
+              </a:rPr>
+              <a:t>).</a:t>
+            </a:r>
+            <a:r>
+              <a:rPr lang="fr-FR" sz="1200" b="0" dirty="0" err="1">
+                <a:solidFill>
+                  <a:srgbClr val="DCDCAA"/>
+                </a:solidFill>
+                <a:effectLst/>
+                <a:latin typeface="Consolas" panose="020B0609020204030204" pitchFamily="49" charset="0"/>
+              </a:rPr>
+              <a:t>to_numpy</a:t>
+            </a:r>
+            <a:r>
+              <a:rPr lang="fr-FR" sz="1200" b="0" dirty="0">
+                <a:solidFill>
+                  <a:srgbClr val="D4D4D4"/>
+                </a:solidFill>
+                <a:effectLst/>
+                <a:latin typeface="Consolas" panose="020B0609020204030204" pitchFamily="49" charset="0"/>
+              </a:rPr>
+              <a:t>() </a:t>
+            </a:r>
+            <a:r>
+              <a:rPr lang="fr-FR" sz="1200" b="0" dirty="0">
+                <a:solidFill>
+                  <a:srgbClr val="6A9955"/>
+                </a:solidFill>
+                <a:effectLst/>
+                <a:latin typeface="Consolas" panose="020B0609020204030204" pitchFamily="49" charset="0"/>
+              </a:rPr>
+              <a:t># </a:t>
+            </a:r>
+            <a:r>
+              <a:rPr lang="fr-FR" sz="1200" b="0" dirty="0" err="1">
+                <a:solidFill>
+                  <a:srgbClr val="6A9955"/>
+                </a:solidFill>
+                <a:effectLst/>
+                <a:latin typeface="Consolas" panose="020B0609020204030204" pitchFamily="49" charset="0"/>
+              </a:rPr>
+              <a:t>eliminer</a:t>
+            </a:r>
+            <a:r>
+              <a:rPr lang="fr-FR" sz="1200" b="0" dirty="0">
+                <a:solidFill>
+                  <a:srgbClr val="6A9955"/>
+                </a:solidFill>
+                <a:effectLst/>
+                <a:latin typeface="Consolas" panose="020B0609020204030204" pitchFamily="49" charset="0"/>
+              </a:rPr>
+              <a:t> la colonne '</a:t>
+            </a:r>
+            <a:r>
+              <a:rPr lang="fr-FR" sz="1200" b="0" dirty="0" err="1">
+                <a:solidFill>
+                  <a:srgbClr val="6A9955"/>
+                </a:solidFill>
+                <a:effectLst/>
+                <a:latin typeface="Consolas" panose="020B0609020204030204" pitchFamily="49" charset="0"/>
+              </a:rPr>
+              <a:t>Response</a:t>
+            </a:r>
+            <a:r>
+              <a:rPr lang="fr-FR" sz="1200" b="0" dirty="0">
+                <a:solidFill>
+                  <a:srgbClr val="6A9955"/>
+                </a:solidFill>
+                <a:effectLst/>
+                <a:latin typeface="Consolas" panose="020B0609020204030204" pitchFamily="49" charset="0"/>
+              </a:rPr>
+              <a:t>'</a:t>
+            </a:r>
+            <a:endParaRPr lang="fr-FR" sz="1200" b="0" dirty="0">
+              <a:solidFill>
+                <a:srgbClr val="D4D4D4"/>
+              </a:solidFill>
+              <a:effectLst/>
+              <a:latin typeface="Consolas" panose="020B0609020204030204" pitchFamily="49" charset="0"/>
+            </a:endParaRPr>
+          </a:p>
+        </p:txBody>
+      </p:sp>
+      <p:sp>
+        <p:nvSpPr>
+          <p:cNvPr id="11" name="Titre 1">
+            <a:extLst>
+              <a:ext uri="{FF2B5EF4-FFF2-40B4-BE49-F238E27FC236}">
+                <a16:creationId xmlns:a16="http://schemas.microsoft.com/office/drawing/2014/main" id="{6EBDEF88-69E5-4530-8098-F8E4DA0BCF42}"/>
+              </a:ext>
+            </a:extLst>
+          </p:cNvPr>
+          <p:cNvSpPr txBox="1">
+            <a:spLocks/>
+          </p:cNvSpPr>
+          <p:nvPr/>
+        </p:nvSpPr>
+        <p:spPr>
+          <a:xfrm>
+            <a:off x="1074786" y="3643197"/>
+            <a:ext cx="11029616" cy="530880"/>
+          </a:xfrm>
+          <a:prstGeom prst="rect">
+            <a:avLst/>
+          </a:prstGeom>
+        </p:spPr>
+        <p:txBody>
+          <a:bodyPr vert="horz" lIns="91440" tIns="45720" rIns="91440" bIns="45720" rtlCol="0" anchor="b">
+            <a:normAutofit/>
+          </a:bodyPr>
+          <a:lstStyle>
+            <a:lvl1pPr algn="l" defTabSz="457200" rtl="0" eaLnBrk="1" latinLnBrk="0" hangingPunct="1">
+              <a:lnSpc>
+                <a:spcPct val="100000"/>
+              </a:lnSpc>
+              <a:spcBef>
+                <a:spcPct val="0"/>
+              </a:spcBef>
+              <a:buNone/>
+              <a:defRPr sz="2800" b="0" kern="1200" cap="all">
+                <a:solidFill>
+                  <a:schemeClr val="tx1">
+                    <a:lumMod val="75000"/>
+                    <a:lumOff val="25000"/>
+                  </a:schemeClr>
+                </a:solidFill>
+                <a:latin typeface="+mj-lt"/>
+                <a:ea typeface="+mj-ea"/>
+                <a:cs typeface="+mj-cs"/>
+              </a:defRPr>
+            </a:lvl1pPr>
+            <a:lvl2pPr eaLnBrk="1" hangingPunct="1">
+              <a:defRPr>
+                <a:solidFill>
+                  <a:schemeClr val="tx2"/>
+                </a:solidFill>
+              </a:defRPr>
+            </a:lvl2pPr>
+            <a:lvl3pPr eaLnBrk="1" hangingPunct="1">
+              <a:defRPr>
+                <a:solidFill>
+                  <a:schemeClr val="tx2"/>
+                </a:solidFill>
+              </a:defRPr>
+            </a:lvl3pPr>
+            <a:lvl4pPr eaLnBrk="1" hangingPunct="1">
+              <a:defRPr>
+                <a:solidFill>
+                  <a:schemeClr val="tx2"/>
+                </a:solidFill>
+              </a:defRPr>
+            </a:lvl4pPr>
+            <a:lvl5pPr eaLnBrk="1" hangingPunct="1">
+              <a:defRPr>
+                <a:solidFill>
+                  <a:schemeClr val="tx2"/>
+                </a:solidFill>
+              </a:defRPr>
+            </a:lvl5pPr>
+            <a:lvl6pPr eaLnBrk="1" hangingPunct="1">
+              <a:defRPr>
+                <a:solidFill>
+                  <a:schemeClr val="tx2"/>
+                </a:solidFill>
+              </a:defRPr>
+            </a:lvl6pPr>
+            <a:lvl7pPr eaLnBrk="1" hangingPunct="1">
+              <a:defRPr>
+                <a:solidFill>
+                  <a:schemeClr val="tx2"/>
+                </a:solidFill>
+              </a:defRPr>
+            </a:lvl7pPr>
+            <a:lvl8pPr eaLnBrk="1" hangingPunct="1">
+              <a:defRPr>
+                <a:solidFill>
+                  <a:schemeClr val="tx2"/>
+                </a:solidFill>
+              </a:defRPr>
+            </a:lvl8pPr>
+            <a:lvl9pPr eaLnBrk="1" hangingPunct="1">
+              <a:defRPr>
+                <a:solidFill>
+                  <a:schemeClr val="tx2"/>
+                </a:solidFill>
+              </a:defRPr>
+            </a:lvl9pPr>
+          </a:lstStyle>
+          <a:p>
+            <a:r>
+              <a:rPr lang="fr-FR" dirty="0"/>
+              <a:t>	</a:t>
+            </a:r>
+            <a:r>
+              <a:rPr lang="fr-FR" sz="2400" dirty="0"/>
+              <a:t>3. entraîner notre modèle</a:t>
+            </a:r>
+            <a:endParaRPr lang="fr" sz="2400" dirty="0"/>
+          </a:p>
+        </p:txBody>
+      </p:sp>
+      <p:sp>
+        <p:nvSpPr>
+          <p:cNvPr id="12" name="ZoneTexte 11">
+            <a:extLst>
+              <a:ext uri="{FF2B5EF4-FFF2-40B4-BE49-F238E27FC236}">
+                <a16:creationId xmlns:a16="http://schemas.microsoft.com/office/drawing/2014/main" id="{8F7D9A3E-D062-4399-8C07-0B8FE3D6BB71}"/>
+              </a:ext>
+            </a:extLst>
+          </p:cNvPr>
+          <p:cNvSpPr txBox="1"/>
+          <p:nvPr/>
+        </p:nvSpPr>
+        <p:spPr>
+          <a:xfrm>
+            <a:off x="1074786" y="4455359"/>
+            <a:ext cx="11029614" cy="461665"/>
+          </a:xfrm>
+          <a:prstGeom prst="rect">
+            <a:avLst/>
+          </a:prstGeom>
+          <a:solidFill>
+            <a:schemeClr val="tx1"/>
+          </a:solidFill>
+        </p:spPr>
+        <p:txBody>
+          <a:bodyPr wrap="square">
+            <a:spAutoFit/>
+          </a:bodyPr>
+          <a:lstStyle/>
+          <a:p>
+            <a:r>
+              <a:rPr lang="fr-FR" sz="1200" b="0" dirty="0">
+                <a:solidFill>
+                  <a:srgbClr val="6A9955"/>
+                </a:solidFill>
+                <a:effectLst/>
+                <a:latin typeface="Consolas" panose="020B0609020204030204" pitchFamily="49" charset="0"/>
+              </a:rPr>
+              <a:t># entraîner notre modèle</a:t>
+            </a:r>
+            <a:endParaRPr lang="fr-FR" sz="1200" b="0" dirty="0">
+              <a:solidFill>
+                <a:srgbClr val="D4D4D4"/>
+              </a:solidFill>
+              <a:effectLst/>
+              <a:latin typeface="Consolas" panose="020B0609020204030204" pitchFamily="49" charset="0"/>
+            </a:endParaRPr>
+          </a:p>
+          <a:p>
+            <a:r>
+              <a:rPr lang="fr-FR" sz="1200" b="0" dirty="0" err="1">
+                <a:solidFill>
+                  <a:srgbClr val="9CDCFE"/>
+                </a:solidFill>
+                <a:effectLst/>
+                <a:latin typeface="Consolas" panose="020B0609020204030204" pitchFamily="49" charset="0"/>
+              </a:rPr>
+              <a:t>model</a:t>
+            </a:r>
+            <a:r>
+              <a:rPr lang="fr-FR" sz="1200" b="0" dirty="0" err="1">
+                <a:solidFill>
+                  <a:srgbClr val="D4D4D4"/>
+                </a:solidFill>
+                <a:effectLst/>
+                <a:latin typeface="Consolas" panose="020B0609020204030204" pitchFamily="49" charset="0"/>
+              </a:rPr>
+              <a:t>.</a:t>
+            </a:r>
+            <a:r>
+              <a:rPr lang="fr-FR" sz="1200" b="0" dirty="0" err="1">
+                <a:solidFill>
+                  <a:srgbClr val="DCDCAA"/>
+                </a:solidFill>
+                <a:effectLst/>
+                <a:latin typeface="Consolas" panose="020B0609020204030204" pitchFamily="49" charset="0"/>
+              </a:rPr>
+              <a:t>fit</a:t>
+            </a:r>
+            <a:r>
+              <a:rPr lang="fr-FR" sz="1200" b="0" dirty="0">
+                <a:solidFill>
+                  <a:srgbClr val="D4D4D4"/>
+                </a:solidFill>
+                <a:effectLst/>
+                <a:latin typeface="Consolas" panose="020B0609020204030204" pitchFamily="49" charset="0"/>
+              </a:rPr>
+              <a:t>(</a:t>
+            </a:r>
+            <a:r>
+              <a:rPr lang="fr-FR" sz="1200" b="0" dirty="0">
+                <a:solidFill>
+                  <a:srgbClr val="4FC1FF"/>
+                </a:solidFill>
+                <a:effectLst/>
+                <a:latin typeface="Consolas" panose="020B0609020204030204" pitchFamily="49" charset="0"/>
+              </a:rPr>
+              <a:t>X</a:t>
+            </a:r>
+            <a:r>
+              <a:rPr lang="fr-FR" sz="1200" b="0" dirty="0">
+                <a:solidFill>
+                  <a:srgbClr val="D4D4D4"/>
+                </a:solidFill>
+                <a:effectLst/>
+                <a:latin typeface="Consolas" panose="020B0609020204030204" pitchFamily="49" charset="0"/>
+              </a:rPr>
+              <a:t>, </a:t>
+            </a:r>
+            <a:r>
+              <a:rPr lang="fr-FR" sz="1200" b="0" dirty="0">
+                <a:solidFill>
+                  <a:srgbClr val="9CDCFE"/>
+                </a:solidFill>
+                <a:effectLst/>
+                <a:latin typeface="Consolas" panose="020B0609020204030204" pitchFamily="49" charset="0"/>
+              </a:rPr>
+              <a:t>y</a:t>
+            </a:r>
+            <a:r>
+              <a:rPr lang="fr-FR" sz="1200" b="0" dirty="0">
+                <a:solidFill>
+                  <a:srgbClr val="D4D4D4"/>
+                </a:solidFill>
+                <a:effectLst/>
+                <a:latin typeface="Consolas" panose="020B0609020204030204" pitchFamily="49" charset="0"/>
+              </a:rPr>
+              <a:t>)</a:t>
+            </a:r>
+          </a:p>
+        </p:txBody>
+      </p:sp>
+    </p:spTree>
+    <p:extLst>
+      <p:ext uri="{BB962C8B-B14F-4D97-AF65-F5344CB8AC3E}">
+        <p14:creationId xmlns:p14="http://schemas.microsoft.com/office/powerpoint/2010/main" val="13479469"/>
+      </p:ext>
+    </p:extLst>
+  </p:cSld>
+  <p:clrMapOvr>
+    <a:masterClrMapping/>
+  </p:clrMapOvr>
+</p:sld>
+</file>
+
+<file path=ppt/slides/slide13.xml><?xml version="1.0" encoding="utf-8"?>
+<p:sld xmlns:a="http://schemas.openxmlformats.org/drawingml/2006/main" xmlns:r="http://schemas.openxmlformats.org/officeDocument/2006/relationships" xmlns:p="http://schemas.openxmlformats.org/presentationml/2006/main">
+  <p:cSld>
+    <p:spTree>
+      <p:nvGrpSpPr>
+        <p:cNvPr id="1" name=""/>
+        <p:cNvGrpSpPr/>
+        <p:nvPr/>
+      </p:nvGrpSpPr>
+      <p:grpSpPr>
+        <a:xfrm>
+          <a:off x="0" y="0"/>
+          <a:ext cx="0" cy="0"/>
+          <a:chOff x="0" y="0"/>
+          <a:chExt cx="0" cy="0"/>
+        </a:xfrm>
+      </p:grpSpPr>
+      <p:sp>
+        <p:nvSpPr>
+          <p:cNvPr id="2" name="Titre 1">
+            <a:extLst>
+              <a:ext uri="{FF2B5EF4-FFF2-40B4-BE49-F238E27FC236}">
+                <a16:creationId xmlns:a16="http://schemas.microsoft.com/office/drawing/2014/main" id="{5E562972-3449-42D1-8185-B4BEFD52AB44}"/>
+              </a:ext>
+            </a:extLst>
+          </p:cNvPr>
+          <p:cNvSpPr>
+            <a:spLocks noGrp="1"/>
+          </p:cNvSpPr>
+          <p:nvPr>
+            <p:ph type="title"/>
+          </p:nvPr>
+        </p:nvSpPr>
+        <p:spPr>
+          <a:xfrm>
+            <a:off x="922386" y="456497"/>
+            <a:ext cx="11029616" cy="1188720"/>
+          </a:xfrm>
+        </p:spPr>
+        <p:txBody>
+          <a:bodyPr rtlCol="0">
+            <a:normAutofit/>
+          </a:bodyPr>
+          <a:lstStyle/>
+          <a:p>
+            <a:r>
+              <a:rPr lang="fr-FR" dirty="0"/>
+              <a:t>évaluer la performance du modèle</a:t>
+            </a:r>
+            <a:endParaRPr lang="fr" dirty="0"/>
+          </a:p>
+        </p:txBody>
+      </p:sp>
+      <p:sp>
+        <p:nvSpPr>
+          <p:cNvPr id="6" name="ZoneTexte 5">
+            <a:extLst>
+              <a:ext uri="{FF2B5EF4-FFF2-40B4-BE49-F238E27FC236}">
+                <a16:creationId xmlns:a16="http://schemas.microsoft.com/office/drawing/2014/main" id="{5F0B9CAB-A817-4D40-8DC3-EF44AFD0BEF8}"/>
+              </a:ext>
+            </a:extLst>
+          </p:cNvPr>
+          <p:cNvSpPr txBox="1"/>
+          <p:nvPr/>
+        </p:nvSpPr>
+        <p:spPr>
+          <a:xfrm>
+            <a:off x="922386" y="2323155"/>
+            <a:ext cx="11029614" cy="461665"/>
+          </a:xfrm>
+          <a:prstGeom prst="rect">
+            <a:avLst/>
+          </a:prstGeom>
+          <a:solidFill>
+            <a:schemeClr val="tx1"/>
+          </a:solidFill>
+        </p:spPr>
+        <p:txBody>
+          <a:bodyPr wrap="square">
+            <a:spAutoFit/>
+          </a:bodyPr>
+          <a:lstStyle/>
+          <a:p>
+            <a:r>
+              <a:rPr lang="fr-FR" sz="1200" b="0" dirty="0">
+                <a:solidFill>
+                  <a:srgbClr val="6A9955"/>
+                </a:solidFill>
+                <a:effectLst/>
+                <a:latin typeface="Consolas" panose="020B0609020204030204" pitchFamily="49" charset="0"/>
+              </a:rPr>
+              <a:t># évaluer notre </a:t>
+            </a:r>
+            <a:r>
+              <a:rPr lang="fr-FR" sz="1200" b="0" dirty="0" err="1">
+                <a:solidFill>
+                  <a:srgbClr val="6A9955"/>
+                </a:solidFill>
+                <a:effectLst/>
+                <a:latin typeface="Consolas" panose="020B0609020204030204" pitchFamily="49" charset="0"/>
+              </a:rPr>
+              <a:t>loèle</a:t>
+            </a:r>
+            <a:endParaRPr lang="fr-FR" sz="1200" b="0" dirty="0">
+              <a:solidFill>
+                <a:srgbClr val="D4D4D4"/>
+              </a:solidFill>
+              <a:effectLst/>
+              <a:latin typeface="Consolas" panose="020B0609020204030204" pitchFamily="49" charset="0"/>
+            </a:endParaRPr>
+          </a:p>
+          <a:p>
+            <a:r>
+              <a:rPr lang="fr-FR" sz="1200" b="0" dirty="0" err="1">
+                <a:solidFill>
+                  <a:srgbClr val="9CDCFE"/>
+                </a:solidFill>
+                <a:effectLst/>
+                <a:latin typeface="Consolas" panose="020B0609020204030204" pitchFamily="49" charset="0"/>
+              </a:rPr>
+              <a:t>model</a:t>
+            </a:r>
+            <a:r>
+              <a:rPr lang="fr-FR" sz="1200" b="0" dirty="0" err="1">
+                <a:solidFill>
+                  <a:srgbClr val="D4D4D4"/>
+                </a:solidFill>
+                <a:effectLst/>
+                <a:latin typeface="Consolas" panose="020B0609020204030204" pitchFamily="49" charset="0"/>
+              </a:rPr>
+              <a:t>.</a:t>
+            </a:r>
+            <a:r>
+              <a:rPr lang="fr-FR" sz="1200" b="0" dirty="0" err="1">
+                <a:solidFill>
+                  <a:srgbClr val="DCDCAA"/>
+                </a:solidFill>
+                <a:effectLst/>
+                <a:latin typeface="Consolas" panose="020B0609020204030204" pitchFamily="49" charset="0"/>
+              </a:rPr>
+              <a:t>score</a:t>
+            </a:r>
+            <a:r>
+              <a:rPr lang="fr-FR" sz="1200" b="0" dirty="0">
+                <a:solidFill>
+                  <a:srgbClr val="D4D4D4"/>
+                </a:solidFill>
+                <a:effectLst/>
+                <a:latin typeface="Consolas" panose="020B0609020204030204" pitchFamily="49" charset="0"/>
+              </a:rPr>
+              <a:t>(</a:t>
+            </a:r>
+            <a:r>
+              <a:rPr lang="fr-FR" sz="1200" b="0" dirty="0">
+                <a:solidFill>
+                  <a:srgbClr val="4FC1FF"/>
+                </a:solidFill>
+                <a:effectLst/>
+                <a:latin typeface="Consolas" panose="020B0609020204030204" pitchFamily="49" charset="0"/>
+              </a:rPr>
+              <a:t>X</a:t>
+            </a:r>
+            <a:r>
+              <a:rPr lang="fr-FR" sz="1200" b="0" dirty="0">
+                <a:solidFill>
+                  <a:srgbClr val="D4D4D4"/>
+                </a:solidFill>
+                <a:effectLst/>
+                <a:latin typeface="Consolas" panose="020B0609020204030204" pitchFamily="49" charset="0"/>
+              </a:rPr>
+              <a:t>, </a:t>
+            </a:r>
+            <a:r>
+              <a:rPr lang="fr-FR" sz="1200" b="0" dirty="0">
+                <a:solidFill>
+                  <a:srgbClr val="9CDCFE"/>
+                </a:solidFill>
+                <a:effectLst/>
+                <a:latin typeface="Consolas" panose="020B0609020204030204" pitchFamily="49" charset="0"/>
+              </a:rPr>
+              <a:t>y</a:t>
+            </a:r>
+            <a:r>
+              <a:rPr lang="fr-FR" sz="1200" b="0" dirty="0">
+                <a:solidFill>
+                  <a:srgbClr val="D4D4D4"/>
+                </a:solidFill>
+                <a:effectLst/>
+                <a:latin typeface="Consolas" panose="020B0609020204030204" pitchFamily="49" charset="0"/>
+              </a:rPr>
+              <a:t>)</a:t>
+            </a:r>
+          </a:p>
+        </p:txBody>
+      </p:sp>
+      <p:pic>
+        <p:nvPicPr>
+          <p:cNvPr id="5" name="Image 4">
+            <a:extLst>
+              <a:ext uri="{FF2B5EF4-FFF2-40B4-BE49-F238E27FC236}">
+                <a16:creationId xmlns:a16="http://schemas.microsoft.com/office/drawing/2014/main" id="{1433ECED-A7D9-480F-A9B1-00FAD1BBBAE0}"/>
+              </a:ext>
+            </a:extLst>
+          </p:cNvPr>
+          <p:cNvPicPr>
+            <a:picLocks noChangeAspect="1"/>
+          </p:cNvPicPr>
+          <p:nvPr/>
+        </p:nvPicPr>
+        <p:blipFill>
+          <a:blip r:embed="rId2">
+            <a:extLst>
+              <a:ext uri="{28A0092B-C50C-407E-A947-70E740481C1C}">
+                <a14:useLocalDpi xmlns:a14="http://schemas.microsoft.com/office/drawing/2010/main" val="0"/>
+              </a:ext>
+            </a:extLst>
+          </a:blip>
+          <a:stretch>
+            <a:fillRect/>
+          </a:stretch>
+        </p:blipFill>
+        <p:spPr>
+          <a:xfrm>
+            <a:off x="923202" y="3764492"/>
+            <a:ext cx="11028797" cy="352474"/>
+          </a:xfrm>
+          <a:prstGeom prst="rect">
+            <a:avLst/>
+          </a:prstGeom>
+        </p:spPr>
+      </p:pic>
+      <p:sp>
+        <p:nvSpPr>
+          <p:cNvPr id="9" name="Espace réservé du contenu 4">
+            <a:extLst>
+              <a:ext uri="{FF2B5EF4-FFF2-40B4-BE49-F238E27FC236}">
+                <a16:creationId xmlns:a16="http://schemas.microsoft.com/office/drawing/2014/main" id="{67A833B3-F67E-40E7-98B0-D7FAF5BBC0A8}"/>
+              </a:ext>
+            </a:extLst>
+          </p:cNvPr>
+          <p:cNvSpPr>
+            <a:spLocks noGrp="1"/>
+          </p:cNvSpPr>
+          <p:nvPr>
+            <p:ph idx="1"/>
+          </p:nvPr>
+        </p:nvSpPr>
+        <p:spPr>
+          <a:xfrm>
+            <a:off x="922387" y="3053593"/>
+            <a:ext cx="11029615" cy="610855"/>
+          </a:xfrm>
+        </p:spPr>
+        <p:txBody>
+          <a:bodyPr>
+            <a:normAutofit/>
+          </a:bodyPr>
+          <a:lstStyle/>
+          <a:p>
+            <a:pPr marL="0" indent="0">
+              <a:buNone/>
+            </a:pPr>
+            <a:r>
+              <a:rPr lang="fr-FR" b="1" dirty="0">
+                <a:solidFill>
+                  <a:schemeClr val="tx1"/>
+                </a:solidFill>
+                <a:effectLst/>
+                <a:latin typeface="Consolas" panose="020B0609020204030204" pitchFamily="49" charset="0"/>
+              </a:rPr>
+              <a:t>Le résultat de l’évaluation</a:t>
+            </a:r>
+          </a:p>
+        </p:txBody>
+      </p:sp>
+    </p:spTree>
+    <p:extLst>
+      <p:ext uri="{BB962C8B-B14F-4D97-AF65-F5344CB8AC3E}">
+        <p14:creationId xmlns:p14="http://schemas.microsoft.com/office/powerpoint/2010/main" val="3060537685"/>
+      </p:ext>
+    </p:extLst>
+  </p:cSld>
+  <p:clrMapOvr>
+    <a:masterClrMapping/>
+  </p:clrMapOvr>
+</p:sld>
+</file>
+
+<file path=ppt/slides/slide14.xml><?xml version="1.0" encoding="utf-8"?>
+<p:sld xmlns:a="http://schemas.openxmlformats.org/drawingml/2006/main" xmlns:r="http://schemas.openxmlformats.org/officeDocument/2006/relationships" xmlns:p="http://schemas.openxmlformats.org/presentationml/2006/main">
+  <p:cSld>
+    <p:spTree>
+      <p:nvGrpSpPr>
+        <p:cNvPr id="1" name=""/>
+        <p:cNvGrpSpPr/>
+        <p:nvPr/>
+      </p:nvGrpSpPr>
+      <p:grpSpPr>
+        <a:xfrm>
+          <a:off x="0" y="0"/>
+          <a:ext cx="0" cy="0"/>
+          <a:chOff x="0" y="0"/>
+          <a:chExt cx="0" cy="0"/>
+        </a:xfrm>
+      </p:grpSpPr>
+      <p:sp>
+        <p:nvSpPr>
+          <p:cNvPr id="2" name="Titre 1">
+            <a:extLst>
+              <a:ext uri="{FF2B5EF4-FFF2-40B4-BE49-F238E27FC236}">
+                <a16:creationId xmlns:a16="http://schemas.microsoft.com/office/drawing/2014/main" id="{5E562972-3449-42D1-8185-B4BEFD52AB44}"/>
+              </a:ext>
+            </a:extLst>
+          </p:cNvPr>
+          <p:cNvSpPr>
+            <a:spLocks noGrp="1"/>
+          </p:cNvSpPr>
+          <p:nvPr>
+            <p:ph type="title"/>
+          </p:nvPr>
+        </p:nvSpPr>
+        <p:spPr>
+          <a:xfrm>
+            <a:off x="922386" y="456497"/>
+            <a:ext cx="11029616" cy="1188720"/>
+          </a:xfrm>
+        </p:spPr>
+        <p:txBody>
+          <a:bodyPr rtlCol="0">
+            <a:normAutofit/>
+          </a:bodyPr>
+          <a:lstStyle/>
+          <a:p>
+            <a:r>
+              <a:rPr lang="fr-FR" dirty="0"/>
+              <a:t>prédiction</a:t>
+            </a:r>
+            <a:endParaRPr lang="fr" dirty="0"/>
+          </a:p>
+        </p:txBody>
+      </p:sp>
+      <p:sp>
+        <p:nvSpPr>
+          <p:cNvPr id="4" name="Titre 1">
+            <a:extLst>
+              <a:ext uri="{FF2B5EF4-FFF2-40B4-BE49-F238E27FC236}">
+                <a16:creationId xmlns:a16="http://schemas.microsoft.com/office/drawing/2014/main" id="{335F46D0-C865-4F1B-95E3-4B62931CF809}"/>
+              </a:ext>
+            </a:extLst>
+          </p:cNvPr>
+          <p:cNvSpPr txBox="1">
+            <a:spLocks/>
+          </p:cNvSpPr>
+          <p:nvPr/>
+        </p:nvSpPr>
+        <p:spPr>
+          <a:xfrm>
+            <a:off x="922386" y="1645217"/>
+            <a:ext cx="11029616" cy="530880"/>
+          </a:xfrm>
+          <a:prstGeom prst="rect">
+            <a:avLst/>
+          </a:prstGeom>
+        </p:spPr>
+        <p:txBody>
+          <a:bodyPr vert="horz" lIns="91440" tIns="45720" rIns="91440" bIns="45720" rtlCol="0" anchor="b">
+            <a:normAutofit/>
+          </a:bodyPr>
+          <a:lstStyle>
+            <a:lvl1pPr algn="l" defTabSz="457200" rtl="0" eaLnBrk="1" latinLnBrk="0" hangingPunct="1">
+              <a:lnSpc>
+                <a:spcPct val="100000"/>
+              </a:lnSpc>
+              <a:spcBef>
+                <a:spcPct val="0"/>
+              </a:spcBef>
+              <a:buNone/>
+              <a:defRPr sz="2800" b="0" kern="1200" cap="all">
+                <a:solidFill>
+                  <a:schemeClr val="tx1">
+                    <a:lumMod val="75000"/>
+                    <a:lumOff val="25000"/>
+                  </a:schemeClr>
+                </a:solidFill>
+                <a:latin typeface="+mj-lt"/>
+                <a:ea typeface="+mj-ea"/>
+                <a:cs typeface="+mj-cs"/>
+              </a:defRPr>
+            </a:lvl1pPr>
+            <a:lvl2pPr eaLnBrk="1" hangingPunct="1">
+              <a:defRPr>
+                <a:solidFill>
+                  <a:schemeClr val="tx2"/>
+                </a:solidFill>
+              </a:defRPr>
+            </a:lvl2pPr>
+            <a:lvl3pPr eaLnBrk="1" hangingPunct="1">
+              <a:defRPr>
+                <a:solidFill>
+                  <a:schemeClr val="tx2"/>
+                </a:solidFill>
+              </a:defRPr>
+            </a:lvl3pPr>
+            <a:lvl4pPr eaLnBrk="1" hangingPunct="1">
+              <a:defRPr>
+                <a:solidFill>
+                  <a:schemeClr val="tx2"/>
+                </a:solidFill>
+              </a:defRPr>
+            </a:lvl4pPr>
+            <a:lvl5pPr eaLnBrk="1" hangingPunct="1">
+              <a:defRPr>
+                <a:solidFill>
+                  <a:schemeClr val="tx2"/>
+                </a:solidFill>
+              </a:defRPr>
+            </a:lvl5pPr>
+            <a:lvl6pPr eaLnBrk="1" hangingPunct="1">
+              <a:defRPr>
+                <a:solidFill>
+                  <a:schemeClr val="tx2"/>
+                </a:solidFill>
+              </a:defRPr>
+            </a:lvl6pPr>
+            <a:lvl7pPr eaLnBrk="1" hangingPunct="1">
+              <a:defRPr>
+                <a:solidFill>
+                  <a:schemeClr val="tx2"/>
+                </a:solidFill>
+              </a:defRPr>
+            </a:lvl7pPr>
+            <a:lvl8pPr eaLnBrk="1" hangingPunct="1">
+              <a:defRPr>
+                <a:solidFill>
+                  <a:schemeClr val="tx2"/>
+                </a:solidFill>
+              </a:defRPr>
+            </a:lvl8pPr>
+            <a:lvl9pPr eaLnBrk="1" hangingPunct="1">
+              <a:defRPr>
+                <a:solidFill>
+                  <a:schemeClr val="tx2"/>
+                </a:solidFill>
+              </a:defRPr>
+            </a:lvl9pPr>
+          </a:lstStyle>
+          <a:p>
+            <a:r>
+              <a:rPr lang="fr-FR" dirty="0"/>
+              <a:t>	</a:t>
+            </a:r>
+            <a:r>
+              <a:rPr lang="fr-FR" sz="2400" dirty="0"/>
+              <a:t>fonction de prédiction</a:t>
+            </a:r>
+            <a:endParaRPr lang="fr" sz="2400" dirty="0"/>
+          </a:p>
+        </p:txBody>
+      </p:sp>
+      <p:sp>
+        <p:nvSpPr>
+          <p:cNvPr id="6" name="ZoneTexte 5">
+            <a:extLst>
+              <a:ext uri="{FF2B5EF4-FFF2-40B4-BE49-F238E27FC236}">
+                <a16:creationId xmlns:a16="http://schemas.microsoft.com/office/drawing/2014/main" id="{5F0B9CAB-A817-4D40-8DC3-EF44AFD0BEF8}"/>
+              </a:ext>
+            </a:extLst>
+          </p:cNvPr>
+          <p:cNvSpPr txBox="1"/>
+          <p:nvPr/>
+        </p:nvSpPr>
+        <p:spPr>
+          <a:xfrm>
+            <a:off x="922386" y="2323155"/>
+            <a:ext cx="11029614" cy="1569660"/>
+          </a:xfrm>
+          <a:prstGeom prst="rect">
+            <a:avLst/>
+          </a:prstGeom>
+          <a:solidFill>
+            <a:schemeClr val="tx1"/>
+          </a:solidFill>
+        </p:spPr>
+        <p:txBody>
+          <a:bodyPr wrap="square">
+            <a:spAutoFit/>
+          </a:bodyPr>
+          <a:lstStyle/>
+          <a:p>
+            <a:r>
+              <a:rPr lang="fr-FR" sz="1200" b="0" dirty="0">
+                <a:solidFill>
+                  <a:srgbClr val="6A9955"/>
+                </a:solidFill>
+                <a:effectLst/>
+                <a:latin typeface="Consolas" panose="020B0609020204030204" pitchFamily="49" charset="0"/>
+              </a:rPr>
+              <a:t># préparer les tableau X et Y</a:t>
+            </a:r>
+            <a:endParaRPr lang="fr-FR" sz="1200" b="0" dirty="0">
+              <a:solidFill>
+                <a:srgbClr val="D4D4D4"/>
+              </a:solidFill>
+              <a:effectLst/>
+              <a:latin typeface="Consolas" panose="020B0609020204030204" pitchFamily="49" charset="0"/>
+            </a:endParaRPr>
+          </a:p>
+          <a:p>
+            <a:r>
+              <a:rPr lang="fr-FR" sz="1200" b="0" dirty="0" err="1">
+                <a:solidFill>
+                  <a:srgbClr val="569CD6"/>
+                </a:solidFill>
+                <a:effectLst/>
+                <a:latin typeface="Consolas" panose="020B0609020204030204" pitchFamily="49" charset="0"/>
+              </a:rPr>
+              <a:t>def</a:t>
+            </a:r>
+            <a:r>
+              <a:rPr lang="fr-FR" sz="1200" b="0" dirty="0">
+                <a:solidFill>
+                  <a:srgbClr val="D4D4D4"/>
+                </a:solidFill>
+                <a:effectLst/>
+                <a:latin typeface="Consolas" panose="020B0609020204030204" pitchFamily="49" charset="0"/>
+              </a:rPr>
+              <a:t> </a:t>
+            </a:r>
+            <a:r>
+              <a:rPr lang="fr-FR" sz="1200" b="0" dirty="0" err="1">
+                <a:solidFill>
+                  <a:srgbClr val="DCDCAA"/>
+                </a:solidFill>
+                <a:effectLst/>
+                <a:latin typeface="Consolas" panose="020B0609020204030204" pitchFamily="49" charset="0"/>
+              </a:rPr>
+              <a:t>interested</a:t>
+            </a:r>
+            <a:r>
+              <a:rPr lang="fr-FR" sz="1200" b="0" dirty="0">
+                <a:solidFill>
+                  <a:srgbClr val="D4D4D4"/>
+                </a:solidFill>
+                <a:effectLst/>
+                <a:latin typeface="Consolas" panose="020B0609020204030204" pitchFamily="49" charset="0"/>
+              </a:rPr>
+              <a:t>(</a:t>
+            </a:r>
+            <a:r>
+              <a:rPr lang="fr-FR" sz="900" b="0" dirty="0" err="1">
+                <a:solidFill>
+                  <a:srgbClr val="9CDCFE"/>
+                </a:solidFill>
+                <a:effectLst/>
+                <a:latin typeface="Consolas" panose="020B0609020204030204" pitchFamily="49" charset="0"/>
+              </a:rPr>
+              <a:t>gender</a:t>
+            </a:r>
+            <a:r>
+              <a:rPr lang="fr-FR" sz="900" b="0" dirty="0">
+                <a:solidFill>
+                  <a:srgbClr val="D4D4D4"/>
+                </a:solidFill>
+                <a:effectLst/>
+                <a:latin typeface="Consolas" panose="020B0609020204030204" pitchFamily="49" charset="0"/>
+              </a:rPr>
+              <a:t>, </a:t>
+            </a:r>
+            <a:r>
+              <a:rPr lang="fr-FR" sz="900" b="0" dirty="0" err="1">
+                <a:solidFill>
+                  <a:srgbClr val="9CDCFE"/>
+                </a:solidFill>
+                <a:effectLst/>
+                <a:latin typeface="Consolas" panose="020B0609020204030204" pitchFamily="49" charset="0"/>
+              </a:rPr>
+              <a:t>age</a:t>
+            </a:r>
+            <a:r>
+              <a:rPr lang="fr-FR" sz="900" b="0" dirty="0">
+                <a:solidFill>
+                  <a:srgbClr val="D4D4D4"/>
+                </a:solidFill>
+                <a:effectLst/>
+                <a:latin typeface="Consolas" panose="020B0609020204030204" pitchFamily="49" charset="0"/>
+              </a:rPr>
+              <a:t>, </a:t>
+            </a:r>
+            <a:r>
+              <a:rPr lang="fr-FR" sz="900" b="0" dirty="0" err="1">
+                <a:solidFill>
+                  <a:srgbClr val="9CDCFE"/>
+                </a:solidFill>
+                <a:effectLst/>
+                <a:latin typeface="Consolas" panose="020B0609020204030204" pitchFamily="49" charset="0"/>
+              </a:rPr>
+              <a:t>driving_license</a:t>
+            </a:r>
+            <a:r>
+              <a:rPr lang="fr-FR" sz="900" b="0" dirty="0">
+                <a:solidFill>
+                  <a:srgbClr val="D4D4D4"/>
+                </a:solidFill>
+                <a:effectLst/>
+                <a:latin typeface="Consolas" panose="020B0609020204030204" pitchFamily="49" charset="0"/>
+              </a:rPr>
+              <a:t>, </a:t>
+            </a:r>
+            <a:r>
+              <a:rPr lang="fr-FR" sz="900" b="0" dirty="0" err="1">
+                <a:solidFill>
+                  <a:srgbClr val="9CDCFE"/>
+                </a:solidFill>
+                <a:effectLst/>
+                <a:latin typeface="Consolas" panose="020B0609020204030204" pitchFamily="49" charset="0"/>
+              </a:rPr>
+              <a:t>region_code</a:t>
+            </a:r>
+            <a:r>
+              <a:rPr lang="fr-FR" sz="900" b="0" dirty="0">
+                <a:solidFill>
+                  <a:srgbClr val="D4D4D4"/>
+                </a:solidFill>
+                <a:effectLst/>
+                <a:latin typeface="Consolas" panose="020B0609020204030204" pitchFamily="49" charset="0"/>
+              </a:rPr>
+              <a:t>, </a:t>
+            </a:r>
+            <a:r>
+              <a:rPr lang="fr-FR" sz="900" b="0" dirty="0" err="1">
+                <a:solidFill>
+                  <a:srgbClr val="9CDCFE"/>
+                </a:solidFill>
+                <a:effectLst/>
+                <a:latin typeface="Consolas" panose="020B0609020204030204" pitchFamily="49" charset="0"/>
+              </a:rPr>
+              <a:t>previously_insured</a:t>
+            </a:r>
+            <a:r>
+              <a:rPr lang="fr-FR" sz="900" b="0" dirty="0">
+                <a:solidFill>
+                  <a:srgbClr val="D4D4D4"/>
+                </a:solidFill>
+                <a:effectLst/>
+                <a:latin typeface="Consolas" panose="020B0609020204030204" pitchFamily="49" charset="0"/>
+              </a:rPr>
+              <a:t>, </a:t>
+            </a:r>
+            <a:r>
+              <a:rPr lang="fr-FR" sz="900" b="0" dirty="0" err="1">
+                <a:solidFill>
+                  <a:srgbClr val="9CDCFE"/>
+                </a:solidFill>
+                <a:effectLst/>
+                <a:latin typeface="Consolas" panose="020B0609020204030204" pitchFamily="49" charset="0"/>
+              </a:rPr>
+              <a:t>vehicle_age</a:t>
+            </a:r>
+            <a:r>
+              <a:rPr lang="fr-FR" sz="900" b="0" dirty="0">
+                <a:solidFill>
+                  <a:srgbClr val="D4D4D4"/>
+                </a:solidFill>
+                <a:effectLst/>
+                <a:latin typeface="Consolas" panose="020B0609020204030204" pitchFamily="49" charset="0"/>
+              </a:rPr>
+              <a:t>, </a:t>
+            </a:r>
+            <a:r>
+              <a:rPr lang="fr-FR" sz="900" b="0" dirty="0" err="1">
+                <a:solidFill>
+                  <a:srgbClr val="9CDCFE"/>
+                </a:solidFill>
+                <a:effectLst/>
+                <a:latin typeface="Consolas" panose="020B0609020204030204" pitchFamily="49" charset="0"/>
+              </a:rPr>
+              <a:t>vehicle_damage</a:t>
+            </a:r>
+            <a:r>
+              <a:rPr lang="fr-FR" sz="900" b="0" dirty="0">
+                <a:solidFill>
+                  <a:srgbClr val="D4D4D4"/>
+                </a:solidFill>
+                <a:effectLst/>
+                <a:latin typeface="Consolas" panose="020B0609020204030204" pitchFamily="49" charset="0"/>
+              </a:rPr>
+              <a:t>, </a:t>
+            </a:r>
+            <a:r>
+              <a:rPr lang="fr-FR" sz="900" b="0" dirty="0" err="1">
+                <a:solidFill>
+                  <a:srgbClr val="9CDCFE"/>
+                </a:solidFill>
+                <a:effectLst/>
+                <a:latin typeface="Consolas" panose="020B0609020204030204" pitchFamily="49" charset="0"/>
+              </a:rPr>
+              <a:t>annual_premium</a:t>
+            </a:r>
+            <a:r>
+              <a:rPr lang="fr-FR" sz="900" b="0" dirty="0">
+                <a:solidFill>
+                  <a:srgbClr val="D4D4D4"/>
+                </a:solidFill>
+                <a:effectLst/>
+                <a:latin typeface="Consolas" panose="020B0609020204030204" pitchFamily="49" charset="0"/>
+              </a:rPr>
+              <a:t>, </a:t>
+            </a:r>
+            <a:r>
+              <a:rPr lang="fr-FR" sz="900" b="0" dirty="0" err="1">
+                <a:solidFill>
+                  <a:srgbClr val="9CDCFE"/>
+                </a:solidFill>
+                <a:effectLst/>
+                <a:latin typeface="Consolas" panose="020B0609020204030204" pitchFamily="49" charset="0"/>
+              </a:rPr>
+              <a:t>policy_sales_channel</a:t>
+            </a:r>
+            <a:r>
+              <a:rPr lang="fr-FR" sz="900" b="0" dirty="0">
+                <a:solidFill>
+                  <a:srgbClr val="D4D4D4"/>
+                </a:solidFill>
+                <a:effectLst/>
+                <a:latin typeface="Consolas" panose="020B0609020204030204" pitchFamily="49" charset="0"/>
+              </a:rPr>
+              <a:t>, </a:t>
+            </a:r>
+            <a:r>
+              <a:rPr lang="fr-FR" sz="900" b="0" dirty="0">
+                <a:solidFill>
+                  <a:srgbClr val="9CDCFE"/>
+                </a:solidFill>
+                <a:effectLst/>
+                <a:latin typeface="Consolas" panose="020B0609020204030204" pitchFamily="49" charset="0"/>
+              </a:rPr>
+              <a:t>vintage</a:t>
+            </a:r>
+            <a:r>
+              <a:rPr lang="fr-FR" sz="1200" b="0" dirty="0">
+                <a:solidFill>
+                  <a:srgbClr val="D4D4D4"/>
+                </a:solidFill>
+                <a:effectLst/>
+                <a:latin typeface="Consolas" panose="020B0609020204030204" pitchFamily="49" charset="0"/>
+              </a:rPr>
+              <a:t>):</a:t>
+            </a:r>
+          </a:p>
+          <a:p>
+            <a:r>
+              <a:rPr lang="fr-FR" sz="1200" b="0" dirty="0">
+                <a:solidFill>
+                  <a:srgbClr val="D4D4D4"/>
+                </a:solidFill>
+                <a:effectLst/>
+                <a:latin typeface="Consolas" panose="020B0609020204030204" pitchFamily="49" charset="0"/>
+              </a:rPr>
+              <a:t>    </a:t>
+            </a:r>
+            <a:r>
+              <a:rPr lang="fr-FR" sz="1200" b="0" dirty="0" err="1">
+                <a:solidFill>
+                  <a:srgbClr val="9CDCFE"/>
+                </a:solidFill>
+                <a:effectLst/>
+                <a:latin typeface="Consolas" panose="020B0609020204030204" pitchFamily="49" charset="0"/>
+              </a:rPr>
+              <a:t>x_predict</a:t>
+            </a:r>
+            <a:r>
+              <a:rPr lang="fr-FR" sz="1200" b="0" dirty="0">
+                <a:solidFill>
+                  <a:srgbClr val="D4D4D4"/>
+                </a:solidFill>
+                <a:effectLst/>
+                <a:latin typeface="Consolas" panose="020B0609020204030204" pitchFamily="49" charset="0"/>
+              </a:rPr>
+              <a:t> = </a:t>
+            </a:r>
+            <a:r>
+              <a:rPr lang="fr-FR" sz="1200" b="0" dirty="0" err="1">
+                <a:solidFill>
+                  <a:srgbClr val="4EC9B0"/>
+                </a:solidFill>
+                <a:effectLst/>
+                <a:latin typeface="Consolas" panose="020B0609020204030204" pitchFamily="49" charset="0"/>
+              </a:rPr>
+              <a:t>np</a:t>
+            </a:r>
+            <a:r>
+              <a:rPr lang="fr-FR" sz="1200" b="0" dirty="0" err="1">
+                <a:solidFill>
+                  <a:srgbClr val="D4D4D4"/>
+                </a:solidFill>
+                <a:effectLst/>
+                <a:latin typeface="Consolas" panose="020B0609020204030204" pitchFamily="49" charset="0"/>
+              </a:rPr>
+              <a:t>.</a:t>
+            </a:r>
+            <a:r>
+              <a:rPr lang="fr-FR" sz="1200" b="0" dirty="0" err="1">
+                <a:solidFill>
+                  <a:srgbClr val="DCDCAA"/>
+                </a:solidFill>
+                <a:effectLst/>
+                <a:latin typeface="Consolas" panose="020B0609020204030204" pitchFamily="49" charset="0"/>
+              </a:rPr>
+              <a:t>array</a:t>
+            </a:r>
+            <a:r>
+              <a:rPr lang="fr-FR" sz="1200" b="0" dirty="0">
+                <a:solidFill>
+                  <a:srgbClr val="D4D4D4"/>
+                </a:solidFill>
+                <a:effectLst/>
+                <a:latin typeface="Consolas" panose="020B0609020204030204" pitchFamily="49" charset="0"/>
+              </a:rPr>
+              <a:t>([</a:t>
+            </a:r>
+          </a:p>
+          <a:p>
+            <a:r>
+              <a:rPr lang="fr-FR" sz="1200" b="0" dirty="0">
+                <a:solidFill>
+                  <a:srgbClr val="D4D4D4"/>
+                </a:solidFill>
+                <a:effectLst/>
+                <a:latin typeface="Consolas" panose="020B0609020204030204" pitchFamily="49" charset="0"/>
+              </a:rPr>
+              <a:t>        </a:t>
+            </a:r>
+            <a:r>
+              <a:rPr lang="fr-FR" sz="900" b="0" dirty="0" err="1">
+                <a:solidFill>
+                  <a:srgbClr val="9CDCFE"/>
+                </a:solidFill>
+                <a:effectLst/>
+                <a:latin typeface="Consolas" panose="020B0609020204030204" pitchFamily="49" charset="0"/>
+              </a:rPr>
+              <a:t>gender</a:t>
+            </a:r>
+            <a:r>
+              <a:rPr lang="fr-FR" sz="900" b="0" dirty="0">
+                <a:solidFill>
+                  <a:srgbClr val="D4D4D4"/>
+                </a:solidFill>
+                <a:effectLst/>
+                <a:latin typeface="Consolas" panose="020B0609020204030204" pitchFamily="49" charset="0"/>
+              </a:rPr>
+              <a:t>, </a:t>
+            </a:r>
+            <a:r>
+              <a:rPr lang="fr-FR" sz="900" b="0" dirty="0" err="1">
+                <a:solidFill>
+                  <a:srgbClr val="9CDCFE"/>
+                </a:solidFill>
+                <a:effectLst/>
+                <a:latin typeface="Consolas" panose="020B0609020204030204" pitchFamily="49" charset="0"/>
+              </a:rPr>
+              <a:t>age</a:t>
+            </a:r>
+            <a:r>
+              <a:rPr lang="fr-FR" sz="900" b="0" dirty="0">
+                <a:solidFill>
+                  <a:srgbClr val="D4D4D4"/>
+                </a:solidFill>
+                <a:effectLst/>
+                <a:latin typeface="Consolas" panose="020B0609020204030204" pitchFamily="49" charset="0"/>
+              </a:rPr>
+              <a:t>, </a:t>
+            </a:r>
+            <a:r>
+              <a:rPr lang="fr-FR" sz="900" b="0" dirty="0" err="1">
+                <a:solidFill>
+                  <a:srgbClr val="9CDCFE"/>
+                </a:solidFill>
+                <a:effectLst/>
+                <a:latin typeface="Consolas" panose="020B0609020204030204" pitchFamily="49" charset="0"/>
+              </a:rPr>
+              <a:t>driving_license</a:t>
+            </a:r>
+            <a:r>
+              <a:rPr lang="fr-FR" sz="900" b="0" dirty="0">
+                <a:solidFill>
+                  <a:srgbClr val="D4D4D4"/>
+                </a:solidFill>
+                <a:effectLst/>
+                <a:latin typeface="Consolas" panose="020B0609020204030204" pitchFamily="49" charset="0"/>
+              </a:rPr>
+              <a:t>, </a:t>
+            </a:r>
+            <a:r>
+              <a:rPr lang="fr-FR" sz="900" b="0" dirty="0" err="1">
+                <a:solidFill>
+                  <a:srgbClr val="9CDCFE"/>
+                </a:solidFill>
+                <a:effectLst/>
+                <a:latin typeface="Consolas" panose="020B0609020204030204" pitchFamily="49" charset="0"/>
+              </a:rPr>
+              <a:t>region_code</a:t>
+            </a:r>
+            <a:r>
+              <a:rPr lang="fr-FR" sz="900" b="0" dirty="0">
+                <a:solidFill>
+                  <a:srgbClr val="D4D4D4"/>
+                </a:solidFill>
+                <a:effectLst/>
+                <a:latin typeface="Consolas" panose="020B0609020204030204" pitchFamily="49" charset="0"/>
+              </a:rPr>
+              <a:t>, </a:t>
+            </a:r>
+            <a:r>
+              <a:rPr lang="fr-FR" sz="900" b="0" dirty="0" err="1">
+                <a:solidFill>
+                  <a:srgbClr val="9CDCFE"/>
+                </a:solidFill>
+                <a:effectLst/>
+                <a:latin typeface="Consolas" panose="020B0609020204030204" pitchFamily="49" charset="0"/>
+              </a:rPr>
+              <a:t>previously_insured</a:t>
+            </a:r>
+            <a:r>
+              <a:rPr lang="fr-FR" sz="900" b="0" dirty="0">
+                <a:solidFill>
+                  <a:srgbClr val="D4D4D4"/>
+                </a:solidFill>
+                <a:effectLst/>
+                <a:latin typeface="Consolas" panose="020B0609020204030204" pitchFamily="49" charset="0"/>
+              </a:rPr>
+              <a:t>, </a:t>
+            </a:r>
+            <a:r>
+              <a:rPr lang="fr-FR" sz="900" b="0" dirty="0" err="1">
+                <a:solidFill>
+                  <a:srgbClr val="9CDCFE"/>
+                </a:solidFill>
+                <a:effectLst/>
+                <a:latin typeface="Consolas" panose="020B0609020204030204" pitchFamily="49" charset="0"/>
+              </a:rPr>
+              <a:t>vehicle_age</a:t>
+            </a:r>
+            <a:r>
+              <a:rPr lang="fr-FR" sz="900" b="0" dirty="0">
+                <a:solidFill>
+                  <a:srgbClr val="D4D4D4"/>
+                </a:solidFill>
+                <a:effectLst/>
+                <a:latin typeface="Consolas" panose="020B0609020204030204" pitchFamily="49" charset="0"/>
+              </a:rPr>
+              <a:t>, </a:t>
+            </a:r>
+            <a:r>
+              <a:rPr lang="fr-FR" sz="900" b="0" dirty="0" err="1">
+                <a:solidFill>
+                  <a:srgbClr val="9CDCFE"/>
+                </a:solidFill>
+                <a:effectLst/>
+                <a:latin typeface="Consolas" panose="020B0609020204030204" pitchFamily="49" charset="0"/>
+              </a:rPr>
+              <a:t>vehicle_damage</a:t>
+            </a:r>
+            <a:r>
+              <a:rPr lang="fr-FR" sz="900" b="0" dirty="0">
+                <a:solidFill>
+                  <a:srgbClr val="D4D4D4"/>
+                </a:solidFill>
+                <a:effectLst/>
+                <a:latin typeface="Consolas" panose="020B0609020204030204" pitchFamily="49" charset="0"/>
+              </a:rPr>
+              <a:t>, </a:t>
+            </a:r>
+            <a:r>
+              <a:rPr lang="fr-FR" sz="900" b="0" dirty="0" err="1">
+                <a:solidFill>
+                  <a:srgbClr val="9CDCFE"/>
+                </a:solidFill>
+                <a:effectLst/>
+                <a:latin typeface="Consolas" panose="020B0609020204030204" pitchFamily="49" charset="0"/>
+              </a:rPr>
+              <a:t>annual_premium</a:t>
+            </a:r>
+            <a:r>
+              <a:rPr lang="fr-FR" sz="900" b="0" dirty="0">
+                <a:solidFill>
+                  <a:srgbClr val="D4D4D4"/>
+                </a:solidFill>
+                <a:effectLst/>
+                <a:latin typeface="Consolas" panose="020B0609020204030204" pitchFamily="49" charset="0"/>
+              </a:rPr>
+              <a:t>, </a:t>
+            </a:r>
+            <a:r>
+              <a:rPr lang="fr-FR" sz="900" b="0" dirty="0" err="1">
+                <a:solidFill>
+                  <a:srgbClr val="9CDCFE"/>
+                </a:solidFill>
+                <a:effectLst/>
+                <a:latin typeface="Consolas" panose="020B0609020204030204" pitchFamily="49" charset="0"/>
+              </a:rPr>
+              <a:t>policy_sales_channel</a:t>
+            </a:r>
+            <a:r>
+              <a:rPr lang="fr-FR" sz="900" b="0" dirty="0">
+                <a:solidFill>
+                  <a:srgbClr val="D4D4D4"/>
+                </a:solidFill>
+                <a:effectLst/>
+                <a:latin typeface="Consolas" panose="020B0609020204030204" pitchFamily="49" charset="0"/>
+              </a:rPr>
+              <a:t>, </a:t>
+            </a:r>
+            <a:r>
+              <a:rPr lang="fr-FR" sz="900" b="0" dirty="0">
+                <a:solidFill>
+                  <a:srgbClr val="9CDCFE"/>
+                </a:solidFill>
+                <a:effectLst/>
+                <a:latin typeface="Consolas" panose="020B0609020204030204" pitchFamily="49" charset="0"/>
+              </a:rPr>
+              <a:t>vintage</a:t>
+            </a:r>
+            <a:endParaRPr lang="fr-FR" sz="900" b="0" dirty="0">
+              <a:solidFill>
+                <a:srgbClr val="D4D4D4"/>
+              </a:solidFill>
+              <a:effectLst/>
+              <a:latin typeface="Consolas" panose="020B0609020204030204" pitchFamily="49" charset="0"/>
+            </a:endParaRPr>
+          </a:p>
+          <a:p>
+            <a:r>
+              <a:rPr lang="fr-FR" sz="1200" b="0" dirty="0">
+                <a:solidFill>
+                  <a:srgbClr val="D4D4D4"/>
+                </a:solidFill>
+                <a:effectLst/>
+                <a:latin typeface="Consolas" panose="020B0609020204030204" pitchFamily="49" charset="0"/>
+              </a:rPr>
+              <a:t>    ]).</a:t>
+            </a:r>
+            <a:r>
+              <a:rPr lang="fr-FR" sz="1200" b="0" dirty="0" err="1">
+                <a:solidFill>
+                  <a:srgbClr val="DCDCAA"/>
+                </a:solidFill>
+                <a:effectLst/>
+                <a:latin typeface="Consolas" panose="020B0609020204030204" pitchFamily="49" charset="0"/>
+              </a:rPr>
+              <a:t>reshape</a:t>
+            </a:r>
+            <a:r>
+              <a:rPr lang="fr-FR" sz="1200" b="0" dirty="0">
+                <a:solidFill>
+                  <a:srgbClr val="D4D4D4"/>
+                </a:solidFill>
+                <a:effectLst/>
+                <a:latin typeface="Consolas" panose="020B0609020204030204" pitchFamily="49" charset="0"/>
+              </a:rPr>
+              <a:t>(</a:t>
+            </a:r>
+            <a:r>
+              <a:rPr lang="fr-FR" sz="1200" b="0" dirty="0">
+                <a:solidFill>
+                  <a:srgbClr val="B5CEA8"/>
+                </a:solidFill>
+                <a:effectLst/>
+                <a:latin typeface="Consolas" panose="020B0609020204030204" pitchFamily="49" charset="0"/>
+              </a:rPr>
+              <a:t>1</a:t>
+            </a:r>
+            <a:r>
+              <a:rPr lang="fr-FR" sz="1200" b="0" dirty="0">
+                <a:solidFill>
+                  <a:srgbClr val="D4D4D4"/>
+                </a:solidFill>
+                <a:effectLst/>
+                <a:latin typeface="Consolas" panose="020B0609020204030204" pitchFamily="49" charset="0"/>
+              </a:rPr>
+              <a:t>, </a:t>
+            </a:r>
+            <a:r>
+              <a:rPr lang="fr-FR" sz="1200" b="0" dirty="0">
+                <a:solidFill>
+                  <a:srgbClr val="B5CEA8"/>
+                </a:solidFill>
+                <a:effectLst/>
+                <a:latin typeface="Consolas" panose="020B0609020204030204" pitchFamily="49" charset="0"/>
+              </a:rPr>
+              <a:t>10</a:t>
+            </a:r>
+            <a:r>
+              <a:rPr lang="fr-FR" sz="1200" b="0" dirty="0">
+                <a:solidFill>
+                  <a:srgbClr val="D4D4D4"/>
+                </a:solidFill>
+                <a:effectLst/>
+                <a:latin typeface="Consolas" panose="020B0609020204030204" pitchFamily="49" charset="0"/>
+              </a:rPr>
+              <a:t>)</a:t>
+            </a:r>
+          </a:p>
+          <a:p>
+            <a:r>
+              <a:rPr lang="fr-FR" sz="1200" b="0" dirty="0">
+                <a:solidFill>
+                  <a:srgbClr val="D4D4D4"/>
+                </a:solidFill>
+                <a:effectLst/>
+                <a:latin typeface="Consolas" panose="020B0609020204030204" pitchFamily="49" charset="0"/>
+              </a:rPr>
+              <a:t>    </a:t>
+            </a:r>
+            <a:r>
+              <a:rPr lang="fr-FR" sz="1200" b="0" dirty="0" err="1">
+                <a:solidFill>
+                  <a:srgbClr val="9CDCFE"/>
+                </a:solidFill>
+                <a:effectLst/>
+                <a:latin typeface="Consolas" panose="020B0609020204030204" pitchFamily="49" charset="0"/>
+              </a:rPr>
+              <a:t>predictClass</a:t>
+            </a:r>
+            <a:r>
+              <a:rPr lang="fr-FR" sz="1200" b="0" dirty="0">
+                <a:solidFill>
+                  <a:srgbClr val="D4D4D4"/>
+                </a:solidFill>
+                <a:effectLst/>
+                <a:latin typeface="Consolas" panose="020B0609020204030204" pitchFamily="49" charset="0"/>
+              </a:rPr>
+              <a:t> = </a:t>
+            </a:r>
+            <a:r>
+              <a:rPr lang="fr-FR" sz="1200" b="0" dirty="0" err="1">
+                <a:solidFill>
+                  <a:srgbClr val="9CDCFE"/>
+                </a:solidFill>
+                <a:effectLst/>
+                <a:latin typeface="Consolas" panose="020B0609020204030204" pitchFamily="49" charset="0"/>
+              </a:rPr>
+              <a:t>model</a:t>
+            </a:r>
+            <a:r>
+              <a:rPr lang="fr-FR" sz="1200" b="0" dirty="0" err="1">
+                <a:solidFill>
+                  <a:srgbClr val="D4D4D4"/>
+                </a:solidFill>
+                <a:effectLst/>
+                <a:latin typeface="Consolas" panose="020B0609020204030204" pitchFamily="49" charset="0"/>
+              </a:rPr>
+              <a:t>.</a:t>
+            </a:r>
+            <a:r>
+              <a:rPr lang="fr-FR" sz="1200" b="0" dirty="0" err="1">
+                <a:solidFill>
+                  <a:srgbClr val="DCDCAA"/>
+                </a:solidFill>
+                <a:effectLst/>
+                <a:latin typeface="Consolas" panose="020B0609020204030204" pitchFamily="49" charset="0"/>
+              </a:rPr>
+              <a:t>predict</a:t>
+            </a:r>
+            <a:r>
+              <a:rPr lang="fr-FR" sz="1200" b="0" dirty="0">
+                <a:solidFill>
+                  <a:srgbClr val="D4D4D4"/>
+                </a:solidFill>
+                <a:effectLst/>
+                <a:latin typeface="Consolas" panose="020B0609020204030204" pitchFamily="49" charset="0"/>
+              </a:rPr>
+              <a:t>(</a:t>
+            </a:r>
+            <a:r>
+              <a:rPr lang="fr-FR" sz="1200" b="0" dirty="0" err="1">
+                <a:solidFill>
+                  <a:srgbClr val="9CDCFE"/>
+                </a:solidFill>
+                <a:effectLst/>
+                <a:latin typeface="Consolas" panose="020B0609020204030204" pitchFamily="49" charset="0"/>
+              </a:rPr>
+              <a:t>x_predict</a:t>
+            </a:r>
+            <a:r>
+              <a:rPr lang="fr-FR" sz="1200" b="0" dirty="0">
+                <a:solidFill>
+                  <a:srgbClr val="D4D4D4"/>
+                </a:solidFill>
+                <a:effectLst/>
+                <a:latin typeface="Consolas" panose="020B0609020204030204" pitchFamily="49" charset="0"/>
+              </a:rPr>
+              <a:t>) </a:t>
+            </a:r>
+            <a:r>
+              <a:rPr lang="fr-FR" sz="1200" b="0" dirty="0">
+                <a:solidFill>
+                  <a:srgbClr val="6A9955"/>
+                </a:solidFill>
+                <a:effectLst/>
+                <a:latin typeface="Consolas" panose="020B0609020204030204" pitchFamily="49" charset="0"/>
+              </a:rPr>
+              <a:t># </a:t>
+            </a:r>
+            <a:r>
+              <a:rPr lang="fr-FR" sz="1200" b="0" dirty="0" err="1">
+                <a:solidFill>
+                  <a:srgbClr val="6A9955"/>
+                </a:solidFill>
+                <a:effectLst/>
+                <a:latin typeface="Consolas" panose="020B0609020204030204" pitchFamily="49" charset="0"/>
+              </a:rPr>
+              <a:t>pédicri</a:t>
+            </a:r>
+            <a:r>
+              <a:rPr lang="fr-FR" sz="1200" b="0" dirty="0">
+                <a:solidFill>
+                  <a:srgbClr val="6A9955"/>
+                </a:solidFill>
+                <a:effectLst/>
+                <a:latin typeface="Consolas" panose="020B0609020204030204" pitchFamily="49" charset="0"/>
+              </a:rPr>
+              <a:t> à quelle classe (</a:t>
+            </a:r>
+            <a:r>
+              <a:rPr lang="fr-FR" sz="1200" b="0" dirty="0" err="1">
+                <a:solidFill>
+                  <a:srgbClr val="6A9955"/>
+                </a:solidFill>
+                <a:effectLst/>
+                <a:latin typeface="Consolas" panose="020B0609020204030204" pitchFamily="49" charset="0"/>
+              </a:rPr>
+              <a:t>intérissé</a:t>
+            </a:r>
+            <a:r>
+              <a:rPr lang="fr-FR" sz="1200" b="0" dirty="0">
+                <a:solidFill>
+                  <a:srgbClr val="6A9955"/>
+                </a:solidFill>
+                <a:effectLst/>
+                <a:latin typeface="Consolas" panose="020B0609020204030204" pitchFamily="49" charset="0"/>
+              </a:rPr>
+              <a:t> ou non)</a:t>
+            </a:r>
+            <a:endParaRPr lang="fr-FR" sz="1200" b="0" dirty="0">
+              <a:solidFill>
+                <a:srgbClr val="D4D4D4"/>
+              </a:solidFill>
+              <a:effectLst/>
+              <a:latin typeface="Consolas" panose="020B0609020204030204" pitchFamily="49" charset="0"/>
+            </a:endParaRPr>
+          </a:p>
+          <a:p>
+            <a:r>
+              <a:rPr lang="fr-FR" sz="1200" b="0" dirty="0">
+                <a:solidFill>
+                  <a:srgbClr val="D4D4D4"/>
+                </a:solidFill>
+                <a:effectLst/>
+                <a:latin typeface="Consolas" panose="020B0609020204030204" pitchFamily="49" charset="0"/>
+              </a:rPr>
+              <a:t>    </a:t>
+            </a:r>
+            <a:r>
+              <a:rPr lang="fr-FR" sz="1200" b="0" dirty="0" err="1">
+                <a:solidFill>
+                  <a:srgbClr val="9CDCFE"/>
+                </a:solidFill>
+                <a:effectLst/>
+                <a:latin typeface="Consolas" panose="020B0609020204030204" pitchFamily="49" charset="0"/>
+              </a:rPr>
+              <a:t>probaPredict</a:t>
+            </a:r>
+            <a:r>
+              <a:rPr lang="fr-FR" sz="1200" b="0" dirty="0">
+                <a:solidFill>
+                  <a:srgbClr val="D4D4D4"/>
+                </a:solidFill>
+                <a:effectLst/>
+                <a:latin typeface="Consolas" panose="020B0609020204030204" pitchFamily="49" charset="0"/>
+              </a:rPr>
+              <a:t> = </a:t>
+            </a:r>
+            <a:r>
+              <a:rPr lang="fr-FR" sz="1200" b="0" dirty="0" err="1">
+                <a:solidFill>
+                  <a:srgbClr val="9CDCFE"/>
+                </a:solidFill>
+                <a:effectLst/>
+                <a:latin typeface="Consolas" panose="020B0609020204030204" pitchFamily="49" charset="0"/>
+              </a:rPr>
+              <a:t>model</a:t>
+            </a:r>
+            <a:r>
+              <a:rPr lang="fr-FR" sz="1200" b="0" dirty="0" err="1">
+                <a:solidFill>
+                  <a:srgbClr val="D4D4D4"/>
+                </a:solidFill>
+                <a:effectLst/>
+                <a:latin typeface="Consolas" panose="020B0609020204030204" pitchFamily="49" charset="0"/>
+              </a:rPr>
+              <a:t>.</a:t>
+            </a:r>
+            <a:r>
+              <a:rPr lang="fr-FR" sz="1200" b="0" dirty="0" err="1">
+                <a:solidFill>
+                  <a:srgbClr val="DCDCAA"/>
+                </a:solidFill>
+                <a:effectLst/>
+                <a:latin typeface="Consolas" panose="020B0609020204030204" pitchFamily="49" charset="0"/>
+              </a:rPr>
+              <a:t>predict_proba</a:t>
+            </a:r>
+            <a:r>
+              <a:rPr lang="fr-FR" sz="1200" b="0" dirty="0">
+                <a:solidFill>
+                  <a:srgbClr val="D4D4D4"/>
+                </a:solidFill>
+                <a:effectLst/>
+                <a:latin typeface="Consolas" panose="020B0609020204030204" pitchFamily="49" charset="0"/>
+              </a:rPr>
+              <a:t>(</a:t>
+            </a:r>
+            <a:r>
+              <a:rPr lang="fr-FR" sz="1200" b="0" dirty="0" err="1">
+                <a:solidFill>
+                  <a:srgbClr val="9CDCFE"/>
+                </a:solidFill>
+                <a:effectLst/>
+                <a:latin typeface="Consolas" panose="020B0609020204030204" pitchFamily="49" charset="0"/>
+              </a:rPr>
+              <a:t>x_predict</a:t>
+            </a:r>
+            <a:r>
+              <a:rPr lang="fr-FR" sz="1200" b="0" dirty="0">
+                <a:solidFill>
+                  <a:srgbClr val="D4D4D4"/>
+                </a:solidFill>
+                <a:effectLst/>
+                <a:latin typeface="Consolas" panose="020B0609020204030204" pitchFamily="49" charset="0"/>
+              </a:rPr>
+              <a:t>) </a:t>
+            </a:r>
+            <a:r>
+              <a:rPr lang="fr-FR" sz="1200" b="0" dirty="0">
+                <a:solidFill>
+                  <a:srgbClr val="6A9955"/>
+                </a:solidFill>
+                <a:effectLst/>
+                <a:latin typeface="Consolas" panose="020B0609020204030204" pitchFamily="49" charset="0"/>
+              </a:rPr>
+              <a:t># la probabilité d'être </a:t>
+            </a:r>
+            <a:r>
+              <a:rPr lang="fr-FR" sz="1200" b="0" dirty="0" err="1">
+                <a:solidFill>
+                  <a:srgbClr val="6A9955"/>
+                </a:solidFill>
+                <a:effectLst/>
+                <a:latin typeface="Consolas" panose="020B0609020204030204" pitchFamily="49" charset="0"/>
+              </a:rPr>
+              <a:t>intérissé</a:t>
+            </a:r>
+            <a:r>
+              <a:rPr lang="fr-FR" sz="1200" b="0" dirty="0">
+                <a:solidFill>
+                  <a:srgbClr val="6A9955"/>
+                </a:solidFill>
+                <a:effectLst/>
+                <a:latin typeface="Consolas" panose="020B0609020204030204" pitchFamily="49" charset="0"/>
+              </a:rPr>
+              <a:t> ou non</a:t>
+            </a:r>
+            <a:endParaRPr lang="fr-FR" sz="1200" b="0" dirty="0">
+              <a:solidFill>
+                <a:srgbClr val="D4D4D4"/>
+              </a:solidFill>
+              <a:effectLst/>
+              <a:latin typeface="Consolas" panose="020B0609020204030204" pitchFamily="49" charset="0"/>
+            </a:endParaRPr>
+          </a:p>
+          <a:p>
+            <a:r>
+              <a:rPr lang="fr-FR" sz="1200" b="0" dirty="0">
+                <a:solidFill>
+                  <a:srgbClr val="D4D4D4"/>
+                </a:solidFill>
+                <a:effectLst/>
+                <a:latin typeface="Consolas" panose="020B0609020204030204" pitchFamily="49" charset="0"/>
+              </a:rPr>
+              <a:t>    </a:t>
+            </a:r>
+            <a:r>
+              <a:rPr lang="fr-FR" sz="1200" b="0" dirty="0">
+                <a:solidFill>
+                  <a:srgbClr val="C586C0"/>
+                </a:solidFill>
+                <a:effectLst/>
+                <a:latin typeface="Consolas" panose="020B0609020204030204" pitchFamily="49" charset="0"/>
+              </a:rPr>
+              <a:t>return</a:t>
+            </a:r>
+            <a:r>
+              <a:rPr lang="fr-FR" sz="1200" b="0" dirty="0">
+                <a:solidFill>
+                  <a:srgbClr val="D4D4D4"/>
+                </a:solidFill>
+                <a:effectLst/>
+                <a:latin typeface="Consolas" panose="020B0609020204030204" pitchFamily="49" charset="0"/>
+              </a:rPr>
+              <a:t> (</a:t>
+            </a:r>
+            <a:r>
+              <a:rPr lang="fr-FR" sz="1200" b="0" dirty="0" err="1">
+                <a:solidFill>
+                  <a:srgbClr val="9CDCFE"/>
+                </a:solidFill>
+                <a:effectLst/>
+                <a:latin typeface="Consolas" panose="020B0609020204030204" pitchFamily="49" charset="0"/>
+              </a:rPr>
+              <a:t>predictClass</a:t>
+            </a:r>
+            <a:r>
+              <a:rPr lang="fr-FR" sz="1200" b="0" dirty="0">
+                <a:solidFill>
+                  <a:srgbClr val="D4D4D4"/>
+                </a:solidFill>
+                <a:effectLst/>
+                <a:latin typeface="Consolas" panose="020B0609020204030204" pitchFamily="49" charset="0"/>
+              </a:rPr>
+              <a:t>, </a:t>
+            </a:r>
+            <a:r>
+              <a:rPr lang="fr-FR" sz="1200" b="0" dirty="0" err="1">
+                <a:solidFill>
+                  <a:srgbClr val="9CDCFE"/>
+                </a:solidFill>
+                <a:effectLst/>
+                <a:latin typeface="Consolas" panose="020B0609020204030204" pitchFamily="49" charset="0"/>
+              </a:rPr>
+              <a:t>probaPredict</a:t>
+            </a:r>
+            <a:r>
+              <a:rPr lang="fr-FR" sz="1200" b="0" dirty="0">
+                <a:solidFill>
+                  <a:srgbClr val="D4D4D4"/>
+                </a:solidFill>
+                <a:effectLst/>
+                <a:latin typeface="Consolas" panose="020B0609020204030204" pitchFamily="49" charset="0"/>
+              </a:rPr>
+              <a:t>)</a:t>
+            </a:r>
+          </a:p>
+        </p:txBody>
+      </p:sp>
+    </p:spTree>
+    <p:extLst>
+      <p:ext uri="{BB962C8B-B14F-4D97-AF65-F5344CB8AC3E}">
+        <p14:creationId xmlns:p14="http://schemas.microsoft.com/office/powerpoint/2010/main" val="872226326"/>
+      </p:ext>
+    </p:extLst>
+  </p:cSld>
+  <p:clrMapOvr>
+    <a:masterClrMapping/>
+  </p:clrMapOvr>
+</p:sld>
+</file>
+
+<file path=ppt/slides/slide15.xml><?xml version="1.0" encoding="utf-8"?>
+<p:sld xmlns:a="http://schemas.openxmlformats.org/drawingml/2006/main" xmlns:r="http://schemas.openxmlformats.org/officeDocument/2006/relationships" xmlns:p="http://schemas.openxmlformats.org/presentationml/2006/main">
+  <p:cSld>
+    <p:spTree>
+      <p:nvGrpSpPr>
+        <p:cNvPr id="1" name=""/>
+        <p:cNvGrpSpPr/>
+        <p:nvPr/>
+      </p:nvGrpSpPr>
+      <p:grpSpPr>
+        <a:xfrm>
+          <a:off x="0" y="0"/>
+          <a:ext cx="0" cy="0"/>
+          <a:chOff x="0" y="0"/>
+          <a:chExt cx="0" cy="0"/>
+        </a:xfrm>
+      </p:grpSpPr>
+      <p:sp>
+        <p:nvSpPr>
+          <p:cNvPr id="2" name="Titre 1">
+            <a:extLst>
+              <a:ext uri="{FF2B5EF4-FFF2-40B4-BE49-F238E27FC236}">
+                <a16:creationId xmlns:a16="http://schemas.microsoft.com/office/drawing/2014/main" id="{5E562972-3449-42D1-8185-B4BEFD52AB44}"/>
+              </a:ext>
+            </a:extLst>
+          </p:cNvPr>
+          <p:cNvSpPr>
+            <a:spLocks noGrp="1"/>
+          </p:cNvSpPr>
+          <p:nvPr>
+            <p:ph type="title"/>
+          </p:nvPr>
+        </p:nvSpPr>
+        <p:spPr>
+          <a:xfrm>
+            <a:off x="922386" y="456497"/>
+            <a:ext cx="11029616" cy="1188720"/>
+          </a:xfrm>
+        </p:spPr>
+        <p:txBody>
+          <a:bodyPr rtlCol="0">
+            <a:normAutofit/>
+          </a:bodyPr>
+          <a:lstStyle/>
+          <a:p>
+            <a:r>
+              <a:rPr lang="fr-FR" dirty="0"/>
+              <a:t>Tester le modèle</a:t>
+            </a:r>
+            <a:endParaRPr lang="fr" dirty="0"/>
+          </a:p>
+        </p:txBody>
+      </p:sp>
+      <p:sp>
+        <p:nvSpPr>
+          <p:cNvPr id="6" name="ZoneTexte 5">
+            <a:extLst>
+              <a:ext uri="{FF2B5EF4-FFF2-40B4-BE49-F238E27FC236}">
+                <a16:creationId xmlns:a16="http://schemas.microsoft.com/office/drawing/2014/main" id="{5F0B9CAB-A817-4D40-8DC3-EF44AFD0BEF8}"/>
+              </a:ext>
+            </a:extLst>
+          </p:cNvPr>
+          <p:cNvSpPr txBox="1"/>
+          <p:nvPr/>
+        </p:nvSpPr>
+        <p:spPr>
+          <a:xfrm>
+            <a:off x="922386" y="2323155"/>
+            <a:ext cx="11029614" cy="1200329"/>
+          </a:xfrm>
+          <a:prstGeom prst="rect">
+            <a:avLst/>
+          </a:prstGeom>
+          <a:solidFill>
+            <a:schemeClr val="tx1"/>
+          </a:solidFill>
+        </p:spPr>
+        <p:txBody>
+          <a:bodyPr wrap="square">
+            <a:spAutoFit/>
+          </a:bodyPr>
+          <a:lstStyle/>
+          <a:p>
+            <a:r>
+              <a:rPr lang="fr-FR" sz="1200" b="0" dirty="0" err="1">
+                <a:solidFill>
+                  <a:srgbClr val="DCDCAA"/>
+                </a:solidFill>
+                <a:effectLst/>
+                <a:latin typeface="Consolas" panose="020B0609020204030204" pitchFamily="49" charset="0"/>
+              </a:rPr>
+              <a:t>print</a:t>
+            </a:r>
+            <a:r>
+              <a:rPr lang="fr-FR" sz="1200" b="0" dirty="0">
+                <a:solidFill>
+                  <a:srgbClr val="D4D4D4"/>
+                </a:solidFill>
+                <a:effectLst/>
+                <a:latin typeface="Consolas" panose="020B0609020204030204" pitchFamily="49" charset="0"/>
+              </a:rPr>
+              <a:t>(</a:t>
+            </a:r>
+            <a:r>
+              <a:rPr lang="fr-FR" sz="1200" b="0" dirty="0" err="1">
+                <a:solidFill>
+                  <a:srgbClr val="DCDCAA"/>
+                </a:solidFill>
+                <a:effectLst/>
+                <a:latin typeface="Consolas" panose="020B0609020204030204" pitchFamily="49" charset="0"/>
+              </a:rPr>
+              <a:t>interested</a:t>
+            </a:r>
+            <a:r>
+              <a:rPr lang="fr-FR" sz="1200" b="0" dirty="0">
+                <a:solidFill>
+                  <a:srgbClr val="D4D4D4"/>
+                </a:solidFill>
+                <a:effectLst/>
+                <a:latin typeface="Consolas" panose="020B0609020204030204" pitchFamily="49" charset="0"/>
+              </a:rPr>
+              <a:t>(</a:t>
+            </a:r>
+            <a:r>
+              <a:rPr lang="fr-FR" sz="1200" b="0" dirty="0">
+                <a:solidFill>
+                  <a:srgbClr val="B5CEA8"/>
+                </a:solidFill>
+                <a:effectLst/>
+                <a:latin typeface="Consolas" panose="020B0609020204030204" pitchFamily="49" charset="0"/>
+              </a:rPr>
+              <a:t>1</a:t>
+            </a:r>
+            <a:r>
+              <a:rPr lang="fr-FR" sz="1200" b="0" dirty="0">
+                <a:solidFill>
+                  <a:srgbClr val="D4D4D4"/>
+                </a:solidFill>
+                <a:effectLst/>
+                <a:latin typeface="Consolas" panose="020B0609020204030204" pitchFamily="49" charset="0"/>
+              </a:rPr>
+              <a:t>, </a:t>
+            </a:r>
+            <a:r>
+              <a:rPr lang="fr-FR" sz="1200" b="0" dirty="0">
+                <a:solidFill>
+                  <a:srgbClr val="B5CEA8"/>
+                </a:solidFill>
+                <a:effectLst/>
+                <a:latin typeface="Consolas" panose="020B0609020204030204" pitchFamily="49" charset="0"/>
+              </a:rPr>
+              <a:t>25</a:t>
+            </a:r>
+            <a:r>
+              <a:rPr lang="fr-FR" sz="1200" b="0" dirty="0">
+                <a:solidFill>
+                  <a:srgbClr val="D4D4D4"/>
+                </a:solidFill>
+                <a:effectLst/>
+                <a:latin typeface="Consolas" panose="020B0609020204030204" pitchFamily="49" charset="0"/>
+              </a:rPr>
+              <a:t>, </a:t>
+            </a:r>
+            <a:r>
+              <a:rPr lang="fr-FR" sz="1200" b="0" dirty="0">
+                <a:solidFill>
+                  <a:srgbClr val="B5CEA8"/>
+                </a:solidFill>
+                <a:effectLst/>
+                <a:latin typeface="Consolas" panose="020B0609020204030204" pitchFamily="49" charset="0"/>
+              </a:rPr>
+              <a:t>1</a:t>
+            </a:r>
+            <a:r>
+              <a:rPr lang="fr-FR" sz="1200" b="0" dirty="0">
+                <a:solidFill>
+                  <a:srgbClr val="D4D4D4"/>
+                </a:solidFill>
+                <a:effectLst/>
+                <a:latin typeface="Consolas" panose="020B0609020204030204" pitchFamily="49" charset="0"/>
+              </a:rPr>
+              <a:t>, </a:t>
+            </a:r>
+            <a:r>
+              <a:rPr lang="fr-FR" sz="1200" b="0" dirty="0">
+                <a:solidFill>
+                  <a:srgbClr val="B5CEA8"/>
+                </a:solidFill>
+                <a:effectLst/>
+                <a:latin typeface="Consolas" panose="020B0609020204030204" pitchFamily="49" charset="0"/>
+              </a:rPr>
+              <a:t>11.0</a:t>
+            </a:r>
+            <a:r>
+              <a:rPr lang="fr-FR" sz="1200" b="0" dirty="0">
+                <a:solidFill>
+                  <a:srgbClr val="D4D4D4"/>
+                </a:solidFill>
+                <a:effectLst/>
+                <a:latin typeface="Consolas" panose="020B0609020204030204" pitchFamily="49" charset="0"/>
+              </a:rPr>
+              <a:t>, </a:t>
+            </a:r>
+            <a:r>
+              <a:rPr lang="fr-FR" sz="1200" b="0" dirty="0">
+                <a:solidFill>
+                  <a:srgbClr val="B5CEA8"/>
+                </a:solidFill>
+                <a:effectLst/>
+                <a:latin typeface="Consolas" panose="020B0609020204030204" pitchFamily="49" charset="0"/>
+              </a:rPr>
+              <a:t>1</a:t>
+            </a:r>
+            <a:r>
+              <a:rPr lang="fr-FR" sz="1200" b="0" dirty="0">
+                <a:solidFill>
+                  <a:srgbClr val="D4D4D4"/>
+                </a:solidFill>
+                <a:effectLst/>
+                <a:latin typeface="Consolas" panose="020B0609020204030204" pitchFamily="49" charset="0"/>
+              </a:rPr>
+              <a:t>, </a:t>
+            </a:r>
+            <a:r>
+              <a:rPr lang="fr-FR" sz="1200" b="0" dirty="0">
+                <a:solidFill>
+                  <a:srgbClr val="B5CEA8"/>
+                </a:solidFill>
+                <a:effectLst/>
+                <a:latin typeface="Consolas" panose="020B0609020204030204" pitchFamily="49" charset="0"/>
+              </a:rPr>
+              <a:t>1</a:t>
+            </a:r>
+            <a:r>
+              <a:rPr lang="fr-FR" sz="1200" b="0" dirty="0">
+                <a:solidFill>
+                  <a:srgbClr val="D4D4D4"/>
+                </a:solidFill>
+                <a:effectLst/>
+                <a:latin typeface="Consolas" panose="020B0609020204030204" pitchFamily="49" charset="0"/>
+              </a:rPr>
+              <a:t>, </a:t>
+            </a:r>
+            <a:r>
+              <a:rPr lang="fr-FR" sz="1200" b="0" dirty="0">
+                <a:solidFill>
+                  <a:srgbClr val="B5CEA8"/>
+                </a:solidFill>
+                <a:effectLst/>
+                <a:latin typeface="Consolas" panose="020B0609020204030204" pitchFamily="49" charset="0"/>
+              </a:rPr>
+              <a:t>1</a:t>
+            </a:r>
+            <a:r>
+              <a:rPr lang="fr-FR" sz="1200" b="0" dirty="0">
+                <a:solidFill>
+                  <a:srgbClr val="D4D4D4"/>
+                </a:solidFill>
+                <a:effectLst/>
+                <a:latin typeface="Consolas" panose="020B0609020204030204" pitchFamily="49" charset="0"/>
+              </a:rPr>
+              <a:t>, </a:t>
+            </a:r>
+            <a:r>
+              <a:rPr lang="fr-FR" sz="1200" b="0" dirty="0">
+                <a:solidFill>
+                  <a:srgbClr val="B5CEA8"/>
+                </a:solidFill>
+                <a:effectLst/>
+                <a:latin typeface="Consolas" panose="020B0609020204030204" pitchFamily="49" charset="0"/>
+              </a:rPr>
+              <a:t>35786.0</a:t>
+            </a:r>
+            <a:r>
+              <a:rPr lang="fr-FR" sz="1200" b="0" dirty="0">
+                <a:solidFill>
+                  <a:srgbClr val="D4D4D4"/>
+                </a:solidFill>
+                <a:effectLst/>
+                <a:latin typeface="Consolas" panose="020B0609020204030204" pitchFamily="49" charset="0"/>
+              </a:rPr>
+              <a:t>, </a:t>
+            </a:r>
+            <a:r>
+              <a:rPr lang="fr-FR" sz="1200" b="0" dirty="0">
+                <a:solidFill>
+                  <a:srgbClr val="B5CEA8"/>
+                </a:solidFill>
+                <a:effectLst/>
+                <a:latin typeface="Consolas" panose="020B0609020204030204" pitchFamily="49" charset="0"/>
+              </a:rPr>
+              <a:t>152.0</a:t>
+            </a:r>
+            <a:r>
+              <a:rPr lang="fr-FR" sz="1200" b="0" dirty="0">
+                <a:solidFill>
+                  <a:srgbClr val="D4D4D4"/>
+                </a:solidFill>
+                <a:effectLst/>
+                <a:latin typeface="Consolas" panose="020B0609020204030204" pitchFamily="49" charset="0"/>
+              </a:rPr>
+              <a:t>, </a:t>
+            </a:r>
+            <a:r>
+              <a:rPr lang="fr-FR" sz="1200" b="0" dirty="0">
+                <a:solidFill>
+                  <a:srgbClr val="B5CEA8"/>
+                </a:solidFill>
+                <a:effectLst/>
+                <a:latin typeface="Consolas" panose="020B0609020204030204" pitchFamily="49" charset="0"/>
+              </a:rPr>
+              <a:t>53</a:t>
+            </a:r>
+            <a:r>
+              <a:rPr lang="fr-FR" sz="1200" b="0" dirty="0">
+                <a:solidFill>
+                  <a:srgbClr val="D4D4D4"/>
+                </a:solidFill>
+                <a:effectLst/>
+                <a:latin typeface="Consolas" panose="020B0609020204030204" pitchFamily="49" charset="0"/>
+              </a:rPr>
+              <a:t>))</a:t>
+            </a:r>
+          </a:p>
+          <a:p>
+            <a:r>
+              <a:rPr lang="fr-FR" sz="1200" dirty="0">
+                <a:solidFill>
+                  <a:srgbClr val="D4D4D4"/>
+                </a:solidFill>
+                <a:latin typeface="Consolas" panose="020B0609020204030204" pitchFamily="49" charset="0"/>
+              </a:rPr>
+              <a:t>… </a:t>
+            </a:r>
+            <a:r>
+              <a:rPr lang="en-US" sz="1200" b="0" i="0" dirty="0">
+                <a:solidFill>
+                  <a:srgbClr val="CCCCCC"/>
+                </a:solidFill>
+                <a:effectLst/>
+                <a:latin typeface="Consolas" panose="020B0609020204030204" pitchFamily="49" charset="0"/>
+              </a:rPr>
+              <a:t>(array([0], </a:t>
+            </a:r>
+            <a:r>
+              <a:rPr lang="en-US" sz="1200" b="0" i="0" dirty="0" err="1">
+                <a:solidFill>
+                  <a:srgbClr val="CCCCCC"/>
+                </a:solidFill>
+                <a:effectLst/>
+                <a:latin typeface="Consolas" panose="020B0609020204030204" pitchFamily="49" charset="0"/>
+              </a:rPr>
+              <a:t>dtype</a:t>
+            </a:r>
+            <a:r>
+              <a:rPr lang="en-US" sz="1200" b="0" i="0" dirty="0">
+                <a:solidFill>
+                  <a:srgbClr val="CCCCCC"/>
+                </a:solidFill>
+                <a:effectLst/>
+                <a:latin typeface="Consolas" panose="020B0609020204030204" pitchFamily="49" charset="0"/>
+              </a:rPr>
+              <a:t>=int64), array([[1., 0.]]))</a:t>
+            </a:r>
+          </a:p>
+          <a:p>
+            <a:endParaRPr lang="en-US" sz="1200" dirty="0">
+              <a:solidFill>
+                <a:srgbClr val="CCCCCC"/>
+              </a:solidFill>
+              <a:latin typeface="Consolas" panose="020B0609020204030204" pitchFamily="49" charset="0"/>
+            </a:endParaRPr>
+          </a:p>
+          <a:p>
+            <a:endParaRPr lang="en-US" sz="1200" dirty="0">
+              <a:solidFill>
+                <a:srgbClr val="CCCCCC"/>
+              </a:solidFill>
+              <a:latin typeface="Consolas" panose="020B0609020204030204" pitchFamily="49" charset="0"/>
+            </a:endParaRPr>
+          </a:p>
+          <a:p>
+            <a:r>
+              <a:rPr lang="fr-FR" sz="1200" b="0" dirty="0" err="1">
+                <a:solidFill>
+                  <a:srgbClr val="DCDCAA"/>
+                </a:solidFill>
+                <a:effectLst/>
+                <a:latin typeface="Consolas" panose="020B0609020204030204" pitchFamily="49" charset="0"/>
+              </a:rPr>
+              <a:t>print</a:t>
+            </a:r>
+            <a:r>
+              <a:rPr lang="fr-FR" sz="1200" b="0" dirty="0">
+                <a:solidFill>
+                  <a:srgbClr val="D4D4D4"/>
+                </a:solidFill>
+                <a:effectLst/>
+                <a:latin typeface="Consolas" panose="020B0609020204030204" pitchFamily="49" charset="0"/>
+              </a:rPr>
+              <a:t>(</a:t>
+            </a:r>
+            <a:r>
+              <a:rPr lang="fr-FR" sz="1200" b="0" dirty="0" err="1">
+                <a:solidFill>
+                  <a:srgbClr val="DCDCAA"/>
+                </a:solidFill>
+                <a:effectLst/>
+                <a:latin typeface="Consolas" panose="020B0609020204030204" pitchFamily="49" charset="0"/>
+              </a:rPr>
+              <a:t>interested</a:t>
+            </a:r>
+            <a:r>
+              <a:rPr lang="fr-FR" sz="1200" b="0" dirty="0">
+                <a:solidFill>
+                  <a:srgbClr val="D4D4D4"/>
+                </a:solidFill>
+                <a:effectLst/>
+                <a:latin typeface="Consolas" panose="020B0609020204030204" pitchFamily="49" charset="0"/>
+              </a:rPr>
+              <a:t>(</a:t>
+            </a:r>
+            <a:r>
+              <a:rPr lang="fr-FR" sz="1200" b="0" dirty="0">
+                <a:solidFill>
+                  <a:srgbClr val="B5CEA8"/>
+                </a:solidFill>
+                <a:effectLst/>
+                <a:latin typeface="Consolas" panose="020B0609020204030204" pitchFamily="49" charset="0"/>
+              </a:rPr>
+              <a:t>1</a:t>
+            </a:r>
+            <a:r>
+              <a:rPr lang="fr-FR" sz="1200" b="0" dirty="0">
+                <a:solidFill>
+                  <a:srgbClr val="D4D4D4"/>
+                </a:solidFill>
+                <a:effectLst/>
+                <a:latin typeface="Consolas" panose="020B0609020204030204" pitchFamily="49" charset="0"/>
+              </a:rPr>
+              <a:t>, </a:t>
+            </a:r>
+            <a:r>
+              <a:rPr lang="fr-FR" sz="1200" b="0" dirty="0">
+                <a:solidFill>
+                  <a:srgbClr val="B5CEA8"/>
+                </a:solidFill>
+                <a:effectLst/>
+                <a:latin typeface="Consolas" panose="020B0609020204030204" pitchFamily="49" charset="0"/>
+              </a:rPr>
+              <a:t>74</a:t>
+            </a:r>
+            <a:r>
+              <a:rPr lang="fr-FR" sz="1200" b="0" dirty="0">
+                <a:solidFill>
+                  <a:srgbClr val="D4D4D4"/>
+                </a:solidFill>
+                <a:effectLst/>
+                <a:latin typeface="Consolas" panose="020B0609020204030204" pitchFamily="49" charset="0"/>
+              </a:rPr>
+              <a:t>, </a:t>
+            </a:r>
+            <a:r>
+              <a:rPr lang="fr-FR" sz="1200" b="0" dirty="0">
+                <a:solidFill>
+                  <a:srgbClr val="B5CEA8"/>
+                </a:solidFill>
+                <a:effectLst/>
+                <a:latin typeface="Consolas" panose="020B0609020204030204" pitchFamily="49" charset="0"/>
+              </a:rPr>
+              <a:t>1</a:t>
+            </a:r>
+            <a:r>
+              <a:rPr lang="fr-FR" sz="1200" b="0" dirty="0">
+                <a:solidFill>
+                  <a:srgbClr val="D4D4D4"/>
+                </a:solidFill>
+                <a:effectLst/>
+                <a:latin typeface="Consolas" panose="020B0609020204030204" pitchFamily="49" charset="0"/>
+              </a:rPr>
+              <a:t>, </a:t>
+            </a:r>
+            <a:r>
+              <a:rPr lang="fr-FR" sz="1200" b="0" dirty="0">
+                <a:solidFill>
+                  <a:srgbClr val="B5CEA8"/>
+                </a:solidFill>
+                <a:effectLst/>
+                <a:latin typeface="Consolas" panose="020B0609020204030204" pitchFamily="49" charset="0"/>
+              </a:rPr>
+              <a:t>11.0</a:t>
+            </a:r>
+            <a:r>
+              <a:rPr lang="fr-FR" sz="1200" b="0" dirty="0">
+                <a:solidFill>
+                  <a:srgbClr val="D4D4D4"/>
+                </a:solidFill>
+                <a:effectLst/>
+                <a:latin typeface="Consolas" panose="020B0609020204030204" pitchFamily="49" charset="0"/>
+              </a:rPr>
+              <a:t>, </a:t>
+            </a:r>
+            <a:r>
+              <a:rPr lang="fr-FR" sz="1200" b="0" dirty="0">
+                <a:solidFill>
+                  <a:srgbClr val="B5CEA8"/>
+                </a:solidFill>
+                <a:effectLst/>
+                <a:latin typeface="Consolas" panose="020B0609020204030204" pitchFamily="49" charset="0"/>
+              </a:rPr>
+              <a:t>1</a:t>
+            </a:r>
+            <a:r>
+              <a:rPr lang="fr-FR" sz="1200" b="0" dirty="0">
+                <a:solidFill>
+                  <a:srgbClr val="D4D4D4"/>
+                </a:solidFill>
+                <a:effectLst/>
+                <a:latin typeface="Consolas" panose="020B0609020204030204" pitchFamily="49" charset="0"/>
+              </a:rPr>
+              <a:t>, </a:t>
+            </a:r>
+            <a:r>
+              <a:rPr lang="fr-FR" sz="1200" b="0" dirty="0">
+                <a:solidFill>
+                  <a:srgbClr val="B5CEA8"/>
+                </a:solidFill>
+                <a:effectLst/>
+                <a:latin typeface="Consolas" panose="020B0609020204030204" pitchFamily="49" charset="0"/>
+              </a:rPr>
+              <a:t>2</a:t>
+            </a:r>
+            <a:r>
+              <a:rPr lang="fr-FR" sz="1200" b="0" dirty="0">
+                <a:solidFill>
+                  <a:srgbClr val="D4D4D4"/>
+                </a:solidFill>
+                <a:effectLst/>
+                <a:latin typeface="Consolas" panose="020B0609020204030204" pitchFamily="49" charset="0"/>
+              </a:rPr>
+              <a:t>, </a:t>
+            </a:r>
+            <a:r>
+              <a:rPr lang="fr-FR" sz="1200" b="0" dirty="0">
+                <a:solidFill>
+                  <a:srgbClr val="B5CEA8"/>
+                </a:solidFill>
+                <a:effectLst/>
+                <a:latin typeface="Consolas" panose="020B0609020204030204" pitchFamily="49" charset="0"/>
+              </a:rPr>
+              <a:t>1</a:t>
+            </a:r>
+            <a:r>
+              <a:rPr lang="fr-FR" sz="1200" b="0" dirty="0">
+                <a:solidFill>
+                  <a:srgbClr val="D4D4D4"/>
+                </a:solidFill>
+                <a:effectLst/>
+                <a:latin typeface="Consolas" panose="020B0609020204030204" pitchFamily="49" charset="0"/>
+              </a:rPr>
+              <a:t>, </a:t>
+            </a:r>
+            <a:r>
+              <a:rPr lang="fr-FR" sz="1200" b="0" dirty="0">
+                <a:solidFill>
+                  <a:srgbClr val="B5CEA8"/>
+                </a:solidFill>
+                <a:effectLst/>
+                <a:latin typeface="Consolas" panose="020B0609020204030204" pitchFamily="49" charset="0"/>
+              </a:rPr>
+              <a:t>35786.0</a:t>
+            </a:r>
+            <a:r>
+              <a:rPr lang="fr-FR" sz="1200" b="0" dirty="0">
+                <a:solidFill>
+                  <a:srgbClr val="D4D4D4"/>
+                </a:solidFill>
+                <a:effectLst/>
+                <a:latin typeface="Consolas" panose="020B0609020204030204" pitchFamily="49" charset="0"/>
+              </a:rPr>
+              <a:t>, </a:t>
+            </a:r>
+            <a:r>
+              <a:rPr lang="fr-FR" sz="1200" b="0" dirty="0">
+                <a:solidFill>
+                  <a:srgbClr val="B5CEA8"/>
+                </a:solidFill>
+                <a:effectLst/>
+                <a:latin typeface="Consolas" panose="020B0609020204030204" pitchFamily="49" charset="0"/>
+              </a:rPr>
+              <a:t>152.0</a:t>
+            </a:r>
+            <a:r>
+              <a:rPr lang="fr-FR" sz="1200" b="0" dirty="0">
+                <a:solidFill>
+                  <a:srgbClr val="D4D4D4"/>
+                </a:solidFill>
+                <a:effectLst/>
+                <a:latin typeface="Consolas" panose="020B0609020204030204" pitchFamily="49" charset="0"/>
+              </a:rPr>
+              <a:t>, </a:t>
+            </a:r>
+            <a:r>
+              <a:rPr lang="fr-FR" sz="1200" b="0" dirty="0">
+                <a:solidFill>
+                  <a:srgbClr val="B5CEA8"/>
+                </a:solidFill>
+                <a:effectLst/>
+                <a:latin typeface="Consolas" panose="020B0609020204030204" pitchFamily="49" charset="0"/>
+              </a:rPr>
+              <a:t>53</a:t>
+            </a:r>
+            <a:r>
+              <a:rPr lang="fr-FR" sz="1200" b="0" dirty="0">
+                <a:solidFill>
+                  <a:srgbClr val="D4D4D4"/>
+                </a:solidFill>
+                <a:effectLst/>
+                <a:latin typeface="Consolas" panose="020B0609020204030204" pitchFamily="49" charset="0"/>
+              </a:rPr>
+              <a:t>))</a:t>
+            </a:r>
+          </a:p>
+          <a:p>
+            <a:r>
+              <a:rPr lang="en-US" sz="1200" dirty="0">
+                <a:solidFill>
+                  <a:srgbClr val="CCCCCC"/>
+                </a:solidFill>
+                <a:latin typeface="Consolas" panose="020B0609020204030204" pitchFamily="49" charset="0"/>
+              </a:rPr>
+              <a:t>… </a:t>
+            </a:r>
+            <a:r>
+              <a:rPr lang="en-US" sz="1200" b="0" i="0" dirty="0">
+                <a:solidFill>
+                  <a:srgbClr val="CCCCCC"/>
+                </a:solidFill>
+                <a:effectLst/>
+                <a:latin typeface="Consolas" panose="020B0609020204030204" pitchFamily="49" charset="0"/>
+              </a:rPr>
+              <a:t>(array([0], </a:t>
+            </a:r>
+            <a:r>
+              <a:rPr lang="en-US" sz="1200" b="0" i="0" dirty="0" err="1">
+                <a:solidFill>
+                  <a:srgbClr val="CCCCCC"/>
+                </a:solidFill>
+                <a:effectLst/>
+                <a:latin typeface="Consolas" panose="020B0609020204030204" pitchFamily="49" charset="0"/>
+              </a:rPr>
+              <a:t>dtype</a:t>
+            </a:r>
+            <a:r>
+              <a:rPr lang="en-US" sz="1200" b="0" i="0" dirty="0">
+                <a:solidFill>
+                  <a:srgbClr val="CCCCCC"/>
+                </a:solidFill>
+                <a:effectLst/>
+                <a:latin typeface="Consolas" panose="020B0609020204030204" pitchFamily="49" charset="0"/>
+              </a:rPr>
+              <a:t>=int64), array([[0.8, 0.2]]))</a:t>
+            </a:r>
+            <a:endParaRPr lang="fr-FR" sz="1200" dirty="0">
+              <a:solidFill>
+                <a:srgbClr val="D4D4D4"/>
+              </a:solidFill>
+              <a:latin typeface="Consolas" panose="020B0609020204030204" pitchFamily="49" charset="0"/>
+            </a:endParaRPr>
+          </a:p>
+        </p:txBody>
+      </p:sp>
+    </p:spTree>
+    <p:extLst>
+      <p:ext uri="{BB962C8B-B14F-4D97-AF65-F5344CB8AC3E}">
+        <p14:creationId xmlns:p14="http://schemas.microsoft.com/office/powerpoint/2010/main" val="3121581796"/>
+      </p:ext>
+    </p:extLst>
+  </p:cSld>
+  <p:clrMapOvr>
+    <a:masterClrMapping/>
+  </p:clrMapOvr>
+</p:sld>
+</file>
+
+<file path=ppt/slides/slide16.xml><?xml version="1.0" encoding="utf-8"?>
+<p:sld xmlns:a="http://schemas.openxmlformats.org/drawingml/2006/main" xmlns:r="http://schemas.openxmlformats.org/officeDocument/2006/relationships" xmlns:p="http://schemas.openxmlformats.org/presentationml/2006/main">
+  <p:cSld>
+    <p:spTree>
+      <p:nvGrpSpPr>
+        <p:cNvPr id="1" name=""/>
+        <p:cNvGrpSpPr/>
+        <p:nvPr/>
+      </p:nvGrpSpPr>
+      <p:grpSpPr>
+        <a:xfrm>
+          <a:off x="0" y="0"/>
+          <a:ext cx="0" cy="0"/>
+          <a:chOff x="0" y="0"/>
+          <a:chExt cx="0" cy="0"/>
+        </a:xfrm>
+      </p:grpSpPr>
+      <p:sp>
+        <p:nvSpPr>
+          <p:cNvPr id="2" name="Titre 1">
+            <a:extLst>
+              <a:ext uri="{FF2B5EF4-FFF2-40B4-BE49-F238E27FC236}">
+                <a16:creationId xmlns:a16="http://schemas.microsoft.com/office/drawing/2014/main" id="{5E562972-3449-42D1-8185-B4BEFD52AB44}"/>
+              </a:ext>
+            </a:extLst>
+          </p:cNvPr>
+          <p:cNvSpPr>
+            <a:spLocks noGrp="1"/>
+          </p:cNvSpPr>
+          <p:nvPr>
+            <p:ph type="title"/>
+          </p:nvPr>
+        </p:nvSpPr>
+        <p:spPr>
+          <a:xfrm>
+            <a:off x="922386" y="456497"/>
+            <a:ext cx="11029616" cy="1188720"/>
+          </a:xfrm>
+        </p:spPr>
+        <p:txBody>
+          <a:bodyPr rtlCol="0"/>
+          <a:lstStyle/>
+          <a:p>
+            <a:pPr rtl="0"/>
+            <a:r>
+              <a:rPr lang="fr-FR" dirty="0"/>
+              <a:t>conclusion</a:t>
+            </a:r>
+            <a:endParaRPr lang="fr" dirty="0"/>
+          </a:p>
+        </p:txBody>
+      </p:sp>
+      <p:sp>
+        <p:nvSpPr>
+          <p:cNvPr id="5" name="Espace réservé du contenu 4">
+            <a:extLst>
+              <a:ext uri="{FF2B5EF4-FFF2-40B4-BE49-F238E27FC236}">
+                <a16:creationId xmlns:a16="http://schemas.microsoft.com/office/drawing/2014/main" id="{50D39A73-24CA-48FB-974C-001E87197B14}"/>
+              </a:ext>
+            </a:extLst>
+          </p:cNvPr>
+          <p:cNvSpPr>
+            <a:spLocks noGrp="1"/>
+          </p:cNvSpPr>
+          <p:nvPr>
+            <p:ph idx="1"/>
+          </p:nvPr>
+        </p:nvSpPr>
+        <p:spPr>
+          <a:xfrm>
+            <a:off x="922387" y="1904135"/>
+            <a:ext cx="11029615" cy="3634486"/>
+          </a:xfrm>
+        </p:spPr>
+        <p:txBody>
+          <a:bodyPr>
+            <a:normAutofit/>
+          </a:bodyPr>
+          <a:lstStyle/>
+          <a:p>
+            <a:pPr marL="0" indent="0">
+              <a:buNone/>
+            </a:pPr>
+            <a:r>
+              <a:rPr lang="fr-FR" dirty="0">
+                <a:solidFill>
+                  <a:schemeClr val="tx1"/>
+                </a:solidFill>
+                <a:latin typeface="Times New Roman" panose="02020603050405020304" pitchFamily="18" charset="0"/>
+                <a:cs typeface="Times New Roman" panose="02020603050405020304" pitchFamily="18" charset="0"/>
+              </a:rPr>
+              <a:t>conclusion</a:t>
+            </a:r>
+          </a:p>
+        </p:txBody>
+      </p:sp>
+    </p:spTree>
+    <p:extLst>
+      <p:ext uri="{BB962C8B-B14F-4D97-AF65-F5344CB8AC3E}">
+        <p14:creationId xmlns:p14="http://schemas.microsoft.com/office/powerpoint/2010/main" val="1771938780"/>
+      </p:ext>
+    </p:extLst>
+  </p:cSld>
+  <p:clrMapOvr>
+    <a:masterClrMapping/>
+  </p:clrMapOvr>
+</p:sld>
+</file>
+
 <file path=ppt/slides/slide2.xml><?xml version="1.0" encoding="utf-8"?>
 <p:sld xmlns:a="http://schemas.openxmlformats.org/drawingml/2006/main" xmlns:r="http://schemas.openxmlformats.org/officeDocument/2006/relationships" xmlns:p="http://schemas.openxmlformats.org/presentationml/2006/main">
   <p:cSld>
@@ -5197,49 +9676,7 @@
                 <a:latin typeface="Times New Roman" panose="02020603050405020304" pitchFamily="18" charset="0"/>
                 <a:cs typeface="Times New Roman" panose="02020603050405020304" pitchFamily="18" charset="0"/>
               </a:rPr>
-              <a:t>Notre projet est à propos des prédictions de ventes croisée d'assurance maladie et assurance automobile, c'est à dire</a:t>
-            </a:r>
-          </a:p>
-          <a:p>
-            <a:pPr marL="0" indent="0">
-              <a:buNone/>
-            </a:pPr>
-            <a:r>
-              <a:rPr lang="fr-FR" b="0" dirty="0">
-                <a:solidFill>
-                  <a:schemeClr val="tx1"/>
-                </a:solidFill>
-                <a:effectLst/>
-                <a:latin typeface="Times New Roman" panose="02020603050405020304" pitchFamily="18" charset="0"/>
-                <a:cs typeface="Times New Roman" panose="02020603050405020304" pitchFamily="18" charset="0"/>
-              </a:rPr>
-              <a:t>   Prédire les personnes qui seront intéressés ou pas par l'assurance automobile sachant qui adhèrent déjà à l’assurance	</a:t>
-            </a:r>
-          </a:p>
-          <a:p>
-            <a:pPr marL="0" indent="0">
-              <a:buNone/>
-            </a:pPr>
-            <a:r>
-              <a:rPr lang="fr-FR" dirty="0">
-                <a:solidFill>
-                  <a:schemeClr val="tx1"/>
-                </a:solidFill>
-                <a:latin typeface="Times New Roman" panose="02020603050405020304" pitchFamily="18" charset="0"/>
-                <a:cs typeface="Times New Roman" panose="02020603050405020304" pitchFamily="18" charset="0"/>
-              </a:rPr>
-              <a:t>   </a:t>
-            </a:r>
-            <a:r>
-              <a:rPr lang="fr-FR" b="0" dirty="0">
-                <a:solidFill>
-                  <a:schemeClr val="tx1"/>
-                </a:solidFill>
-                <a:effectLst/>
-                <a:latin typeface="Times New Roman" panose="02020603050405020304" pitchFamily="18" charset="0"/>
-                <a:cs typeface="Times New Roman" panose="02020603050405020304" pitchFamily="18" charset="0"/>
-              </a:rPr>
-              <a:t>maladie sachant plusieurs information sur ces personnes.</a:t>
+              <a:t>Notre projet est à propos des prédictions de ventes croisée d'assurance maladie et assurance automobile, c'est à dire: Prédire les propriétaires d'assurance maladie qui seront intéressés par l'assurance automobile.</a:t>
             </a:r>
           </a:p>
         </p:txBody>
@@ -5279,7 +9716,7 @@
           <p:cNvPr id="2" name="Titre 1">
             <a:extLst>
               <a:ext uri="{FF2B5EF4-FFF2-40B4-BE49-F238E27FC236}">
-                <a16:creationId xmlns:a16="http://schemas.microsoft.com/office/drawing/2014/main" id="{1E6D34B1-3E58-49A5-8CA7-5D23B20E0C58}"/>
+                <a16:creationId xmlns:a16="http://schemas.microsoft.com/office/drawing/2014/main" id="{C200C14E-6505-44CB-977B-CA6C8A33A111}"/>
               </a:ext>
             </a:extLst>
           </p:cNvPr>
@@ -5297,7 +9734,7 @@
           <a:p>
             <a:r>
               <a:rPr lang="fr-FR" dirty="0"/>
-              <a:t>Dataset</a:t>
+              <a:t>Objectif du sujet</a:t>
             </a:r>
           </a:p>
         </p:txBody>
@@ -5307,7 +9744,7 @@
           <p:cNvPr id="3" name="Espace réservé du contenu 2">
             <a:extLst>
               <a:ext uri="{FF2B5EF4-FFF2-40B4-BE49-F238E27FC236}">
-                <a16:creationId xmlns:a16="http://schemas.microsoft.com/office/drawing/2014/main" id="{3EBAA309-1AF5-4EDF-93BD-9DE8C355A08E}"/>
+                <a16:creationId xmlns:a16="http://schemas.microsoft.com/office/drawing/2014/main" id="{34D38758-3DA9-4A1D-B311-36C37DCF2295}"/>
               </a:ext>
             </a:extLst>
           </p:cNvPr>
@@ -5320,76 +9757,38 @@
         </p:nvSpPr>
         <p:spPr>
           <a:xfrm>
-            <a:off x="581192" y="872237"/>
-            <a:ext cx="11029615" cy="3285158"/>
+            <a:off x="435418" y="1611757"/>
+            <a:ext cx="11029615" cy="3634486"/>
           </a:xfrm>
         </p:spPr>
         <p:txBody>
           <a:bodyPr/>
           <a:lstStyle/>
           <a:p>
-            <a:pPr marL="0" indent="0">
-              <a:buNone/>
-            </a:pPr>
-            <a:endParaRPr lang="fr-FR" dirty="0"/>
-          </a:p>
-          <a:p>
-            <a:pPr marL="0" indent="0">
-              <a:buNone/>
-            </a:pPr>
-            <a:endParaRPr lang="fr-FR" dirty="0"/>
-          </a:p>
-          <a:p>
-            <a:pPr marL="0" indent="0">
-              <a:buNone/>
-            </a:pPr>
-            <a:endParaRPr lang="fr-FR" dirty="0"/>
-          </a:p>
-          <a:p>
-            <a:pPr marL="0" indent="0">
-              <a:buNone/>
-            </a:pPr>
-            <a:r>
-              <a:rPr lang="fr-FR" dirty="0"/>
-              <a:t>Lien </a:t>
-            </a:r>
-            <a:r>
-              <a:rPr lang="fr-FR" dirty="0">
+            <a:r>
+              <a:rPr lang="fr-FR" b="0" dirty="0">
                 <a:solidFill>
                   <a:schemeClr val="tx1"/>
                 </a:solidFill>
-              </a:rPr>
-              <a:t>du dataset :  </a:t>
-            </a:r>
+                <a:effectLst/>
+                <a:latin typeface="Times New Roman" panose="02020603050405020304" pitchFamily="18" charset="0"/>
+                <a:cs typeface="Times New Roman" panose="02020603050405020304" pitchFamily="18" charset="0"/>
+              </a:rPr>
+              <a:t>Notre client est une compagnie d'assurance qui a fourni une assurance maladie à ses clients.</a:t>
+            </a:r>
+          </a:p>
+          <a:p>
             <a:r>
               <a:rPr lang="fr-FR" b="0" dirty="0">
                 <a:solidFill>
                   <a:schemeClr val="tx1"/>
                 </a:solidFill>
                 <a:effectLst/>
-                <a:latin typeface="Consolas" panose="020B0609020204030204" pitchFamily="49" charset="0"/>
-                <a:hlinkClick r:id="rId2"/>
-              </a:rPr>
-              <a:t>https://www.kaggle.com/anmolkumar/health-insurance-cross-sell-prediction</a:t>
-            </a:r>
-            <a:endParaRPr lang="fr-FR" b="0" dirty="0">
-              <a:solidFill>
-                <a:schemeClr val="tx1"/>
-              </a:solidFill>
-              <a:effectLst/>
-              <a:latin typeface="Consolas" panose="020B0609020204030204" pitchFamily="49" charset="0"/>
-            </a:endParaRPr>
-          </a:p>
-          <a:p>
-            <a:pPr marL="0" indent="0">
-              <a:buNone/>
-            </a:pPr>
-            <a:endParaRPr lang="fr-FR" dirty="0">
-              <a:solidFill>
-                <a:schemeClr val="tx1"/>
-              </a:solidFill>
-              <a:latin typeface="Consolas" panose="020B0609020204030204" pitchFamily="49" charset="0"/>
-            </a:endParaRPr>
+                <a:latin typeface="Times New Roman" panose="02020603050405020304" pitchFamily="18" charset="0"/>
+                <a:cs typeface="Times New Roman" panose="02020603050405020304" pitchFamily="18" charset="0"/>
+              </a:rPr>
+              <a:t>Donc notre objectif est de *** créer un modèle permettant de prédire si les assurés (clients) de l'année dernière seront également intéressés par l'assurance véhicule fournie par la société ***</a:t>
+            </a:r>
           </a:p>
           <a:p>
             <a:pPr marL="0" indent="0">
@@ -5400,98 +9799,16 @@
                 <a:schemeClr val="tx1"/>
               </a:solidFill>
               <a:effectLst/>
-              <a:latin typeface="Consolas" panose="020B0609020204030204" pitchFamily="49" charset="0"/>
+              <a:latin typeface="Times New Roman" panose="02020603050405020304" pitchFamily="18" charset="0"/>
+              <a:cs typeface="Times New Roman" panose="02020603050405020304" pitchFamily="18" charset="0"/>
             </a:endParaRPr>
           </a:p>
-          <a:p>
-            <a:pPr marL="0" indent="0">
-              <a:buNone/>
-            </a:pPr>
-            <a:endParaRPr lang="fr-FR" b="0" dirty="0">
-              <a:solidFill>
-                <a:schemeClr val="tx1"/>
-              </a:solidFill>
-              <a:effectLst/>
-              <a:latin typeface="Consolas" panose="020B0609020204030204" pitchFamily="49" charset="0"/>
-            </a:endParaRPr>
-          </a:p>
-          <a:p>
-            <a:pPr marL="0" indent="0">
-              <a:buNone/>
-            </a:pPr>
-            <a:endParaRPr lang="fr-FR" dirty="0"/>
-          </a:p>
         </p:txBody>
       </p:sp>
-      <p:sp>
-        <p:nvSpPr>
-          <p:cNvPr id="4" name="Espace réservé de la date 3">
-            <a:extLst>
-              <a:ext uri="{FF2B5EF4-FFF2-40B4-BE49-F238E27FC236}">
-                <a16:creationId xmlns:a16="http://schemas.microsoft.com/office/drawing/2014/main" id="{C4317DB1-6268-4005-89AD-370F11B31694}"/>
-              </a:ext>
-            </a:extLst>
-          </p:cNvPr>
-          <p:cNvSpPr>
-            <a:spLocks noGrp="1"/>
-          </p:cNvSpPr>
-          <p:nvPr>
-            <p:ph type="dt" sz="half" idx="10"/>
-          </p:nvPr>
-        </p:nvSpPr>
-        <p:spPr/>
-        <p:txBody>
-          <a:bodyPr/>
-          <a:lstStyle/>
-          <a:p>
-            <a:pPr rtl="0"/>
-            <a:fld id="{22897033-9A55-4DAC-991D-1FF1921C78B7}" type="datetime1">
-              <a:rPr lang="fr-FR" smtClean="0"/>
-              <a:t>14/12/2021</a:t>
-            </a:fld>
-            <a:endParaRPr lang="en-US" dirty="0"/>
-          </a:p>
-        </p:txBody>
-      </p:sp>
-      <p:pic>
-        <p:nvPicPr>
-          <p:cNvPr id="6" name="Image 5">
-            <a:extLst>
-              <a:ext uri="{FF2B5EF4-FFF2-40B4-BE49-F238E27FC236}">
-                <a16:creationId xmlns:a16="http://schemas.microsoft.com/office/drawing/2014/main" id="{056E9470-9DD3-485F-8A31-C63EDB02686C}"/>
-              </a:ext>
-            </a:extLst>
-          </p:cNvPr>
-          <p:cNvPicPr>
-            <a:picLocks noChangeAspect="1"/>
-          </p:cNvPicPr>
-          <p:nvPr/>
-        </p:nvPicPr>
-        <p:blipFill>
-          <a:blip r:embed="rId3">
-            <a:extLst>
-              <a:ext uri="{28A0092B-C50C-407E-A947-70E740481C1C}">
-                <a14:useLocalDpi xmlns:a14="http://schemas.microsoft.com/office/drawing/2010/main" val="0"/>
-              </a:ext>
-            </a:extLst>
-          </a:blip>
-          <a:srcRect/>
-          <a:stretch/>
-        </p:blipFill>
-        <p:spPr>
-          <a:xfrm>
-            <a:off x="581191" y="3026826"/>
-            <a:ext cx="10771437" cy="2601300"/>
-          </a:xfrm>
-          <a:prstGeom prst="rect">
-            <a:avLst/>
-          </a:prstGeom>
-        </p:spPr>
-      </p:pic>
     </p:spTree>
     <p:extLst>
       <p:ext uri="{BB962C8B-B14F-4D97-AF65-F5344CB8AC3E}">
-        <p14:creationId xmlns:p14="http://schemas.microsoft.com/office/powerpoint/2010/main" val="2866282837"/>
+        <p14:creationId xmlns:p14="http://schemas.microsoft.com/office/powerpoint/2010/main" val="1112409873"/>
       </p:ext>
     </p:extLst>
   </p:cSld>
@@ -5523,7 +9840,7 @@
           <p:cNvPr id="2" name="Titre 1">
             <a:extLst>
               <a:ext uri="{FF2B5EF4-FFF2-40B4-BE49-F238E27FC236}">
-                <a16:creationId xmlns:a16="http://schemas.microsoft.com/office/drawing/2014/main" id="{BBE9D352-CAE8-47C5-A53F-6FEBF001CF33}"/>
+                <a16:creationId xmlns:a16="http://schemas.microsoft.com/office/drawing/2014/main" id="{5E562972-3449-42D1-8185-B4BEFD52AB44}"/>
               </a:ext>
             </a:extLst>
           </p:cNvPr>
@@ -5534,24 +9851,31 @@
             <p:ph type="title"/>
           </p:nvPr>
         </p:nvSpPr>
-        <p:spPr/>
+        <p:spPr>
+          <a:xfrm>
+            <a:off x="922386" y="456497"/>
+            <a:ext cx="11029616" cy="1188720"/>
+          </a:xfrm>
+        </p:spPr>
         <p:txBody>
-          <a:bodyPr/>
+          <a:bodyPr rtlCol="0"/>
           <a:lstStyle/>
           <a:p>
+            <a:pPr rtl="0"/>
             <a:r>
               <a:rPr lang="fr-FR" dirty="0"/>
-              <a:t>Nettoyage</a:t>
-            </a:r>
+              <a:t>Description de la dataset</a:t>
+            </a:r>
+            <a:endParaRPr lang="fr" dirty="0"/>
           </a:p>
         </p:txBody>
       </p:sp>
       <p:sp>
         <p:nvSpPr>
-          <p:cNvPr id="3" name="Espace réservé du contenu 2">
+          <p:cNvPr id="5" name="Espace réservé du contenu 4">
             <a:extLst>
               <a:ext uri="{FF2B5EF4-FFF2-40B4-BE49-F238E27FC236}">
-                <a16:creationId xmlns:a16="http://schemas.microsoft.com/office/drawing/2014/main" id="{3C3E265A-27A1-4BB3-9756-0B054632263F}"/>
+                <a16:creationId xmlns:a16="http://schemas.microsoft.com/office/drawing/2014/main" id="{50D39A73-24CA-48FB-974C-001E87197B14}"/>
               </a:ext>
             </a:extLst>
           </p:cNvPr>
@@ -5562,27 +9886,176 @@
             <p:ph idx="1"/>
           </p:nvPr>
         </p:nvSpPr>
-        <p:spPr/>
+        <p:spPr>
+          <a:xfrm>
+            <a:off x="922387" y="1904135"/>
+            <a:ext cx="11029615" cy="3634486"/>
+          </a:xfrm>
+        </p:spPr>
         <p:txBody>
-          <a:bodyPr/>
+          <a:bodyPr>
+            <a:normAutofit/>
+          </a:bodyPr>
           <a:lstStyle/>
           <a:p>
             <a:pPr marL="0" indent="0">
               <a:buNone/>
             </a:pPr>
             <a:r>
-              <a:rPr lang="fr-FR" dirty="0"/>
-              <a:t>On a pas de valeurs manquant</a:t>
-            </a:r>
+              <a:rPr lang="fr-FR" dirty="0">
+                <a:solidFill>
+                  <a:schemeClr val="tx1"/>
+                </a:solidFill>
+                <a:latin typeface="Times New Roman" panose="02020603050405020304" pitchFamily="18" charset="0"/>
+                <a:cs typeface="Times New Roman" panose="02020603050405020304" pitchFamily="18" charset="0"/>
+              </a:rPr>
+              <a:t>Lien de dataset </a:t>
+            </a:r>
+            <a:r>
+              <a:rPr lang="fr-FR" dirty="0">
+                <a:solidFill>
+                  <a:schemeClr val="accent2"/>
+                </a:solidFill>
+                <a:latin typeface="Times New Roman" panose="02020603050405020304" pitchFamily="18" charset="0"/>
+                <a:cs typeface="Times New Roman" panose="02020603050405020304" pitchFamily="18" charset="0"/>
+              </a:rPr>
+              <a:t>: </a:t>
+            </a:r>
+            <a:r>
+              <a:rPr lang="fr-FR" b="0" dirty="0">
+                <a:solidFill>
+                  <a:schemeClr val="accent2"/>
+                </a:solidFill>
+                <a:effectLst/>
+                <a:latin typeface="Times New Roman" panose="02020603050405020304" pitchFamily="18" charset="0"/>
+                <a:cs typeface="Times New Roman" panose="02020603050405020304" pitchFamily="18" charset="0"/>
+                <a:hlinkClick r:id="rId2">
+                  <a:extLst>
+                    <a:ext uri="{A12FA001-AC4F-418D-AE19-62706E023703}">
+                      <ahyp:hlinkClr xmlns:ahyp="http://schemas.microsoft.com/office/drawing/2018/hyperlinkcolor" val="tx"/>
+                    </a:ext>
+                  </a:extLst>
+                </a:hlinkClick>
+              </a:rPr>
+              <a:t>https://www.kaggle.com/anmolkumar/health-insurance-cross-sell-prediction</a:t>
+            </a:r>
+            <a:endParaRPr lang="fr-FR" b="0" dirty="0">
+              <a:solidFill>
+                <a:schemeClr val="accent2"/>
+              </a:solidFill>
+              <a:effectLst/>
+              <a:latin typeface="Times New Roman" panose="02020603050405020304" pitchFamily="18" charset="0"/>
+              <a:cs typeface="Times New Roman" panose="02020603050405020304" pitchFamily="18" charset="0"/>
+            </a:endParaRPr>
+          </a:p>
+          <a:p>
+            <a:pPr marL="0" indent="0">
+              <a:buNone/>
+            </a:pPr>
+            <a:endParaRPr lang="fr-FR" dirty="0">
+              <a:solidFill>
+                <a:schemeClr val="tx1"/>
+              </a:solidFill>
+              <a:latin typeface="Times New Roman" panose="02020603050405020304" pitchFamily="18" charset="0"/>
+              <a:cs typeface="Times New Roman" panose="02020603050405020304" pitchFamily="18" charset="0"/>
+            </a:endParaRPr>
+          </a:p>
+          <a:p>
+            <a:pPr marL="0" indent="0">
+              <a:buNone/>
+            </a:pPr>
+            <a:r>
+              <a:rPr lang="fr-FR" dirty="0">
+                <a:solidFill>
+                  <a:schemeClr val="tx1"/>
+                </a:solidFill>
+                <a:latin typeface="Times New Roman" panose="02020603050405020304" pitchFamily="18" charset="0"/>
+                <a:cs typeface="Times New Roman" panose="02020603050405020304" pitchFamily="18" charset="0"/>
+              </a:rPr>
+              <a:t>Notre dataset est composée de 3 fichiers csv:</a:t>
+            </a:r>
+          </a:p>
+          <a:p>
+            <a:r>
+              <a:rPr lang="fr-FR" dirty="0">
+                <a:solidFill>
+                  <a:schemeClr val="tx1"/>
+                </a:solidFill>
+                <a:latin typeface="Times New Roman" panose="02020603050405020304" pitchFamily="18" charset="0"/>
+                <a:cs typeface="Times New Roman" panose="02020603050405020304" pitchFamily="18" charset="0"/>
+              </a:rPr>
+              <a:t>Train.csv: Contient les données sur notre modèle sera entraîné</a:t>
+            </a:r>
+          </a:p>
+          <a:p>
+            <a:r>
+              <a:rPr lang="fr-FR" dirty="0">
+                <a:solidFill>
+                  <a:schemeClr val="tx1"/>
+                </a:solidFill>
+                <a:latin typeface="Times New Roman" panose="02020603050405020304" pitchFamily="18" charset="0"/>
+                <a:cs typeface="Times New Roman" panose="02020603050405020304" pitchFamily="18" charset="0"/>
+              </a:rPr>
+              <a:t>Test.csv: Contient des données sur lesquelles on test la performance de notre modèle</a:t>
+            </a:r>
+          </a:p>
+          <a:p>
+            <a:r>
+              <a:rPr lang="fr-FR" dirty="0" err="1">
+                <a:solidFill>
+                  <a:schemeClr val="tx1"/>
+                </a:solidFill>
+                <a:latin typeface="Times New Roman" panose="02020603050405020304" pitchFamily="18" charset="0"/>
+                <a:cs typeface="Times New Roman" panose="02020603050405020304" pitchFamily="18" charset="0"/>
+              </a:rPr>
+              <a:t>Sample_submission,csv</a:t>
+            </a:r>
+            <a:endParaRPr lang="fr-FR" dirty="0">
+              <a:solidFill>
+                <a:schemeClr val="tx1"/>
+              </a:solidFill>
+              <a:latin typeface="Times New Roman" panose="02020603050405020304" pitchFamily="18" charset="0"/>
+              <a:cs typeface="Times New Roman" panose="02020603050405020304" pitchFamily="18" charset="0"/>
+            </a:endParaRPr>
           </a:p>
         </p:txBody>
       </p:sp>
-      <p:sp>
-        <p:nvSpPr>
-          <p:cNvPr id="4" name="Espace réservé de la date 3">
+    </p:spTree>
+    <p:extLst>
+      <p:ext uri="{BB962C8B-B14F-4D97-AF65-F5344CB8AC3E}">
+        <p14:creationId xmlns:p14="http://schemas.microsoft.com/office/powerpoint/2010/main" val="3419484325"/>
+      </p:ext>
+    </p:extLst>
+  </p:cSld>
+  <p:clrMapOvr>
+    <a:masterClrMapping/>
+  </p:clrMapOvr>
+</p:sld>
+</file>
+
+<file path=ppt/slides/slide6.xml><?xml version="1.0" encoding="utf-8"?>
+<p:sld xmlns:a="http://schemas.openxmlformats.org/drawingml/2006/main" xmlns:r="http://schemas.openxmlformats.org/officeDocument/2006/relationships" xmlns:p="http://schemas.openxmlformats.org/presentationml/2006/main">
+  <p:cSld>
+    <p:spTree>
+      <p:nvGrpSpPr>
+        <p:cNvPr id="1" name=""/>
+        <p:cNvGrpSpPr/>
+        <p:nvPr/>
+      </p:nvGrpSpPr>
+      <p:grpSpPr>
+        <a:xfrm>
+          <a:off x="0" y="0"/>
+          <a:ext cx="0" cy="0"/>
+          <a:chOff x="0" y="0"/>
+          <a:chExt cx="0" cy="0"/>
+        </a:xfrm>
+      </p:grpSpPr>
+      <p:sp>
+        <p:nvSpPr>
+          <p:cNvPr id="2" name="Titre 1">
             <a:extLst>
               <a:ext uri="{FF2B5EF4-FFF2-40B4-BE49-F238E27FC236}">
-                <a16:creationId xmlns:a16="http://schemas.microsoft.com/office/drawing/2014/main" id="{151D59CB-F5DC-4D48-ADE1-504CEF1F047B}"/>
+                <a16:creationId xmlns:a16="http://schemas.microsoft.com/office/drawing/2014/main" id="{5E562972-3449-42D1-8185-B4BEFD52AB44}"/>
               </a:ext>
             </a:extLst>
           </p:cNvPr>
@@ -5590,27 +10063,2288 @@
             <a:spLocks noGrp="1"/>
           </p:cNvSpPr>
           <p:nvPr>
-            <p:ph type="dt" sz="half" idx="10"/>
+            <p:ph type="title"/>
           </p:nvPr>
         </p:nvSpPr>
-        <p:spPr/>
+        <p:spPr>
+          <a:xfrm>
+            <a:off x="922386" y="456497"/>
+            <a:ext cx="11029616" cy="1188720"/>
+          </a:xfrm>
+        </p:spPr>
         <p:txBody>
-          <a:bodyPr/>
+          <a:bodyPr rtlCol="0"/>
           <a:lstStyle/>
           <a:p>
             <a:pPr rtl="0"/>
-            <a:fld id="{22897033-9A55-4DAC-991D-1FF1921C78B7}" type="datetime1">
-              <a:rPr lang="fr-FR" smtClean="0"/>
-              <a:t>14/12/2021</a:t>
-            </a:fld>
-            <a:endParaRPr lang="en-US" dirty="0"/>
+            <a:r>
+              <a:rPr lang="fr-FR" dirty="0"/>
+              <a:t>Exploration de données</a:t>
+            </a:r>
+            <a:endParaRPr lang="fr" dirty="0"/>
           </a:p>
         </p:txBody>
       </p:sp>
+      <p:sp>
+        <p:nvSpPr>
+          <p:cNvPr id="5" name="Espace réservé du contenu 4">
+            <a:extLst>
+              <a:ext uri="{FF2B5EF4-FFF2-40B4-BE49-F238E27FC236}">
+                <a16:creationId xmlns:a16="http://schemas.microsoft.com/office/drawing/2014/main" id="{50D39A73-24CA-48FB-974C-001E87197B14}"/>
+              </a:ext>
+            </a:extLst>
+          </p:cNvPr>
+          <p:cNvSpPr>
+            <a:spLocks noGrp="1"/>
+          </p:cNvSpPr>
+          <p:nvPr>
+            <p:ph idx="1"/>
+          </p:nvPr>
+        </p:nvSpPr>
+        <p:spPr>
+          <a:xfrm>
+            <a:off x="922387" y="1904135"/>
+            <a:ext cx="11029615" cy="629340"/>
+          </a:xfrm>
+        </p:spPr>
+        <p:txBody>
+          <a:bodyPr>
+            <a:normAutofit/>
+          </a:bodyPr>
+          <a:lstStyle/>
+          <a:p>
+            <a:pPr marL="0" indent="0">
+              <a:buNone/>
+            </a:pPr>
+            <a:r>
+              <a:rPr lang="fr-FR" dirty="0">
+                <a:solidFill>
+                  <a:schemeClr val="tx1"/>
+                </a:solidFill>
+                <a:latin typeface="Times New Roman" panose="02020603050405020304" pitchFamily="18" charset="0"/>
+                <a:cs typeface="Times New Roman" panose="02020603050405020304" pitchFamily="18" charset="0"/>
+              </a:rPr>
+              <a:t>Train.csv (11 colonnes)</a:t>
+            </a:r>
+          </a:p>
+          <a:p>
+            <a:pPr marL="0" indent="0">
+              <a:buNone/>
+            </a:pPr>
+            <a:endParaRPr lang="fr-FR" b="0" dirty="0">
+              <a:solidFill>
+                <a:schemeClr val="accent2"/>
+              </a:solidFill>
+              <a:effectLst/>
+              <a:latin typeface="Times New Roman" panose="02020603050405020304" pitchFamily="18" charset="0"/>
+              <a:cs typeface="Times New Roman" panose="02020603050405020304" pitchFamily="18" charset="0"/>
+            </a:endParaRPr>
+          </a:p>
+        </p:txBody>
+      </p:sp>
+      <p:pic>
+        <p:nvPicPr>
+          <p:cNvPr id="4" name="Image 3" descr="Une image contenant texte&#10;&#10;Description générée automatiquement">
+            <a:extLst>
+              <a:ext uri="{FF2B5EF4-FFF2-40B4-BE49-F238E27FC236}">
+                <a16:creationId xmlns:a16="http://schemas.microsoft.com/office/drawing/2014/main" id="{990DF0C3-F95A-4125-AD16-E73ABD509B1F}"/>
+              </a:ext>
+            </a:extLst>
+          </p:cNvPr>
+          <p:cNvPicPr>
+            <a:picLocks noChangeAspect="1"/>
+          </p:cNvPicPr>
+          <p:nvPr/>
+        </p:nvPicPr>
+        <p:blipFill>
+          <a:blip r:embed="rId2">
+            <a:extLst>
+              <a:ext uri="{28A0092B-C50C-407E-A947-70E740481C1C}">
+                <a14:useLocalDpi xmlns:a14="http://schemas.microsoft.com/office/drawing/2010/main" val="0"/>
+              </a:ext>
+            </a:extLst>
+          </a:blip>
+          <a:stretch>
+            <a:fillRect/>
+          </a:stretch>
+        </p:blipFill>
+        <p:spPr>
+          <a:xfrm>
+            <a:off x="922386" y="2218805"/>
+            <a:ext cx="10347227" cy="1446974"/>
+          </a:xfrm>
+          <a:prstGeom prst="rect">
+            <a:avLst/>
+          </a:prstGeom>
+        </p:spPr>
+      </p:pic>
+      <p:sp>
+        <p:nvSpPr>
+          <p:cNvPr id="6" name="Espace réservé du contenu 4">
+            <a:extLst>
+              <a:ext uri="{FF2B5EF4-FFF2-40B4-BE49-F238E27FC236}">
+                <a16:creationId xmlns:a16="http://schemas.microsoft.com/office/drawing/2014/main" id="{A064ACE3-40B0-41A9-8C0A-06655E80D448}"/>
+              </a:ext>
+            </a:extLst>
+          </p:cNvPr>
+          <p:cNvSpPr txBox="1">
+            <a:spLocks/>
+          </p:cNvSpPr>
+          <p:nvPr/>
+        </p:nvSpPr>
+        <p:spPr>
+          <a:xfrm>
+            <a:off x="940563" y="3994394"/>
+            <a:ext cx="11029615" cy="629340"/>
+          </a:xfrm>
+          <a:prstGeom prst="rect">
+            <a:avLst/>
+          </a:prstGeom>
+        </p:spPr>
+        <p:txBody>
+          <a:bodyPr vert="horz" lIns="91440" tIns="45720" rIns="91440" bIns="45720" rtlCol="0" anchor="ctr">
+            <a:normAutofit/>
+          </a:bodyPr>
+          <a:lstStyle>
+            <a:lvl1pPr marL="306000" indent="-306000" algn="l" defTabSz="457200" rtl="0" eaLnBrk="1" latinLnBrk="0" hangingPunct="1">
+              <a:lnSpc>
+                <a:spcPct val="110000"/>
+              </a:lnSpc>
+              <a:spcBef>
+                <a:spcPct val="20000"/>
+              </a:spcBef>
+              <a:spcAft>
+                <a:spcPts val="600"/>
+              </a:spcAft>
+              <a:buClr>
+                <a:schemeClr val="accent1"/>
+              </a:buClr>
+              <a:buSzPct val="92000"/>
+              <a:buFont typeface="Wingdings 2" panose="05020102010507070707" pitchFamily="18" charset="2"/>
+              <a:buChar char=""/>
+              <a:defRPr sz="1700" kern="1200">
+                <a:solidFill>
+                  <a:schemeClr val="tx1">
+                    <a:lumMod val="75000"/>
+                    <a:lumOff val="25000"/>
+                  </a:schemeClr>
+                </a:solidFill>
+                <a:latin typeface="+mn-lt"/>
+                <a:ea typeface="+mn-ea"/>
+                <a:cs typeface="+mn-cs"/>
+              </a:defRPr>
+            </a:lvl1pPr>
+            <a:lvl2pPr marL="630000" indent="-306000" algn="l" defTabSz="457200" rtl="0" eaLnBrk="1" latinLnBrk="0" hangingPunct="1">
+              <a:spcBef>
+                <a:spcPct val="20000"/>
+              </a:spcBef>
+              <a:spcAft>
+                <a:spcPts val="600"/>
+              </a:spcAft>
+              <a:buClr>
+                <a:schemeClr val="accent1"/>
+              </a:buClr>
+              <a:buSzPct val="92000"/>
+              <a:buFont typeface="Wingdings 2" panose="05020102010507070707" pitchFamily="18" charset="2"/>
+              <a:buChar char=""/>
+              <a:defRPr sz="1400" kern="1200">
+                <a:solidFill>
+                  <a:schemeClr val="tx1">
+                    <a:lumMod val="75000"/>
+                    <a:lumOff val="25000"/>
+                  </a:schemeClr>
+                </a:solidFill>
+                <a:latin typeface="+mn-lt"/>
+                <a:ea typeface="+mn-ea"/>
+                <a:cs typeface="+mn-cs"/>
+              </a:defRPr>
+            </a:lvl2pPr>
+            <a:lvl3pPr marL="900000" indent="-270000" algn="l" defTabSz="457200" rtl="0" eaLnBrk="1" latinLnBrk="0" hangingPunct="1">
+              <a:spcBef>
+                <a:spcPct val="20000"/>
+              </a:spcBef>
+              <a:spcAft>
+                <a:spcPts val="600"/>
+              </a:spcAft>
+              <a:buClr>
+                <a:schemeClr val="accent1"/>
+              </a:buClr>
+              <a:buSzPct val="92000"/>
+              <a:buFont typeface="Wingdings 2" panose="05020102010507070707" pitchFamily="18" charset="2"/>
+              <a:buChar char=""/>
+              <a:defRPr sz="1300" kern="1200">
+                <a:solidFill>
+                  <a:schemeClr val="tx1">
+                    <a:lumMod val="75000"/>
+                    <a:lumOff val="25000"/>
+                  </a:schemeClr>
+                </a:solidFill>
+                <a:latin typeface="+mn-lt"/>
+                <a:ea typeface="+mn-ea"/>
+                <a:cs typeface="+mn-cs"/>
+              </a:defRPr>
+            </a:lvl3pPr>
+            <a:lvl4pPr marL="1242000" indent="-234000" algn="l" defTabSz="457200" rtl="0" eaLnBrk="1" latinLnBrk="0" hangingPunct="1">
+              <a:spcBef>
+                <a:spcPct val="20000"/>
+              </a:spcBef>
+              <a:spcAft>
+                <a:spcPts val="600"/>
+              </a:spcAft>
+              <a:buClr>
+                <a:schemeClr val="accent1"/>
+              </a:buClr>
+              <a:buSzPct val="92000"/>
+              <a:buFont typeface="Wingdings 2" panose="05020102010507070707" pitchFamily="18" charset="2"/>
+              <a:buChar char=""/>
+              <a:defRPr sz="1100" kern="1200">
+                <a:solidFill>
+                  <a:schemeClr val="tx1">
+                    <a:lumMod val="75000"/>
+                    <a:lumOff val="25000"/>
+                  </a:schemeClr>
+                </a:solidFill>
+                <a:latin typeface="+mn-lt"/>
+                <a:ea typeface="+mn-ea"/>
+                <a:cs typeface="+mn-cs"/>
+              </a:defRPr>
+            </a:lvl4pPr>
+            <a:lvl5pPr marL="1602000" indent="-234000" algn="l" defTabSz="457200" rtl="0" eaLnBrk="1" latinLnBrk="0" hangingPunct="1">
+              <a:spcBef>
+                <a:spcPct val="20000"/>
+              </a:spcBef>
+              <a:spcAft>
+                <a:spcPts val="600"/>
+              </a:spcAft>
+              <a:buClr>
+                <a:schemeClr val="accent1"/>
+              </a:buClr>
+              <a:buSzPct val="92000"/>
+              <a:buFont typeface="Wingdings 2" panose="05020102010507070707" pitchFamily="18" charset="2"/>
+              <a:buChar char=""/>
+              <a:defRPr sz="1100" kern="1200">
+                <a:solidFill>
+                  <a:schemeClr val="tx1">
+                    <a:lumMod val="75000"/>
+                    <a:lumOff val="25000"/>
+                  </a:schemeClr>
+                </a:solidFill>
+                <a:latin typeface="+mn-lt"/>
+                <a:ea typeface="+mn-ea"/>
+                <a:cs typeface="+mn-cs"/>
+              </a:defRPr>
+            </a:lvl5pPr>
+            <a:lvl6pPr marL="1900000" indent="-228600" algn="l" defTabSz="457200" rtl="0" eaLnBrk="1" latinLnBrk="0" hangingPunct="1">
+              <a:spcBef>
+                <a:spcPct val="20000"/>
+              </a:spcBef>
+              <a:spcAft>
+                <a:spcPts val="600"/>
+              </a:spcAft>
+              <a:buClr>
+                <a:schemeClr val="accent2"/>
+              </a:buClr>
+              <a:buSzPct val="92000"/>
+              <a:buFont typeface="Wingdings 2" panose="05020102010507070707" pitchFamily="18" charset="2"/>
+              <a:buChar char=""/>
+              <a:defRPr sz="1200" kern="1200">
+                <a:solidFill>
+                  <a:schemeClr val="tx2"/>
+                </a:solidFill>
+                <a:latin typeface="+mn-lt"/>
+                <a:ea typeface="+mn-ea"/>
+                <a:cs typeface="+mn-cs"/>
+              </a:defRPr>
+            </a:lvl6pPr>
+            <a:lvl7pPr marL="2200000" indent="-228600" algn="l" defTabSz="457200" rtl="0" eaLnBrk="1" latinLnBrk="0" hangingPunct="1">
+              <a:spcBef>
+                <a:spcPct val="20000"/>
+              </a:spcBef>
+              <a:spcAft>
+                <a:spcPts val="600"/>
+              </a:spcAft>
+              <a:buClr>
+                <a:schemeClr val="accent2"/>
+              </a:buClr>
+              <a:buSzPct val="92000"/>
+              <a:buFont typeface="Wingdings 2" panose="05020102010507070707" pitchFamily="18" charset="2"/>
+              <a:buChar char=""/>
+              <a:defRPr sz="1200" kern="1200">
+                <a:solidFill>
+                  <a:schemeClr val="tx2"/>
+                </a:solidFill>
+                <a:latin typeface="+mn-lt"/>
+                <a:ea typeface="+mn-ea"/>
+                <a:cs typeface="+mn-cs"/>
+              </a:defRPr>
+            </a:lvl7pPr>
+            <a:lvl8pPr marL="2500000" indent="-228600" algn="l" defTabSz="457200" rtl="0" eaLnBrk="1" latinLnBrk="0" hangingPunct="1">
+              <a:spcBef>
+                <a:spcPct val="20000"/>
+              </a:spcBef>
+              <a:spcAft>
+                <a:spcPts val="600"/>
+              </a:spcAft>
+              <a:buClr>
+                <a:schemeClr val="accent2"/>
+              </a:buClr>
+              <a:buSzPct val="92000"/>
+              <a:buFont typeface="Wingdings 2" panose="05020102010507070707" pitchFamily="18" charset="2"/>
+              <a:buChar char=""/>
+              <a:defRPr sz="1200" kern="1200">
+                <a:solidFill>
+                  <a:schemeClr val="tx2"/>
+                </a:solidFill>
+                <a:latin typeface="+mn-lt"/>
+                <a:ea typeface="+mn-ea"/>
+                <a:cs typeface="+mn-cs"/>
+              </a:defRPr>
+            </a:lvl8pPr>
+            <a:lvl9pPr marL="2800000" indent="-228600" algn="l" defTabSz="457200" rtl="0" eaLnBrk="1" latinLnBrk="0" hangingPunct="1">
+              <a:spcBef>
+                <a:spcPct val="20000"/>
+              </a:spcBef>
+              <a:spcAft>
+                <a:spcPts val="600"/>
+              </a:spcAft>
+              <a:buClr>
+                <a:schemeClr val="accent2"/>
+              </a:buClr>
+              <a:buSzPct val="92000"/>
+              <a:buFont typeface="Wingdings 2" panose="05020102010507070707" pitchFamily="18" charset="2"/>
+              <a:buChar char=""/>
+              <a:defRPr sz="1200" kern="1200">
+                <a:solidFill>
+                  <a:schemeClr val="tx2"/>
+                </a:solidFill>
+                <a:latin typeface="+mn-lt"/>
+                <a:ea typeface="+mn-ea"/>
+                <a:cs typeface="+mn-cs"/>
+              </a:defRPr>
+            </a:lvl9pPr>
+          </a:lstStyle>
+          <a:p>
+            <a:pPr marL="0" indent="0">
+              <a:buFont typeface="Wingdings 2" panose="05020102010507070707" pitchFamily="18" charset="2"/>
+              <a:buNone/>
+            </a:pPr>
+            <a:r>
+              <a:rPr lang="fr-FR" dirty="0">
+                <a:solidFill>
+                  <a:schemeClr val="tx1"/>
+                </a:solidFill>
+                <a:latin typeface="Times New Roman" panose="02020603050405020304" pitchFamily="18" charset="0"/>
+                <a:cs typeface="Times New Roman" panose="02020603050405020304" pitchFamily="18" charset="0"/>
+              </a:rPr>
+              <a:t>Test.csv (10 colonnes)</a:t>
+            </a:r>
+          </a:p>
+          <a:p>
+            <a:pPr marL="0" indent="0">
+              <a:buFont typeface="Wingdings 2" panose="05020102010507070707" pitchFamily="18" charset="2"/>
+              <a:buNone/>
+            </a:pPr>
+            <a:endParaRPr lang="fr-FR" dirty="0">
+              <a:solidFill>
+                <a:schemeClr val="accent2"/>
+              </a:solidFill>
+              <a:latin typeface="Times New Roman" panose="02020603050405020304" pitchFamily="18" charset="0"/>
+              <a:cs typeface="Times New Roman" panose="02020603050405020304" pitchFamily="18" charset="0"/>
+            </a:endParaRPr>
+          </a:p>
+        </p:txBody>
+      </p:sp>
+      <p:pic>
+        <p:nvPicPr>
+          <p:cNvPr id="7" name="Image 6">
+            <a:extLst>
+              <a:ext uri="{FF2B5EF4-FFF2-40B4-BE49-F238E27FC236}">
+                <a16:creationId xmlns:a16="http://schemas.microsoft.com/office/drawing/2014/main" id="{DE1B7A60-4C9D-4B6E-8DA3-C853C5413AF8}"/>
+              </a:ext>
+            </a:extLst>
+          </p:cNvPr>
+          <p:cNvPicPr>
+            <a:picLocks noChangeAspect="1"/>
+          </p:cNvPicPr>
+          <p:nvPr/>
+        </p:nvPicPr>
+        <p:blipFill>
+          <a:blip r:embed="rId3">
+            <a:extLst>
+              <a:ext uri="{28A0092B-C50C-407E-A947-70E740481C1C}">
+                <a14:useLocalDpi xmlns:a14="http://schemas.microsoft.com/office/drawing/2010/main" val="0"/>
+              </a:ext>
+            </a:extLst>
+          </a:blip>
+          <a:srcRect/>
+          <a:stretch/>
+        </p:blipFill>
+        <p:spPr>
+          <a:xfrm>
+            <a:off x="940563" y="4309063"/>
+            <a:ext cx="10348939" cy="1588397"/>
+          </a:xfrm>
+          <a:prstGeom prst="rect">
+            <a:avLst/>
+          </a:prstGeom>
+        </p:spPr>
+      </p:pic>
     </p:spTree>
     <p:extLst>
       <p:ext uri="{BB962C8B-B14F-4D97-AF65-F5344CB8AC3E}">
-        <p14:creationId xmlns:p14="http://schemas.microsoft.com/office/powerpoint/2010/main" val="1113542095"/>
+        <p14:creationId xmlns:p14="http://schemas.microsoft.com/office/powerpoint/2010/main" val="140735527"/>
+      </p:ext>
+    </p:extLst>
+  </p:cSld>
+  <p:clrMapOvr>
+    <a:masterClrMapping/>
+  </p:clrMapOvr>
+</p:sld>
+</file>
+
+<file path=ppt/slides/slide7.xml><?xml version="1.0" encoding="utf-8"?>
+<p:sld xmlns:a="http://schemas.openxmlformats.org/drawingml/2006/main" xmlns:r="http://schemas.openxmlformats.org/officeDocument/2006/relationships" xmlns:p="http://schemas.openxmlformats.org/presentationml/2006/main">
+  <p:cSld>
+    <p:spTree>
+      <p:nvGrpSpPr>
+        <p:cNvPr id="1" name=""/>
+        <p:cNvGrpSpPr/>
+        <p:nvPr/>
+      </p:nvGrpSpPr>
+      <p:grpSpPr>
+        <a:xfrm>
+          <a:off x="0" y="0"/>
+          <a:ext cx="0" cy="0"/>
+          <a:chOff x="0" y="0"/>
+          <a:chExt cx="0" cy="0"/>
+        </a:xfrm>
+      </p:grpSpPr>
+      <p:sp>
+        <p:nvSpPr>
+          <p:cNvPr id="2" name="Titre 1">
+            <a:extLst>
+              <a:ext uri="{FF2B5EF4-FFF2-40B4-BE49-F238E27FC236}">
+                <a16:creationId xmlns:a16="http://schemas.microsoft.com/office/drawing/2014/main" id="{5E562972-3449-42D1-8185-B4BEFD52AB44}"/>
+              </a:ext>
+            </a:extLst>
+          </p:cNvPr>
+          <p:cNvSpPr>
+            <a:spLocks noGrp="1"/>
+          </p:cNvSpPr>
+          <p:nvPr>
+            <p:ph type="title"/>
+          </p:nvPr>
+        </p:nvSpPr>
+        <p:spPr>
+          <a:xfrm>
+            <a:off x="922386" y="456497"/>
+            <a:ext cx="11029616" cy="1188720"/>
+          </a:xfrm>
+        </p:spPr>
+        <p:txBody>
+          <a:bodyPr rtlCol="0"/>
+          <a:lstStyle/>
+          <a:p>
+            <a:pPr rtl="0"/>
+            <a:r>
+              <a:rPr lang="fr-FR" dirty="0"/>
+              <a:t>Exploration de données</a:t>
+            </a:r>
+            <a:endParaRPr lang="fr" dirty="0"/>
+          </a:p>
+        </p:txBody>
+      </p:sp>
+      <p:sp>
+        <p:nvSpPr>
+          <p:cNvPr id="5" name="Espace réservé du contenu 4">
+            <a:extLst>
+              <a:ext uri="{FF2B5EF4-FFF2-40B4-BE49-F238E27FC236}">
+                <a16:creationId xmlns:a16="http://schemas.microsoft.com/office/drawing/2014/main" id="{50D39A73-24CA-48FB-974C-001E87197B14}"/>
+              </a:ext>
+            </a:extLst>
+          </p:cNvPr>
+          <p:cNvSpPr>
+            <a:spLocks noGrp="1"/>
+          </p:cNvSpPr>
+          <p:nvPr>
+            <p:ph idx="1"/>
+          </p:nvPr>
+        </p:nvSpPr>
+        <p:spPr>
+          <a:xfrm>
+            <a:off x="922386" y="6086833"/>
+            <a:ext cx="11029615" cy="629340"/>
+          </a:xfrm>
+        </p:spPr>
+        <p:txBody>
+          <a:bodyPr>
+            <a:normAutofit/>
+          </a:bodyPr>
+          <a:lstStyle/>
+          <a:p>
+            <a:pPr marL="0" indent="0" algn="ctr">
+              <a:buNone/>
+            </a:pPr>
+            <a:r>
+              <a:rPr lang="fr-FR" dirty="0">
+                <a:solidFill>
+                  <a:schemeClr val="tx1"/>
+                </a:solidFill>
+                <a:latin typeface="Times New Roman" panose="02020603050405020304" pitchFamily="18" charset="0"/>
+                <a:cs typeface="Times New Roman" panose="02020603050405020304" pitchFamily="18" charset="0"/>
+              </a:rPr>
+              <a:t>Nombre d’homme et femmes dans les data train et test</a:t>
+            </a:r>
+          </a:p>
+          <a:p>
+            <a:pPr marL="0" indent="0" algn="ctr">
+              <a:buNone/>
+            </a:pPr>
+            <a:endParaRPr lang="fr-FR" b="0" dirty="0">
+              <a:solidFill>
+                <a:schemeClr val="accent2"/>
+              </a:solidFill>
+              <a:effectLst/>
+              <a:latin typeface="Times New Roman" panose="02020603050405020304" pitchFamily="18" charset="0"/>
+              <a:cs typeface="Times New Roman" panose="02020603050405020304" pitchFamily="18" charset="0"/>
+            </a:endParaRPr>
+          </a:p>
+        </p:txBody>
+      </p:sp>
+      <p:pic>
+        <p:nvPicPr>
+          <p:cNvPr id="4" name="Image 3">
+            <a:extLst>
+              <a:ext uri="{FF2B5EF4-FFF2-40B4-BE49-F238E27FC236}">
+                <a16:creationId xmlns:a16="http://schemas.microsoft.com/office/drawing/2014/main" id="{990DF0C3-F95A-4125-AD16-E73ABD509B1F}"/>
+              </a:ext>
+            </a:extLst>
+          </p:cNvPr>
+          <p:cNvPicPr>
+            <a:picLocks noChangeAspect="1"/>
+          </p:cNvPicPr>
+          <p:nvPr/>
+        </p:nvPicPr>
+        <p:blipFill>
+          <a:blip r:embed="rId2">
+            <a:extLst>
+              <a:ext uri="{28A0092B-C50C-407E-A947-70E740481C1C}">
+                <a14:useLocalDpi xmlns:a14="http://schemas.microsoft.com/office/drawing/2010/main" val="0"/>
+              </a:ext>
+            </a:extLst>
+          </a:blip>
+          <a:srcRect/>
+          <a:stretch/>
+        </p:blipFill>
+        <p:spPr>
+          <a:xfrm>
+            <a:off x="3702641" y="1848832"/>
+            <a:ext cx="5469104" cy="4034385"/>
+          </a:xfrm>
+          <a:prstGeom prst="rect">
+            <a:avLst/>
+          </a:prstGeom>
+        </p:spPr>
+      </p:pic>
+    </p:spTree>
+    <p:extLst>
+      <p:ext uri="{BB962C8B-B14F-4D97-AF65-F5344CB8AC3E}">
+        <p14:creationId xmlns:p14="http://schemas.microsoft.com/office/powerpoint/2010/main" val="3885061990"/>
+      </p:ext>
+    </p:extLst>
+  </p:cSld>
+  <p:clrMapOvr>
+    <a:masterClrMapping/>
+  </p:clrMapOvr>
+</p:sld>
+</file>
+
+<file path=ppt/slides/slide8.xml><?xml version="1.0" encoding="utf-8"?>
+<p:sld xmlns:a="http://schemas.openxmlformats.org/drawingml/2006/main" xmlns:r="http://schemas.openxmlformats.org/officeDocument/2006/relationships" xmlns:p="http://schemas.openxmlformats.org/presentationml/2006/main">
+  <p:cSld>
+    <p:spTree>
+      <p:nvGrpSpPr>
+        <p:cNvPr id="1" name=""/>
+        <p:cNvGrpSpPr/>
+        <p:nvPr/>
+      </p:nvGrpSpPr>
+      <p:grpSpPr>
+        <a:xfrm>
+          <a:off x="0" y="0"/>
+          <a:ext cx="0" cy="0"/>
+          <a:chOff x="0" y="0"/>
+          <a:chExt cx="0" cy="0"/>
+        </a:xfrm>
+      </p:grpSpPr>
+      <p:sp>
+        <p:nvSpPr>
+          <p:cNvPr id="2" name="Titre 1">
+            <a:extLst>
+              <a:ext uri="{FF2B5EF4-FFF2-40B4-BE49-F238E27FC236}">
+                <a16:creationId xmlns:a16="http://schemas.microsoft.com/office/drawing/2014/main" id="{5E562972-3449-42D1-8185-B4BEFD52AB44}"/>
+              </a:ext>
+            </a:extLst>
+          </p:cNvPr>
+          <p:cNvSpPr>
+            <a:spLocks noGrp="1"/>
+          </p:cNvSpPr>
+          <p:nvPr>
+            <p:ph type="title"/>
+          </p:nvPr>
+        </p:nvSpPr>
+        <p:spPr>
+          <a:xfrm>
+            <a:off x="922386" y="456497"/>
+            <a:ext cx="11029616" cy="1188720"/>
+          </a:xfrm>
+        </p:spPr>
+        <p:txBody>
+          <a:bodyPr rtlCol="0">
+            <a:normAutofit/>
+          </a:bodyPr>
+          <a:lstStyle/>
+          <a:p>
+            <a:r>
+              <a:rPr lang="fr-FR" dirty="0" err="1"/>
+              <a:t>preprocessing</a:t>
+            </a:r>
+            <a:endParaRPr lang="fr" dirty="0"/>
+          </a:p>
+        </p:txBody>
+      </p:sp>
+      <p:sp>
+        <p:nvSpPr>
+          <p:cNvPr id="5" name="Espace réservé du contenu 4">
+            <a:extLst>
+              <a:ext uri="{FF2B5EF4-FFF2-40B4-BE49-F238E27FC236}">
+                <a16:creationId xmlns:a16="http://schemas.microsoft.com/office/drawing/2014/main" id="{50D39A73-24CA-48FB-974C-001E87197B14}"/>
+              </a:ext>
+            </a:extLst>
+          </p:cNvPr>
+          <p:cNvSpPr>
+            <a:spLocks noGrp="1"/>
+          </p:cNvSpPr>
+          <p:nvPr>
+            <p:ph idx="1"/>
+          </p:nvPr>
+        </p:nvSpPr>
+        <p:spPr>
+          <a:xfrm>
+            <a:off x="922387" y="2223082"/>
+            <a:ext cx="11029615" cy="1045024"/>
+          </a:xfrm>
+        </p:spPr>
+        <p:txBody>
+          <a:bodyPr>
+            <a:normAutofit/>
+          </a:bodyPr>
+          <a:lstStyle/>
+          <a:p>
+            <a:pPr marL="0" indent="0">
+              <a:buNone/>
+            </a:pPr>
+            <a:r>
+              <a:rPr lang="fr-FR" dirty="0">
+                <a:solidFill>
+                  <a:schemeClr val="tx1"/>
+                </a:solidFill>
+                <a:latin typeface="Times New Roman" panose="02020603050405020304" pitchFamily="18" charset="0"/>
+                <a:cs typeface="Times New Roman" panose="02020603050405020304" pitchFamily="18" charset="0"/>
+              </a:rPr>
+              <a:t>Eliminer les colonnes inutiles pour </a:t>
+            </a:r>
+            <a:r>
+              <a:rPr lang="fr-FR" dirty="0" err="1">
+                <a:solidFill>
+                  <a:schemeClr val="tx1"/>
+                </a:solidFill>
+                <a:latin typeface="Times New Roman" panose="02020603050405020304" pitchFamily="18" charset="0"/>
+                <a:cs typeface="Times New Roman" panose="02020603050405020304" pitchFamily="18" charset="0"/>
+              </a:rPr>
+              <a:t>entaîner</a:t>
+            </a:r>
+            <a:r>
+              <a:rPr lang="fr-FR" dirty="0">
+                <a:solidFill>
+                  <a:schemeClr val="tx1"/>
+                </a:solidFill>
+                <a:latin typeface="Times New Roman" panose="02020603050405020304" pitchFamily="18" charset="0"/>
+                <a:cs typeface="Times New Roman" panose="02020603050405020304" pitchFamily="18" charset="0"/>
+              </a:rPr>
+              <a:t> notre modèle</a:t>
+            </a:r>
+          </a:p>
+          <a:p>
+            <a:r>
+              <a:rPr lang="fr-FR" dirty="0">
+                <a:solidFill>
+                  <a:schemeClr val="tx1"/>
+                </a:solidFill>
+                <a:latin typeface="Times New Roman" panose="02020603050405020304" pitchFamily="18" charset="0"/>
+                <a:cs typeface="Times New Roman" panose="02020603050405020304" pitchFamily="18" charset="0"/>
+              </a:rPr>
+              <a:t>Eliminer la colonne </a:t>
+            </a:r>
+            <a:r>
+              <a:rPr lang="fr-FR" b="1" dirty="0">
+                <a:solidFill>
+                  <a:schemeClr val="tx1"/>
+                </a:solidFill>
+                <a:latin typeface="Times New Roman" panose="02020603050405020304" pitchFamily="18" charset="0"/>
+                <a:cs typeface="Times New Roman" panose="02020603050405020304" pitchFamily="18" charset="0"/>
+              </a:rPr>
+              <a:t>‘id’ </a:t>
+            </a:r>
+            <a:r>
+              <a:rPr lang="fr-FR" dirty="0">
+                <a:solidFill>
+                  <a:schemeClr val="tx1"/>
+                </a:solidFill>
+                <a:latin typeface="Times New Roman" panose="02020603050405020304" pitchFamily="18" charset="0"/>
+                <a:cs typeface="Times New Roman" panose="02020603050405020304" pitchFamily="18" charset="0"/>
+              </a:rPr>
+              <a:t>dans les deux </a:t>
+            </a:r>
+            <a:r>
+              <a:rPr lang="fr-FR" dirty="0" err="1">
+                <a:solidFill>
+                  <a:schemeClr val="tx1"/>
+                </a:solidFill>
+                <a:latin typeface="Times New Roman" panose="02020603050405020304" pitchFamily="18" charset="0"/>
+                <a:cs typeface="Times New Roman" panose="02020603050405020304" pitchFamily="18" charset="0"/>
+              </a:rPr>
+              <a:t>dataframes</a:t>
+            </a:r>
+            <a:r>
+              <a:rPr lang="fr-FR" dirty="0">
+                <a:solidFill>
+                  <a:schemeClr val="tx1"/>
+                </a:solidFill>
+                <a:latin typeface="Times New Roman" panose="02020603050405020304" pitchFamily="18" charset="0"/>
+                <a:cs typeface="Times New Roman" panose="02020603050405020304" pitchFamily="18" charset="0"/>
+              </a:rPr>
+              <a:t> </a:t>
+            </a:r>
+            <a:r>
+              <a:rPr lang="fr-FR" sz="1800" b="0" dirty="0" err="1">
+                <a:solidFill>
+                  <a:schemeClr val="accent1"/>
+                </a:solidFill>
+                <a:effectLst/>
+                <a:latin typeface="Consolas" panose="020B0609020204030204" pitchFamily="49" charset="0"/>
+              </a:rPr>
+              <a:t>train_original_df</a:t>
+            </a:r>
+            <a:r>
+              <a:rPr lang="fr-FR" dirty="0">
+                <a:solidFill>
+                  <a:schemeClr val="accent1"/>
+                </a:solidFill>
+                <a:latin typeface="Times New Roman" panose="02020603050405020304" pitchFamily="18" charset="0"/>
+                <a:cs typeface="Times New Roman" panose="02020603050405020304" pitchFamily="18" charset="0"/>
+              </a:rPr>
+              <a:t> </a:t>
+            </a:r>
+            <a:r>
+              <a:rPr lang="fr-FR" dirty="0">
+                <a:solidFill>
+                  <a:schemeClr val="tx1"/>
+                </a:solidFill>
+                <a:latin typeface="Times New Roman" panose="02020603050405020304" pitchFamily="18" charset="0"/>
+                <a:cs typeface="Times New Roman" panose="02020603050405020304" pitchFamily="18" charset="0"/>
+              </a:rPr>
+              <a:t>et </a:t>
+            </a:r>
+            <a:r>
+              <a:rPr lang="fr-FR" sz="1800" b="0" dirty="0" err="1">
+                <a:solidFill>
+                  <a:schemeClr val="accent1"/>
+                </a:solidFill>
+                <a:effectLst/>
+                <a:latin typeface="Consolas" panose="020B0609020204030204" pitchFamily="49" charset="0"/>
+              </a:rPr>
+              <a:t>test_original_df</a:t>
+            </a:r>
+            <a:endParaRPr lang="fr-FR" dirty="0">
+              <a:solidFill>
+                <a:schemeClr val="accent1"/>
+              </a:solidFill>
+              <a:latin typeface="Times New Roman" panose="02020603050405020304" pitchFamily="18" charset="0"/>
+              <a:cs typeface="Times New Roman" panose="02020603050405020304" pitchFamily="18" charset="0"/>
+            </a:endParaRPr>
+          </a:p>
+        </p:txBody>
+      </p:sp>
+      <p:sp>
+        <p:nvSpPr>
+          <p:cNvPr id="4" name="Titre 1">
+            <a:extLst>
+              <a:ext uri="{FF2B5EF4-FFF2-40B4-BE49-F238E27FC236}">
+                <a16:creationId xmlns:a16="http://schemas.microsoft.com/office/drawing/2014/main" id="{335F46D0-C865-4F1B-95E3-4B62931CF809}"/>
+              </a:ext>
+            </a:extLst>
+          </p:cNvPr>
+          <p:cNvSpPr txBox="1">
+            <a:spLocks/>
+          </p:cNvSpPr>
+          <p:nvPr/>
+        </p:nvSpPr>
+        <p:spPr>
+          <a:xfrm>
+            <a:off x="922386" y="1645217"/>
+            <a:ext cx="11029616" cy="530880"/>
+          </a:xfrm>
+          <a:prstGeom prst="rect">
+            <a:avLst/>
+          </a:prstGeom>
+        </p:spPr>
+        <p:txBody>
+          <a:bodyPr vert="horz" lIns="91440" tIns="45720" rIns="91440" bIns="45720" rtlCol="0" anchor="b">
+            <a:normAutofit/>
+          </a:bodyPr>
+          <a:lstStyle>
+            <a:lvl1pPr algn="l" defTabSz="457200" rtl="0" eaLnBrk="1" latinLnBrk="0" hangingPunct="1">
+              <a:lnSpc>
+                <a:spcPct val="100000"/>
+              </a:lnSpc>
+              <a:spcBef>
+                <a:spcPct val="0"/>
+              </a:spcBef>
+              <a:buNone/>
+              <a:defRPr sz="2800" b="0" kern="1200" cap="all">
+                <a:solidFill>
+                  <a:schemeClr val="tx1">
+                    <a:lumMod val="75000"/>
+                    <a:lumOff val="25000"/>
+                  </a:schemeClr>
+                </a:solidFill>
+                <a:latin typeface="+mj-lt"/>
+                <a:ea typeface="+mj-ea"/>
+                <a:cs typeface="+mj-cs"/>
+              </a:defRPr>
+            </a:lvl1pPr>
+            <a:lvl2pPr eaLnBrk="1" hangingPunct="1">
+              <a:defRPr>
+                <a:solidFill>
+                  <a:schemeClr val="tx2"/>
+                </a:solidFill>
+              </a:defRPr>
+            </a:lvl2pPr>
+            <a:lvl3pPr eaLnBrk="1" hangingPunct="1">
+              <a:defRPr>
+                <a:solidFill>
+                  <a:schemeClr val="tx2"/>
+                </a:solidFill>
+              </a:defRPr>
+            </a:lvl3pPr>
+            <a:lvl4pPr eaLnBrk="1" hangingPunct="1">
+              <a:defRPr>
+                <a:solidFill>
+                  <a:schemeClr val="tx2"/>
+                </a:solidFill>
+              </a:defRPr>
+            </a:lvl4pPr>
+            <a:lvl5pPr eaLnBrk="1" hangingPunct="1">
+              <a:defRPr>
+                <a:solidFill>
+                  <a:schemeClr val="tx2"/>
+                </a:solidFill>
+              </a:defRPr>
+            </a:lvl5pPr>
+            <a:lvl6pPr eaLnBrk="1" hangingPunct="1">
+              <a:defRPr>
+                <a:solidFill>
+                  <a:schemeClr val="tx2"/>
+                </a:solidFill>
+              </a:defRPr>
+            </a:lvl6pPr>
+            <a:lvl7pPr eaLnBrk="1" hangingPunct="1">
+              <a:defRPr>
+                <a:solidFill>
+                  <a:schemeClr val="tx2"/>
+                </a:solidFill>
+              </a:defRPr>
+            </a:lvl7pPr>
+            <a:lvl8pPr eaLnBrk="1" hangingPunct="1">
+              <a:defRPr>
+                <a:solidFill>
+                  <a:schemeClr val="tx2"/>
+                </a:solidFill>
+              </a:defRPr>
+            </a:lvl8pPr>
+            <a:lvl9pPr eaLnBrk="1" hangingPunct="1">
+              <a:defRPr>
+                <a:solidFill>
+                  <a:schemeClr val="tx2"/>
+                </a:solidFill>
+              </a:defRPr>
+            </a:lvl9pPr>
+          </a:lstStyle>
+          <a:p>
+            <a:r>
+              <a:rPr lang="fr-FR" dirty="0"/>
+              <a:t>	</a:t>
+            </a:r>
+            <a:r>
+              <a:rPr lang="fr-FR" sz="2400" dirty="0"/>
+              <a:t>1. élimination des colonnes inutiles</a:t>
+            </a:r>
+            <a:endParaRPr lang="fr" sz="2400" dirty="0"/>
+          </a:p>
+        </p:txBody>
+      </p:sp>
+      <p:sp>
+        <p:nvSpPr>
+          <p:cNvPr id="6" name="ZoneTexte 5">
+            <a:extLst>
+              <a:ext uri="{FF2B5EF4-FFF2-40B4-BE49-F238E27FC236}">
+                <a16:creationId xmlns:a16="http://schemas.microsoft.com/office/drawing/2014/main" id="{5F0B9CAB-A817-4D40-8DC3-EF44AFD0BEF8}"/>
+              </a:ext>
+            </a:extLst>
+          </p:cNvPr>
+          <p:cNvSpPr txBox="1"/>
+          <p:nvPr/>
+        </p:nvSpPr>
+        <p:spPr>
+          <a:xfrm>
+            <a:off x="922386" y="3254334"/>
+            <a:ext cx="11029614" cy="738664"/>
+          </a:xfrm>
+          <a:prstGeom prst="rect">
+            <a:avLst/>
+          </a:prstGeom>
+          <a:solidFill>
+            <a:schemeClr val="tx1"/>
+          </a:solidFill>
+        </p:spPr>
+        <p:txBody>
+          <a:bodyPr wrap="square">
+            <a:spAutoFit/>
+          </a:bodyPr>
+          <a:lstStyle/>
+          <a:p>
+            <a:r>
+              <a:rPr lang="fr-FR" sz="1400" b="0" dirty="0">
+                <a:solidFill>
+                  <a:srgbClr val="6A9955"/>
+                </a:solidFill>
+                <a:effectLst/>
+                <a:latin typeface="Consolas" panose="020B0609020204030204" pitchFamily="49" charset="0"/>
+              </a:rPr>
+              <a:t># Eliminer les colonnes inutiles</a:t>
+            </a:r>
+            <a:endParaRPr lang="fr-FR" sz="1400" b="0" dirty="0">
+              <a:solidFill>
+                <a:srgbClr val="D4D4D4"/>
+              </a:solidFill>
+              <a:effectLst/>
+              <a:latin typeface="Consolas" panose="020B0609020204030204" pitchFamily="49" charset="0"/>
+            </a:endParaRPr>
+          </a:p>
+          <a:p>
+            <a:r>
+              <a:rPr lang="fr-FR" sz="1400" b="0" dirty="0" err="1">
+                <a:solidFill>
+                  <a:srgbClr val="9CDCFE"/>
+                </a:solidFill>
+                <a:effectLst/>
+                <a:latin typeface="Consolas" panose="020B0609020204030204" pitchFamily="49" charset="0"/>
+              </a:rPr>
+              <a:t>train_original_df</a:t>
+            </a:r>
+            <a:r>
+              <a:rPr lang="fr-FR" sz="1400" b="0" dirty="0">
+                <a:solidFill>
+                  <a:srgbClr val="D4D4D4"/>
+                </a:solidFill>
+                <a:effectLst/>
+                <a:latin typeface="Consolas" panose="020B0609020204030204" pitchFamily="49" charset="0"/>
+              </a:rPr>
+              <a:t> = </a:t>
+            </a:r>
+            <a:r>
+              <a:rPr lang="fr-FR" sz="1400" b="0" dirty="0" err="1">
+                <a:solidFill>
+                  <a:srgbClr val="9CDCFE"/>
+                </a:solidFill>
+                <a:effectLst/>
+                <a:latin typeface="Consolas" panose="020B0609020204030204" pitchFamily="49" charset="0"/>
+              </a:rPr>
+              <a:t>train_original_df</a:t>
+            </a:r>
+            <a:r>
+              <a:rPr lang="fr-FR" sz="1400" b="0" dirty="0" err="1">
+                <a:solidFill>
+                  <a:srgbClr val="D4D4D4"/>
+                </a:solidFill>
+                <a:effectLst/>
+                <a:latin typeface="Consolas" panose="020B0609020204030204" pitchFamily="49" charset="0"/>
+              </a:rPr>
+              <a:t>.</a:t>
+            </a:r>
+            <a:r>
+              <a:rPr lang="fr-FR" sz="1400" b="0" dirty="0" err="1">
+                <a:solidFill>
+                  <a:srgbClr val="DCDCAA"/>
+                </a:solidFill>
+                <a:effectLst/>
+                <a:latin typeface="Consolas" panose="020B0609020204030204" pitchFamily="49" charset="0"/>
+              </a:rPr>
+              <a:t>drop</a:t>
+            </a:r>
+            <a:r>
+              <a:rPr lang="fr-FR" sz="1400" b="0" dirty="0">
+                <a:solidFill>
+                  <a:srgbClr val="D4D4D4"/>
+                </a:solidFill>
+                <a:effectLst/>
+                <a:latin typeface="Consolas" panose="020B0609020204030204" pitchFamily="49" charset="0"/>
+              </a:rPr>
+              <a:t>([</a:t>
+            </a:r>
+            <a:r>
+              <a:rPr lang="fr-FR" sz="1400" b="0" dirty="0">
+                <a:solidFill>
+                  <a:srgbClr val="CE9178"/>
+                </a:solidFill>
+                <a:effectLst/>
+                <a:latin typeface="Consolas" panose="020B0609020204030204" pitchFamily="49" charset="0"/>
+              </a:rPr>
+              <a:t>'id'</a:t>
+            </a:r>
+            <a:r>
+              <a:rPr lang="fr-FR" sz="1400" b="0" dirty="0">
+                <a:solidFill>
+                  <a:srgbClr val="D4D4D4"/>
+                </a:solidFill>
+                <a:effectLst/>
+                <a:latin typeface="Consolas" panose="020B0609020204030204" pitchFamily="49" charset="0"/>
+              </a:rPr>
+              <a:t>], </a:t>
+            </a:r>
+            <a:r>
+              <a:rPr lang="fr-FR" sz="1400" b="0" dirty="0">
+                <a:solidFill>
+                  <a:srgbClr val="9CDCFE"/>
+                </a:solidFill>
+                <a:effectLst/>
+                <a:latin typeface="Consolas" panose="020B0609020204030204" pitchFamily="49" charset="0"/>
+              </a:rPr>
+              <a:t>axis</a:t>
+            </a:r>
+            <a:r>
+              <a:rPr lang="fr-FR" sz="1400" b="0" dirty="0">
+                <a:solidFill>
+                  <a:srgbClr val="D4D4D4"/>
+                </a:solidFill>
+                <a:effectLst/>
+                <a:latin typeface="Consolas" panose="020B0609020204030204" pitchFamily="49" charset="0"/>
+              </a:rPr>
+              <a:t>=</a:t>
+            </a:r>
+            <a:r>
+              <a:rPr lang="fr-FR" sz="1400" b="0" dirty="0">
+                <a:solidFill>
+                  <a:srgbClr val="B5CEA8"/>
+                </a:solidFill>
+                <a:effectLst/>
+                <a:latin typeface="Consolas" panose="020B0609020204030204" pitchFamily="49" charset="0"/>
+              </a:rPr>
+              <a:t>1</a:t>
+            </a:r>
+            <a:r>
+              <a:rPr lang="fr-FR" sz="1400" b="0" dirty="0">
+                <a:solidFill>
+                  <a:srgbClr val="D4D4D4"/>
+                </a:solidFill>
+                <a:effectLst/>
+                <a:latin typeface="Consolas" panose="020B0609020204030204" pitchFamily="49" charset="0"/>
+              </a:rPr>
+              <a:t>) </a:t>
+            </a:r>
+            <a:r>
+              <a:rPr lang="fr-FR" sz="1400" b="0" dirty="0">
+                <a:solidFill>
+                  <a:srgbClr val="6A9955"/>
+                </a:solidFill>
+                <a:effectLst/>
+                <a:latin typeface="Consolas" panose="020B0609020204030204" pitchFamily="49" charset="0"/>
+              </a:rPr>
+              <a:t># </a:t>
+            </a:r>
+            <a:r>
+              <a:rPr lang="fr-FR" sz="1400" b="0" dirty="0" err="1">
+                <a:solidFill>
+                  <a:srgbClr val="6A9955"/>
+                </a:solidFill>
+                <a:effectLst/>
+                <a:latin typeface="Consolas" panose="020B0609020204030204" pitchFamily="49" charset="0"/>
+              </a:rPr>
+              <a:t>eliminer</a:t>
+            </a:r>
+            <a:r>
+              <a:rPr lang="fr-FR" sz="1400" b="0" dirty="0">
+                <a:solidFill>
+                  <a:srgbClr val="6A9955"/>
+                </a:solidFill>
+                <a:effectLst/>
+                <a:latin typeface="Consolas" panose="020B0609020204030204" pitchFamily="49" charset="0"/>
+              </a:rPr>
+              <a:t> la colonne 'id' du </a:t>
+            </a:r>
+            <a:r>
+              <a:rPr lang="fr-FR" sz="1400" b="0" dirty="0" err="1">
+                <a:solidFill>
+                  <a:srgbClr val="6A9955"/>
+                </a:solidFill>
+                <a:effectLst/>
+                <a:latin typeface="Consolas" panose="020B0609020204030204" pitchFamily="49" charset="0"/>
+              </a:rPr>
+              <a:t>train_original_df</a:t>
+            </a:r>
+            <a:endParaRPr lang="fr-FR" sz="1400" b="0" dirty="0">
+              <a:solidFill>
+                <a:srgbClr val="D4D4D4"/>
+              </a:solidFill>
+              <a:effectLst/>
+              <a:latin typeface="Consolas" panose="020B0609020204030204" pitchFamily="49" charset="0"/>
+            </a:endParaRPr>
+          </a:p>
+          <a:p>
+            <a:r>
+              <a:rPr lang="fr-FR" sz="1400" b="0" dirty="0" err="1">
+                <a:solidFill>
+                  <a:srgbClr val="9CDCFE"/>
+                </a:solidFill>
+                <a:effectLst/>
+                <a:latin typeface="Consolas" panose="020B0609020204030204" pitchFamily="49" charset="0"/>
+              </a:rPr>
+              <a:t>test_original_df</a:t>
+            </a:r>
+            <a:r>
+              <a:rPr lang="fr-FR" sz="1400" b="0" dirty="0">
+                <a:solidFill>
+                  <a:srgbClr val="D4D4D4"/>
+                </a:solidFill>
+                <a:effectLst/>
+                <a:latin typeface="Consolas" panose="020B0609020204030204" pitchFamily="49" charset="0"/>
+              </a:rPr>
+              <a:t> = </a:t>
+            </a:r>
+            <a:r>
+              <a:rPr lang="fr-FR" sz="1400" b="0" dirty="0" err="1">
+                <a:solidFill>
+                  <a:srgbClr val="9CDCFE"/>
+                </a:solidFill>
+                <a:effectLst/>
+                <a:latin typeface="Consolas" panose="020B0609020204030204" pitchFamily="49" charset="0"/>
+              </a:rPr>
+              <a:t>test_original_df</a:t>
+            </a:r>
+            <a:r>
+              <a:rPr lang="fr-FR" sz="1400" b="0" dirty="0" err="1">
+                <a:solidFill>
+                  <a:srgbClr val="D4D4D4"/>
+                </a:solidFill>
+                <a:effectLst/>
+                <a:latin typeface="Consolas" panose="020B0609020204030204" pitchFamily="49" charset="0"/>
+              </a:rPr>
+              <a:t>.</a:t>
+            </a:r>
+            <a:r>
+              <a:rPr lang="fr-FR" sz="1400" b="0" dirty="0" err="1">
+                <a:solidFill>
+                  <a:srgbClr val="DCDCAA"/>
+                </a:solidFill>
+                <a:effectLst/>
+                <a:latin typeface="Consolas" panose="020B0609020204030204" pitchFamily="49" charset="0"/>
+              </a:rPr>
+              <a:t>drop</a:t>
+            </a:r>
+            <a:r>
+              <a:rPr lang="fr-FR" sz="1400" b="0" dirty="0">
+                <a:solidFill>
+                  <a:srgbClr val="D4D4D4"/>
+                </a:solidFill>
+                <a:effectLst/>
+                <a:latin typeface="Consolas" panose="020B0609020204030204" pitchFamily="49" charset="0"/>
+              </a:rPr>
+              <a:t>([</a:t>
+            </a:r>
+            <a:r>
+              <a:rPr lang="fr-FR" sz="1400" b="0" dirty="0">
+                <a:solidFill>
+                  <a:srgbClr val="CE9178"/>
+                </a:solidFill>
+                <a:effectLst/>
+                <a:latin typeface="Consolas" panose="020B0609020204030204" pitchFamily="49" charset="0"/>
+              </a:rPr>
+              <a:t>'id'</a:t>
+            </a:r>
+            <a:r>
+              <a:rPr lang="fr-FR" sz="1400" b="0" dirty="0">
+                <a:solidFill>
+                  <a:srgbClr val="D4D4D4"/>
+                </a:solidFill>
+                <a:effectLst/>
+                <a:latin typeface="Consolas" panose="020B0609020204030204" pitchFamily="49" charset="0"/>
+              </a:rPr>
+              <a:t>], </a:t>
+            </a:r>
+            <a:r>
+              <a:rPr lang="fr-FR" sz="1400" b="0" dirty="0">
+                <a:solidFill>
+                  <a:srgbClr val="9CDCFE"/>
+                </a:solidFill>
+                <a:effectLst/>
+                <a:latin typeface="Consolas" panose="020B0609020204030204" pitchFamily="49" charset="0"/>
+              </a:rPr>
+              <a:t>axis</a:t>
+            </a:r>
+            <a:r>
+              <a:rPr lang="fr-FR" sz="1400" b="0" dirty="0">
+                <a:solidFill>
+                  <a:srgbClr val="D4D4D4"/>
+                </a:solidFill>
+                <a:effectLst/>
+                <a:latin typeface="Consolas" panose="020B0609020204030204" pitchFamily="49" charset="0"/>
+              </a:rPr>
+              <a:t>=</a:t>
+            </a:r>
+            <a:r>
+              <a:rPr lang="fr-FR" sz="1400" b="0" dirty="0">
+                <a:solidFill>
+                  <a:srgbClr val="B5CEA8"/>
+                </a:solidFill>
+                <a:effectLst/>
+                <a:latin typeface="Consolas" panose="020B0609020204030204" pitchFamily="49" charset="0"/>
+              </a:rPr>
+              <a:t>1</a:t>
+            </a:r>
+            <a:r>
+              <a:rPr lang="fr-FR" sz="1400" b="0" dirty="0">
+                <a:solidFill>
+                  <a:srgbClr val="D4D4D4"/>
+                </a:solidFill>
+                <a:effectLst/>
+                <a:latin typeface="Consolas" panose="020B0609020204030204" pitchFamily="49" charset="0"/>
+              </a:rPr>
+              <a:t>) </a:t>
+            </a:r>
+            <a:r>
+              <a:rPr lang="fr-FR" sz="1400" b="0" dirty="0">
+                <a:solidFill>
+                  <a:srgbClr val="6A9955"/>
+                </a:solidFill>
+                <a:effectLst/>
+                <a:latin typeface="Consolas" panose="020B0609020204030204" pitchFamily="49" charset="0"/>
+              </a:rPr>
+              <a:t># </a:t>
+            </a:r>
+            <a:r>
+              <a:rPr lang="fr-FR" sz="1400" b="0" dirty="0" err="1">
+                <a:solidFill>
+                  <a:srgbClr val="6A9955"/>
+                </a:solidFill>
+                <a:effectLst/>
+                <a:latin typeface="Consolas" panose="020B0609020204030204" pitchFamily="49" charset="0"/>
+              </a:rPr>
+              <a:t>eliminer</a:t>
+            </a:r>
+            <a:r>
+              <a:rPr lang="fr-FR" sz="1400" b="0" dirty="0">
+                <a:solidFill>
+                  <a:srgbClr val="6A9955"/>
+                </a:solidFill>
+                <a:effectLst/>
+                <a:latin typeface="Consolas" panose="020B0609020204030204" pitchFamily="49" charset="0"/>
+              </a:rPr>
+              <a:t> la colonne 'id' du </a:t>
+            </a:r>
+            <a:r>
+              <a:rPr lang="fr-FR" sz="1400" b="0" dirty="0" err="1">
+                <a:solidFill>
+                  <a:srgbClr val="6A9955"/>
+                </a:solidFill>
+                <a:effectLst/>
+                <a:latin typeface="Consolas" panose="020B0609020204030204" pitchFamily="49" charset="0"/>
+              </a:rPr>
+              <a:t>test_original_df</a:t>
+            </a:r>
+            <a:endParaRPr lang="fr-FR" sz="1400" b="0" dirty="0">
+              <a:solidFill>
+                <a:srgbClr val="D4D4D4"/>
+              </a:solidFill>
+              <a:effectLst/>
+              <a:latin typeface="Consolas" panose="020B0609020204030204" pitchFamily="49" charset="0"/>
+            </a:endParaRPr>
+          </a:p>
+        </p:txBody>
+      </p:sp>
+    </p:spTree>
+    <p:extLst>
+      <p:ext uri="{BB962C8B-B14F-4D97-AF65-F5344CB8AC3E}">
+        <p14:creationId xmlns:p14="http://schemas.microsoft.com/office/powerpoint/2010/main" val="2817617094"/>
+      </p:ext>
+    </p:extLst>
+  </p:cSld>
+  <p:clrMapOvr>
+    <a:masterClrMapping/>
+  </p:clrMapOvr>
+</p:sld>
+</file>
+
+<file path=ppt/slides/slide9.xml><?xml version="1.0" encoding="utf-8"?>
+<p:sld xmlns:a="http://schemas.openxmlformats.org/drawingml/2006/main" xmlns:r="http://schemas.openxmlformats.org/officeDocument/2006/relationships" xmlns:p="http://schemas.openxmlformats.org/presentationml/2006/main">
+  <p:cSld>
+    <p:spTree>
+      <p:nvGrpSpPr>
+        <p:cNvPr id="1" name=""/>
+        <p:cNvGrpSpPr/>
+        <p:nvPr/>
+      </p:nvGrpSpPr>
+      <p:grpSpPr>
+        <a:xfrm>
+          <a:off x="0" y="0"/>
+          <a:ext cx="0" cy="0"/>
+          <a:chOff x="0" y="0"/>
+          <a:chExt cx="0" cy="0"/>
+        </a:xfrm>
+      </p:grpSpPr>
+      <p:sp>
+        <p:nvSpPr>
+          <p:cNvPr id="2" name="Titre 1">
+            <a:extLst>
+              <a:ext uri="{FF2B5EF4-FFF2-40B4-BE49-F238E27FC236}">
+                <a16:creationId xmlns:a16="http://schemas.microsoft.com/office/drawing/2014/main" id="{5E562972-3449-42D1-8185-B4BEFD52AB44}"/>
+              </a:ext>
+            </a:extLst>
+          </p:cNvPr>
+          <p:cNvSpPr>
+            <a:spLocks noGrp="1"/>
+          </p:cNvSpPr>
+          <p:nvPr>
+            <p:ph type="title"/>
+          </p:nvPr>
+        </p:nvSpPr>
+        <p:spPr>
+          <a:xfrm>
+            <a:off x="922386" y="456497"/>
+            <a:ext cx="11029616" cy="1188720"/>
+          </a:xfrm>
+        </p:spPr>
+        <p:txBody>
+          <a:bodyPr rtlCol="0">
+            <a:normAutofit/>
+          </a:bodyPr>
+          <a:lstStyle/>
+          <a:p>
+            <a:r>
+              <a:rPr lang="fr-FR" dirty="0" err="1"/>
+              <a:t>preprocessing</a:t>
+            </a:r>
+            <a:endParaRPr lang="fr" dirty="0"/>
+          </a:p>
+        </p:txBody>
+      </p:sp>
+      <p:sp>
+        <p:nvSpPr>
+          <p:cNvPr id="5" name="Espace réservé du contenu 4">
+            <a:extLst>
+              <a:ext uri="{FF2B5EF4-FFF2-40B4-BE49-F238E27FC236}">
+                <a16:creationId xmlns:a16="http://schemas.microsoft.com/office/drawing/2014/main" id="{50D39A73-24CA-48FB-974C-001E87197B14}"/>
+              </a:ext>
+            </a:extLst>
+          </p:cNvPr>
+          <p:cNvSpPr>
+            <a:spLocks noGrp="1"/>
+          </p:cNvSpPr>
+          <p:nvPr>
+            <p:ph idx="1"/>
+          </p:nvPr>
+        </p:nvSpPr>
+        <p:spPr>
+          <a:xfrm>
+            <a:off x="922387" y="2223082"/>
+            <a:ext cx="11029615" cy="610855"/>
+          </a:xfrm>
+        </p:spPr>
+        <p:txBody>
+          <a:bodyPr>
+            <a:normAutofit/>
+          </a:bodyPr>
+          <a:lstStyle/>
+          <a:p>
+            <a:pPr marL="0" indent="0">
+              <a:buNone/>
+            </a:pPr>
+            <a:r>
+              <a:rPr lang="fr-FR" dirty="0">
+                <a:solidFill>
+                  <a:schemeClr val="tx1"/>
+                </a:solidFill>
+                <a:latin typeface="Times New Roman" panose="02020603050405020304" pitchFamily="18" charset="0"/>
+                <a:cs typeface="Times New Roman" panose="02020603050405020304" pitchFamily="18" charset="0"/>
+              </a:rPr>
+              <a:t>Vérifier s’il existe des valeurs nulles dans les deux </a:t>
+            </a:r>
+            <a:r>
+              <a:rPr lang="fr-FR" dirty="0" err="1">
+                <a:solidFill>
+                  <a:schemeClr val="tx1"/>
+                </a:solidFill>
+                <a:latin typeface="Times New Roman" panose="02020603050405020304" pitchFamily="18" charset="0"/>
+                <a:cs typeface="Times New Roman" panose="02020603050405020304" pitchFamily="18" charset="0"/>
+              </a:rPr>
+              <a:t>dataframes</a:t>
+            </a:r>
+            <a:r>
+              <a:rPr lang="fr-FR" dirty="0">
+                <a:solidFill>
+                  <a:schemeClr val="tx1"/>
+                </a:solidFill>
+                <a:latin typeface="Times New Roman" panose="02020603050405020304" pitchFamily="18" charset="0"/>
+                <a:cs typeface="Times New Roman" panose="02020603050405020304" pitchFamily="18" charset="0"/>
+              </a:rPr>
+              <a:t> </a:t>
+            </a:r>
+            <a:r>
+              <a:rPr lang="fr-FR" sz="1800" b="0" dirty="0" err="1">
+                <a:solidFill>
+                  <a:schemeClr val="accent1"/>
+                </a:solidFill>
+                <a:effectLst/>
+                <a:latin typeface="Consolas" panose="020B0609020204030204" pitchFamily="49" charset="0"/>
+              </a:rPr>
+              <a:t>train_original_df</a:t>
+            </a:r>
+            <a:r>
+              <a:rPr lang="fr-FR" dirty="0">
+                <a:solidFill>
+                  <a:schemeClr val="accent1"/>
+                </a:solidFill>
+                <a:latin typeface="Times New Roman" panose="02020603050405020304" pitchFamily="18" charset="0"/>
+                <a:cs typeface="Times New Roman" panose="02020603050405020304" pitchFamily="18" charset="0"/>
+              </a:rPr>
+              <a:t> </a:t>
+            </a:r>
+            <a:r>
+              <a:rPr lang="fr-FR" dirty="0">
+                <a:solidFill>
+                  <a:schemeClr val="tx1"/>
+                </a:solidFill>
+                <a:latin typeface="Times New Roman" panose="02020603050405020304" pitchFamily="18" charset="0"/>
+                <a:cs typeface="Times New Roman" panose="02020603050405020304" pitchFamily="18" charset="0"/>
+              </a:rPr>
+              <a:t>et </a:t>
+            </a:r>
+            <a:r>
+              <a:rPr lang="fr-FR" sz="1800" b="0" dirty="0" err="1">
+                <a:solidFill>
+                  <a:schemeClr val="accent1"/>
+                </a:solidFill>
+                <a:effectLst/>
+                <a:latin typeface="Consolas" panose="020B0609020204030204" pitchFamily="49" charset="0"/>
+              </a:rPr>
+              <a:t>test_original_df</a:t>
+            </a:r>
+            <a:endParaRPr lang="fr-FR" dirty="0">
+              <a:solidFill>
+                <a:schemeClr val="accent1"/>
+              </a:solidFill>
+              <a:latin typeface="Times New Roman" panose="02020603050405020304" pitchFamily="18" charset="0"/>
+              <a:cs typeface="Times New Roman" panose="02020603050405020304" pitchFamily="18" charset="0"/>
+            </a:endParaRPr>
+          </a:p>
+        </p:txBody>
+      </p:sp>
+      <p:sp>
+        <p:nvSpPr>
+          <p:cNvPr id="4" name="Titre 1">
+            <a:extLst>
+              <a:ext uri="{FF2B5EF4-FFF2-40B4-BE49-F238E27FC236}">
+                <a16:creationId xmlns:a16="http://schemas.microsoft.com/office/drawing/2014/main" id="{335F46D0-C865-4F1B-95E3-4B62931CF809}"/>
+              </a:ext>
+            </a:extLst>
+          </p:cNvPr>
+          <p:cNvSpPr txBox="1">
+            <a:spLocks/>
+          </p:cNvSpPr>
+          <p:nvPr/>
+        </p:nvSpPr>
+        <p:spPr>
+          <a:xfrm>
+            <a:off x="922386" y="1645217"/>
+            <a:ext cx="11029616" cy="530880"/>
+          </a:xfrm>
+          <a:prstGeom prst="rect">
+            <a:avLst/>
+          </a:prstGeom>
+        </p:spPr>
+        <p:txBody>
+          <a:bodyPr vert="horz" lIns="91440" tIns="45720" rIns="91440" bIns="45720" rtlCol="0" anchor="b">
+            <a:normAutofit/>
+          </a:bodyPr>
+          <a:lstStyle>
+            <a:lvl1pPr algn="l" defTabSz="457200" rtl="0" eaLnBrk="1" latinLnBrk="0" hangingPunct="1">
+              <a:lnSpc>
+                <a:spcPct val="100000"/>
+              </a:lnSpc>
+              <a:spcBef>
+                <a:spcPct val="0"/>
+              </a:spcBef>
+              <a:buNone/>
+              <a:defRPr sz="2800" b="0" kern="1200" cap="all">
+                <a:solidFill>
+                  <a:schemeClr val="tx1">
+                    <a:lumMod val="75000"/>
+                    <a:lumOff val="25000"/>
+                  </a:schemeClr>
+                </a:solidFill>
+                <a:latin typeface="+mj-lt"/>
+                <a:ea typeface="+mj-ea"/>
+                <a:cs typeface="+mj-cs"/>
+              </a:defRPr>
+            </a:lvl1pPr>
+            <a:lvl2pPr eaLnBrk="1" hangingPunct="1">
+              <a:defRPr>
+                <a:solidFill>
+                  <a:schemeClr val="tx2"/>
+                </a:solidFill>
+              </a:defRPr>
+            </a:lvl2pPr>
+            <a:lvl3pPr eaLnBrk="1" hangingPunct="1">
+              <a:defRPr>
+                <a:solidFill>
+                  <a:schemeClr val="tx2"/>
+                </a:solidFill>
+              </a:defRPr>
+            </a:lvl3pPr>
+            <a:lvl4pPr eaLnBrk="1" hangingPunct="1">
+              <a:defRPr>
+                <a:solidFill>
+                  <a:schemeClr val="tx2"/>
+                </a:solidFill>
+              </a:defRPr>
+            </a:lvl4pPr>
+            <a:lvl5pPr eaLnBrk="1" hangingPunct="1">
+              <a:defRPr>
+                <a:solidFill>
+                  <a:schemeClr val="tx2"/>
+                </a:solidFill>
+              </a:defRPr>
+            </a:lvl5pPr>
+            <a:lvl6pPr eaLnBrk="1" hangingPunct="1">
+              <a:defRPr>
+                <a:solidFill>
+                  <a:schemeClr val="tx2"/>
+                </a:solidFill>
+              </a:defRPr>
+            </a:lvl6pPr>
+            <a:lvl7pPr eaLnBrk="1" hangingPunct="1">
+              <a:defRPr>
+                <a:solidFill>
+                  <a:schemeClr val="tx2"/>
+                </a:solidFill>
+              </a:defRPr>
+            </a:lvl7pPr>
+            <a:lvl8pPr eaLnBrk="1" hangingPunct="1">
+              <a:defRPr>
+                <a:solidFill>
+                  <a:schemeClr val="tx2"/>
+                </a:solidFill>
+              </a:defRPr>
+            </a:lvl8pPr>
+            <a:lvl9pPr eaLnBrk="1" hangingPunct="1">
+              <a:defRPr>
+                <a:solidFill>
+                  <a:schemeClr val="tx2"/>
+                </a:solidFill>
+              </a:defRPr>
+            </a:lvl9pPr>
+          </a:lstStyle>
+          <a:p>
+            <a:r>
+              <a:rPr lang="fr-FR" dirty="0"/>
+              <a:t>	</a:t>
+            </a:r>
+            <a:r>
+              <a:rPr lang="fr-FR" sz="2400" dirty="0"/>
+              <a:t>2. nettoyage des valeurs nulles</a:t>
+            </a:r>
+            <a:endParaRPr lang="fr" sz="2400" dirty="0"/>
+          </a:p>
+        </p:txBody>
+      </p:sp>
+      <p:sp>
+        <p:nvSpPr>
+          <p:cNvPr id="6" name="ZoneTexte 5">
+            <a:extLst>
+              <a:ext uri="{FF2B5EF4-FFF2-40B4-BE49-F238E27FC236}">
+                <a16:creationId xmlns:a16="http://schemas.microsoft.com/office/drawing/2014/main" id="{5F0B9CAB-A817-4D40-8DC3-EF44AFD0BEF8}"/>
+              </a:ext>
+            </a:extLst>
+          </p:cNvPr>
+          <p:cNvSpPr txBox="1"/>
+          <p:nvPr/>
+        </p:nvSpPr>
+        <p:spPr>
+          <a:xfrm>
+            <a:off x="922386" y="2784550"/>
+            <a:ext cx="11029614" cy="1138773"/>
+          </a:xfrm>
+          <a:prstGeom prst="rect">
+            <a:avLst/>
+          </a:prstGeom>
+          <a:solidFill>
+            <a:schemeClr val="tx1"/>
+          </a:solidFill>
+        </p:spPr>
+        <p:txBody>
+          <a:bodyPr wrap="square">
+            <a:spAutoFit/>
+          </a:bodyPr>
+          <a:lstStyle/>
+          <a:p>
+            <a:r>
+              <a:rPr lang="fr-FR" sz="1200" b="0" dirty="0">
+                <a:solidFill>
+                  <a:srgbClr val="6A9955"/>
+                </a:solidFill>
+                <a:effectLst/>
+                <a:latin typeface="Consolas" panose="020B0609020204030204" pitchFamily="49" charset="0"/>
+              </a:rPr>
+              <a:t># Vérifier si on a des valeurs </a:t>
+            </a:r>
+            <a:r>
+              <a:rPr lang="fr-FR" sz="1200" b="0" dirty="0" err="1">
+                <a:solidFill>
+                  <a:srgbClr val="6A9955"/>
+                </a:solidFill>
+                <a:effectLst/>
+                <a:latin typeface="Consolas" panose="020B0609020204030204" pitchFamily="49" charset="0"/>
+              </a:rPr>
+              <a:t>null</a:t>
+            </a:r>
+            <a:r>
+              <a:rPr lang="fr-FR" sz="1200" b="0" dirty="0">
+                <a:solidFill>
+                  <a:srgbClr val="6A9955"/>
+                </a:solidFill>
+                <a:effectLst/>
+                <a:latin typeface="Consolas" panose="020B0609020204030204" pitchFamily="49" charset="0"/>
+              </a:rPr>
+              <a:t> dans # Vérifier si on a des valeur </a:t>
+            </a:r>
+            <a:r>
+              <a:rPr lang="fr-FR" sz="1200" b="0" dirty="0" err="1">
+                <a:solidFill>
+                  <a:srgbClr val="6A9955"/>
+                </a:solidFill>
+                <a:effectLst/>
+                <a:latin typeface="Consolas" panose="020B0609020204030204" pitchFamily="49" charset="0"/>
+              </a:rPr>
+              <a:t>null</a:t>
+            </a:r>
+            <a:r>
+              <a:rPr lang="fr-FR" sz="1200" b="0" dirty="0">
+                <a:solidFill>
+                  <a:srgbClr val="6A9955"/>
+                </a:solidFill>
+                <a:effectLst/>
+                <a:latin typeface="Consolas" panose="020B0609020204030204" pitchFamily="49" charset="0"/>
+              </a:rPr>
+              <a:t> dans </a:t>
+            </a:r>
+            <a:r>
+              <a:rPr lang="fr-FR" sz="1200" b="0" dirty="0" err="1">
+                <a:solidFill>
+                  <a:srgbClr val="6A9955"/>
+                </a:solidFill>
+                <a:effectLst/>
+                <a:latin typeface="Consolas" panose="020B0609020204030204" pitchFamily="49" charset="0"/>
+              </a:rPr>
+              <a:t>test_original_df</a:t>
+            </a:r>
+            <a:r>
+              <a:rPr lang="fr-FR" sz="1200" b="0" dirty="0">
+                <a:solidFill>
+                  <a:srgbClr val="6A9955"/>
+                </a:solidFill>
+                <a:effectLst/>
+                <a:latin typeface="Consolas" panose="020B0609020204030204" pitchFamily="49" charset="0"/>
+              </a:rPr>
+              <a:t> et </a:t>
+            </a:r>
+            <a:r>
+              <a:rPr lang="fr-FR" sz="1200" b="0" dirty="0" err="1">
+                <a:solidFill>
+                  <a:srgbClr val="6A9955"/>
+                </a:solidFill>
+                <a:effectLst/>
+                <a:latin typeface="Consolas" panose="020B0609020204030204" pitchFamily="49" charset="0"/>
+              </a:rPr>
+              <a:t>test_original_df</a:t>
+            </a:r>
+            <a:endParaRPr lang="fr-FR" sz="1400" b="0" dirty="0">
+              <a:solidFill>
+                <a:srgbClr val="D4D4D4"/>
+              </a:solidFill>
+              <a:effectLst/>
+              <a:latin typeface="Consolas" panose="020B0609020204030204" pitchFamily="49" charset="0"/>
+            </a:endParaRPr>
+          </a:p>
+          <a:p>
+            <a:r>
+              <a:rPr lang="fr-FR" sz="1400" b="0" dirty="0" err="1">
+                <a:solidFill>
+                  <a:srgbClr val="9CDCFE"/>
+                </a:solidFill>
+                <a:effectLst/>
+                <a:latin typeface="Consolas" panose="020B0609020204030204" pitchFamily="49" charset="0"/>
+              </a:rPr>
+              <a:t>train_original_df</a:t>
+            </a:r>
+            <a:r>
+              <a:rPr lang="fr-FR" sz="1400" b="0" dirty="0" err="1">
+                <a:solidFill>
+                  <a:srgbClr val="D4D4D4"/>
+                </a:solidFill>
+                <a:effectLst/>
+                <a:latin typeface="Consolas" panose="020B0609020204030204" pitchFamily="49" charset="0"/>
+              </a:rPr>
+              <a:t>.</a:t>
+            </a:r>
+            <a:r>
+              <a:rPr lang="fr-FR" sz="1400" b="0" dirty="0" err="1">
+                <a:solidFill>
+                  <a:srgbClr val="DCDCAA"/>
+                </a:solidFill>
+                <a:effectLst/>
+                <a:latin typeface="Consolas" panose="020B0609020204030204" pitchFamily="49" charset="0"/>
+              </a:rPr>
+              <a:t>isnull</a:t>
+            </a:r>
+            <a:r>
+              <a:rPr lang="fr-FR" sz="1400" b="0" dirty="0">
+                <a:solidFill>
+                  <a:srgbClr val="D4D4D4"/>
+                </a:solidFill>
+                <a:effectLst/>
+                <a:latin typeface="Consolas" panose="020B0609020204030204" pitchFamily="49" charset="0"/>
+              </a:rPr>
+              <a:t>().</a:t>
+            </a:r>
+            <a:r>
+              <a:rPr lang="fr-FR" sz="1400" b="0" dirty="0" err="1">
+                <a:solidFill>
+                  <a:srgbClr val="DCDCAA"/>
+                </a:solidFill>
+                <a:effectLst/>
+                <a:latin typeface="Consolas" panose="020B0609020204030204" pitchFamily="49" charset="0"/>
+              </a:rPr>
+              <a:t>sum</a:t>
+            </a:r>
+            <a:r>
+              <a:rPr lang="fr-FR" sz="1400" b="0" dirty="0">
+                <a:solidFill>
+                  <a:srgbClr val="D4D4D4"/>
+                </a:solidFill>
+                <a:effectLst/>
+                <a:latin typeface="Consolas" panose="020B0609020204030204" pitchFamily="49" charset="0"/>
+              </a:rPr>
+              <a:t>() </a:t>
+            </a:r>
+            <a:r>
+              <a:rPr lang="fr-FR" sz="1400" b="0" dirty="0">
+                <a:solidFill>
+                  <a:srgbClr val="6A9955"/>
+                </a:solidFill>
+                <a:effectLst/>
+                <a:latin typeface="Consolas" panose="020B0609020204030204" pitchFamily="49" charset="0"/>
+              </a:rPr>
+              <a:t># retourne la somme des valeurs nulles dans chaque colonne du </a:t>
+            </a:r>
+            <a:r>
+              <a:rPr lang="fr-FR" sz="1400" b="0" dirty="0" err="1">
+                <a:solidFill>
+                  <a:srgbClr val="6A9955"/>
+                </a:solidFill>
+                <a:effectLst/>
+                <a:latin typeface="Consolas" panose="020B0609020204030204" pitchFamily="49" charset="0"/>
+              </a:rPr>
+              <a:t>dataframe</a:t>
+            </a:r>
+            <a:endParaRPr lang="fr-FR" sz="1400" b="0" dirty="0">
+              <a:solidFill>
+                <a:srgbClr val="D4D4D4"/>
+              </a:solidFill>
+              <a:effectLst/>
+              <a:latin typeface="Consolas" panose="020B0609020204030204" pitchFamily="49" charset="0"/>
+            </a:endParaRPr>
+          </a:p>
+          <a:p>
+            <a:r>
+              <a:rPr lang="fr-FR" sz="1400" b="0" dirty="0" err="1">
+                <a:solidFill>
+                  <a:srgbClr val="9CDCFE"/>
+                </a:solidFill>
+                <a:effectLst/>
+                <a:latin typeface="Consolas" panose="020B0609020204030204" pitchFamily="49" charset="0"/>
+              </a:rPr>
+              <a:t>test_original_df</a:t>
+            </a:r>
+            <a:r>
+              <a:rPr lang="fr-FR" sz="1400" b="0" dirty="0" err="1">
+                <a:solidFill>
+                  <a:srgbClr val="D4D4D4"/>
+                </a:solidFill>
+                <a:effectLst/>
+                <a:latin typeface="Consolas" panose="020B0609020204030204" pitchFamily="49" charset="0"/>
+              </a:rPr>
+              <a:t>.</a:t>
+            </a:r>
+            <a:r>
+              <a:rPr lang="fr-FR" sz="1400" b="0" dirty="0" err="1">
+                <a:solidFill>
+                  <a:srgbClr val="DCDCAA"/>
+                </a:solidFill>
+                <a:effectLst/>
+                <a:latin typeface="Consolas" panose="020B0609020204030204" pitchFamily="49" charset="0"/>
+              </a:rPr>
+              <a:t>isnull</a:t>
+            </a:r>
+            <a:r>
+              <a:rPr lang="fr-FR" sz="1400" b="0" dirty="0">
+                <a:solidFill>
+                  <a:srgbClr val="D4D4D4"/>
+                </a:solidFill>
+                <a:effectLst/>
+                <a:latin typeface="Consolas" panose="020B0609020204030204" pitchFamily="49" charset="0"/>
+              </a:rPr>
+              <a:t>().</a:t>
+            </a:r>
+            <a:r>
+              <a:rPr lang="fr-FR" sz="1400" b="0" dirty="0" err="1">
+                <a:solidFill>
+                  <a:srgbClr val="DCDCAA"/>
+                </a:solidFill>
+                <a:effectLst/>
+                <a:latin typeface="Consolas" panose="020B0609020204030204" pitchFamily="49" charset="0"/>
+              </a:rPr>
+              <a:t>sum</a:t>
+            </a:r>
+            <a:r>
+              <a:rPr lang="fr-FR" sz="1400" b="0" dirty="0">
+                <a:solidFill>
+                  <a:srgbClr val="D4D4D4"/>
+                </a:solidFill>
+                <a:effectLst/>
+                <a:latin typeface="Consolas" panose="020B0609020204030204" pitchFamily="49" charset="0"/>
+              </a:rPr>
+              <a:t>()</a:t>
+            </a:r>
+          </a:p>
+          <a:p>
+            <a:endParaRPr lang="fr-FR" sz="1400" dirty="0">
+              <a:solidFill>
+                <a:srgbClr val="D4D4D4"/>
+              </a:solidFill>
+              <a:latin typeface="Consolas" panose="020B0609020204030204" pitchFamily="49" charset="0"/>
+            </a:endParaRPr>
+          </a:p>
+          <a:p>
+            <a:r>
+              <a:rPr lang="fr-FR" sz="1400" b="0" dirty="0">
+                <a:solidFill>
+                  <a:srgbClr val="6A9955"/>
+                </a:solidFill>
+                <a:effectLst/>
+                <a:latin typeface="Consolas" panose="020B0609020204030204" pitchFamily="49" charset="0"/>
+              </a:rPr>
+              <a:t># Ou avec </a:t>
+            </a:r>
+            <a:r>
+              <a:rPr lang="fr-FR" sz="1400" b="0" dirty="0" err="1">
+                <a:solidFill>
+                  <a:srgbClr val="6A9955"/>
+                </a:solidFill>
+                <a:effectLst/>
+                <a:latin typeface="Consolas" panose="020B0609020204030204" pitchFamily="49" charset="0"/>
+              </a:rPr>
+              <a:t>test_original_df.isnull</a:t>
+            </a:r>
+            <a:r>
+              <a:rPr lang="fr-FR" sz="1400" dirty="0">
+                <a:solidFill>
+                  <a:srgbClr val="6A9955"/>
+                </a:solidFill>
+                <a:latin typeface="Consolas" panose="020B0609020204030204" pitchFamily="49" charset="0"/>
+              </a:rPr>
+              <a:t>()</a:t>
+            </a:r>
+            <a:r>
+              <a:rPr lang="fr-FR" sz="1400" b="0" dirty="0">
+                <a:solidFill>
+                  <a:srgbClr val="6A9955"/>
+                </a:solidFill>
+                <a:effectLst/>
+                <a:latin typeface="Consolas" panose="020B0609020204030204" pitchFamily="49" charset="0"/>
+              </a:rPr>
+              <a:t> sans rajouter </a:t>
+            </a:r>
+            <a:r>
+              <a:rPr lang="fr-FR" sz="1400" b="0" dirty="0" err="1">
+                <a:solidFill>
+                  <a:srgbClr val="6A9955"/>
+                </a:solidFill>
+                <a:effectLst/>
+                <a:latin typeface="Consolas" panose="020B0609020204030204" pitchFamily="49" charset="0"/>
+              </a:rPr>
+              <a:t>sum</a:t>
+            </a:r>
+            <a:r>
+              <a:rPr lang="fr-FR" sz="1400" b="0" dirty="0">
+                <a:solidFill>
+                  <a:srgbClr val="6A9955"/>
+                </a:solidFill>
+                <a:effectLst/>
+                <a:latin typeface="Consolas" panose="020B0609020204030204" pitchFamily="49" charset="0"/>
+              </a:rPr>
+              <a:t>() qui retourne un </a:t>
+            </a:r>
+            <a:r>
+              <a:rPr lang="fr-FR" sz="1400" b="0" dirty="0" err="1">
+                <a:solidFill>
+                  <a:srgbClr val="6A9955"/>
+                </a:solidFill>
+                <a:effectLst/>
+                <a:latin typeface="Consolas" panose="020B0609020204030204" pitchFamily="49" charset="0"/>
+              </a:rPr>
+              <a:t>boolean</a:t>
+            </a:r>
+            <a:endParaRPr lang="fr-FR" sz="1400" b="0" dirty="0">
+              <a:solidFill>
+                <a:srgbClr val="D4D4D4"/>
+              </a:solidFill>
+              <a:effectLst/>
+              <a:latin typeface="Consolas" panose="020B0609020204030204" pitchFamily="49" charset="0"/>
+            </a:endParaRPr>
+          </a:p>
+        </p:txBody>
+      </p:sp>
+      <p:pic>
+        <p:nvPicPr>
+          <p:cNvPr id="7" name="Image 6" descr="Une image contenant texte&#10;&#10;Description générée automatiquement">
+            <a:extLst>
+              <a:ext uri="{FF2B5EF4-FFF2-40B4-BE49-F238E27FC236}">
+                <a16:creationId xmlns:a16="http://schemas.microsoft.com/office/drawing/2014/main" id="{47003169-A222-4A32-8C2D-E90681C8B3A8}"/>
+              </a:ext>
+            </a:extLst>
+          </p:cNvPr>
+          <p:cNvPicPr>
+            <a:picLocks noChangeAspect="1"/>
+          </p:cNvPicPr>
+          <p:nvPr/>
+        </p:nvPicPr>
+        <p:blipFill>
+          <a:blip r:embed="rId2">
+            <a:extLst>
+              <a:ext uri="{28A0092B-C50C-407E-A947-70E740481C1C}">
+                <a14:useLocalDpi xmlns:a14="http://schemas.microsoft.com/office/drawing/2010/main" val="0"/>
+              </a:ext>
+            </a:extLst>
+          </a:blip>
+          <a:stretch>
+            <a:fillRect/>
+          </a:stretch>
+        </p:blipFill>
+        <p:spPr>
+          <a:xfrm>
+            <a:off x="2556446" y="4041044"/>
+            <a:ext cx="1570937" cy="2036117"/>
+          </a:xfrm>
+          <a:prstGeom prst="rect">
+            <a:avLst/>
+          </a:prstGeom>
+        </p:spPr>
+      </p:pic>
+      <p:pic>
+        <p:nvPicPr>
+          <p:cNvPr id="9" name="Image 8" descr="Une image contenant texte&#10;&#10;Description générée automatiquement">
+            <a:extLst>
+              <a:ext uri="{FF2B5EF4-FFF2-40B4-BE49-F238E27FC236}">
+                <a16:creationId xmlns:a16="http://schemas.microsoft.com/office/drawing/2014/main" id="{F06ACED4-A4A6-463A-A418-CDB1B4353DFC}"/>
+              </a:ext>
+            </a:extLst>
+          </p:cNvPr>
+          <p:cNvPicPr>
+            <a:picLocks noChangeAspect="1"/>
+          </p:cNvPicPr>
+          <p:nvPr/>
+        </p:nvPicPr>
+        <p:blipFill>
+          <a:blip r:embed="rId3">
+            <a:extLst>
+              <a:ext uri="{28A0092B-C50C-407E-A947-70E740481C1C}">
+                <a14:useLocalDpi xmlns:a14="http://schemas.microsoft.com/office/drawing/2010/main" val="0"/>
+              </a:ext>
+            </a:extLst>
+          </a:blip>
+          <a:stretch>
+            <a:fillRect/>
+          </a:stretch>
+        </p:blipFill>
+        <p:spPr>
+          <a:xfrm>
+            <a:off x="7077512" y="4041044"/>
+            <a:ext cx="1696765" cy="2036117"/>
+          </a:xfrm>
+          <a:prstGeom prst="rect">
+            <a:avLst/>
+          </a:prstGeom>
+        </p:spPr>
+      </p:pic>
+      <p:sp>
+        <p:nvSpPr>
+          <p:cNvPr id="10" name="Titre 1">
+            <a:extLst>
+              <a:ext uri="{FF2B5EF4-FFF2-40B4-BE49-F238E27FC236}">
+                <a16:creationId xmlns:a16="http://schemas.microsoft.com/office/drawing/2014/main" id="{28563B36-CA93-4DB9-ABC0-62919CDCE3BD}"/>
+              </a:ext>
+            </a:extLst>
+          </p:cNvPr>
+          <p:cNvSpPr txBox="1">
+            <a:spLocks/>
+          </p:cNvSpPr>
+          <p:nvPr/>
+        </p:nvSpPr>
+        <p:spPr>
+          <a:xfrm>
+            <a:off x="2556445" y="6127770"/>
+            <a:ext cx="1570937" cy="273199"/>
+          </a:xfrm>
+          <a:prstGeom prst="rect">
+            <a:avLst/>
+          </a:prstGeom>
+        </p:spPr>
+        <p:txBody>
+          <a:bodyPr vert="horz" lIns="91440" tIns="45720" rIns="91440" bIns="45720" rtlCol="0" anchor="b">
+            <a:normAutofit fontScale="55000" lnSpcReduction="20000"/>
+          </a:bodyPr>
+          <a:lstStyle>
+            <a:lvl1pPr algn="l" defTabSz="457200" rtl="0" eaLnBrk="1" latinLnBrk="0" hangingPunct="1">
+              <a:lnSpc>
+                <a:spcPct val="100000"/>
+              </a:lnSpc>
+              <a:spcBef>
+                <a:spcPct val="0"/>
+              </a:spcBef>
+              <a:buNone/>
+              <a:defRPr sz="2800" b="0" kern="1200" cap="all">
+                <a:solidFill>
+                  <a:schemeClr val="tx1">
+                    <a:lumMod val="75000"/>
+                    <a:lumOff val="25000"/>
+                  </a:schemeClr>
+                </a:solidFill>
+                <a:latin typeface="+mj-lt"/>
+                <a:ea typeface="+mj-ea"/>
+                <a:cs typeface="+mj-cs"/>
+              </a:defRPr>
+            </a:lvl1pPr>
+            <a:lvl2pPr eaLnBrk="1" hangingPunct="1">
+              <a:defRPr>
+                <a:solidFill>
+                  <a:schemeClr val="tx2"/>
+                </a:solidFill>
+              </a:defRPr>
+            </a:lvl2pPr>
+            <a:lvl3pPr eaLnBrk="1" hangingPunct="1">
+              <a:defRPr>
+                <a:solidFill>
+                  <a:schemeClr val="tx2"/>
+                </a:solidFill>
+              </a:defRPr>
+            </a:lvl3pPr>
+            <a:lvl4pPr eaLnBrk="1" hangingPunct="1">
+              <a:defRPr>
+                <a:solidFill>
+                  <a:schemeClr val="tx2"/>
+                </a:solidFill>
+              </a:defRPr>
+            </a:lvl4pPr>
+            <a:lvl5pPr eaLnBrk="1" hangingPunct="1">
+              <a:defRPr>
+                <a:solidFill>
+                  <a:schemeClr val="tx2"/>
+                </a:solidFill>
+              </a:defRPr>
+            </a:lvl5pPr>
+            <a:lvl6pPr eaLnBrk="1" hangingPunct="1">
+              <a:defRPr>
+                <a:solidFill>
+                  <a:schemeClr val="tx2"/>
+                </a:solidFill>
+              </a:defRPr>
+            </a:lvl6pPr>
+            <a:lvl7pPr eaLnBrk="1" hangingPunct="1">
+              <a:defRPr>
+                <a:solidFill>
+                  <a:schemeClr val="tx2"/>
+                </a:solidFill>
+              </a:defRPr>
+            </a:lvl7pPr>
+            <a:lvl8pPr eaLnBrk="1" hangingPunct="1">
+              <a:defRPr>
+                <a:solidFill>
+                  <a:schemeClr val="tx2"/>
+                </a:solidFill>
+              </a:defRPr>
+            </a:lvl8pPr>
+            <a:lvl9pPr eaLnBrk="1" hangingPunct="1">
+              <a:defRPr>
+                <a:solidFill>
+                  <a:schemeClr val="tx2"/>
+                </a:solidFill>
+              </a:defRPr>
+            </a:lvl9pPr>
+          </a:lstStyle>
+          <a:p>
+            <a:pPr algn="ctr"/>
+            <a:r>
+              <a:rPr lang="fr-FR" sz="2400" cap="none" dirty="0"/>
+              <a:t>t</a:t>
+            </a:r>
+            <a:r>
+              <a:rPr lang="fr" sz="2400" cap="none" dirty="0"/>
+              <a:t>rain_original_df</a:t>
+            </a:r>
+          </a:p>
+        </p:txBody>
+      </p:sp>
+      <p:sp>
+        <p:nvSpPr>
+          <p:cNvPr id="11" name="Titre 1">
+            <a:extLst>
+              <a:ext uri="{FF2B5EF4-FFF2-40B4-BE49-F238E27FC236}">
+                <a16:creationId xmlns:a16="http://schemas.microsoft.com/office/drawing/2014/main" id="{E31D1655-F501-494E-AEE1-101D56C743A3}"/>
+              </a:ext>
+            </a:extLst>
+          </p:cNvPr>
+          <p:cNvSpPr txBox="1">
+            <a:spLocks/>
+          </p:cNvSpPr>
+          <p:nvPr/>
+        </p:nvSpPr>
+        <p:spPr>
+          <a:xfrm>
+            <a:off x="7140425" y="6127770"/>
+            <a:ext cx="1570937" cy="273199"/>
+          </a:xfrm>
+          <a:prstGeom prst="rect">
+            <a:avLst/>
+          </a:prstGeom>
+        </p:spPr>
+        <p:txBody>
+          <a:bodyPr vert="horz" lIns="91440" tIns="45720" rIns="91440" bIns="45720" rtlCol="0" anchor="b">
+            <a:normAutofit fontScale="55000" lnSpcReduction="20000"/>
+          </a:bodyPr>
+          <a:lstStyle>
+            <a:lvl1pPr algn="l" defTabSz="457200" rtl="0" eaLnBrk="1" latinLnBrk="0" hangingPunct="1">
+              <a:lnSpc>
+                <a:spcPct val="100000"/>
+              </a:lnSpc>
+              <a:spcBef>
+                <a:spcPct val="0"/>
+              </a:spcBef>
+              <a:buNone/>
+              <a:defRPr sz="2800" b="0" kern="1200" cap="all">
+                <a:solidFill>
+                  <a:schemeClr val="tx1">
+                    <a:lumMod val="75000"/>
+                    <a:lumOff val="25000"/>
+                  </a:schemeClr>
+                </a:solidFill>
+                <a:latin typeface="+mj-lt"/>
+                <a:ea typeface="+mj-ea"/>
+                <a:cs typeface="+mj-cs"/>
+              </a:defRPr>
+            </a:lvl1pPr>
+            <a:lvl2pPr eaLnBrk="1" hangingPunct="1">
+              <a:defRPr>
+                <a:solidFill>
+                  <a:schemeClr val="tx2"/>
+                </a:solidFill>
+              </a:defRPr>
+            </a:lvl2pPr>
+            <a:lvl3pPr eaLnBrk="1" hangingPunct="1">
+              <a:defRPr>
+                <a:solidFill>
+                  <a:schemeClr val="tx2"/>
+                </a:solidFill>
+              </a:defRPr>
+            </a:lvl3pPr>
+            <a:lvl4pPr eaLnBrk="1" hangingPunct="1">
+              <a:defRPr>
+                <a:solidFill>
+                  <a:schemeClr val="tx2"/>
+                </a:solidFill>
+              </a:defRPr>
+            </a:lvl4pPr>
+            <a:lvl5pPr eaLnBrk="1" hangingPunct="1">
+              <a:defRPr>
+                <a:solidFill>
+                  <a:schemeClr val="tx2"/>
+                </a:solidFill>
+              </a:defRPr>
+            </a:lvl5pPr>
+            <a:lvl6pPr eaLnBrk="1" hangingPunct="1">
+              <a:defRPr>
+                <a:solidFill>
+                  <a:schemeClr val="tx2"/>
+                </a:solidFill>
+              </a:defRPr>
+            </a:lvl6pPr>
+            <a:lvl7pPr eaLnBrk="1" hangingPunct="1">
+              <a:defRPr>
+                <a:solidFill>
+                  <a:schemeClr val="tx2"/>
+                </a:solidFill>
+              </a:defRPr>
+            </a:lvl7pPr>
+            <a:lvl8pPr eaLnBrk="1" hangingPunct="1">
+              <a:defRPr>
+                <a:solidFill>
+                  <a:schemeClr val="tx2"/>
+                </a:solidFill>
+              </a:defRPr>
+            </a:lvl8pPr>
+            <a:lvl9pPr eaLnBrk="1" hangingPunct="1">
+              <a:defRPr>
+                <a:solidFill>
+                  <a:schemeClr val="tx2"/>
+                </a:solidFill>
+              </a:defRPr>
+            </a:lvl9pPr>
+          </a:lstStyle>
+          <a:p>
+            <a:pPr algn="ctr"/>
+            <a:r>
+              <a:rPr lang="fr-FR" sz="2400" cap="none" dirty="0"/>
+              <a:t>t</a:t>
+            </a:r>
+            <a:r>
+              <a:rPr lang="fr" sz="2400" cap="none" dirty="0"/>
+              <a:t>est_original_df</a:t>
+            </a:r>
+          </a:p>
+        </p:txBody>
+      </p:sp>
+    </p:spTree>
+    <p:extLst>
+      <p:ext uri="{BB962C8B-B14F-4D97-AF65-F5344CB8AC3E}">
+        <p14:creationId xmlns:p14="http://schemas.microsoft.com/office/powerpoint/2010/main" val="294225839"/>
       </p:ext>
     </p:extLst>
   </p:cSld>
